--- a/docs/diagrams/UndoRedoSequenceDiagram.pptx
+++ b/docs/diagrams/UndoRedoSequenceDiagram.pptx
@@ -5,10 +5,12 @@
     <p:sldMasterId id="2147483648" r:id="rId1"/>
   </p:sldMasterIdLst>
   <p:notesMasterIdLst>
-    <p:notesMasterId r:id="rId3"/>
+    <p:notesMasterId r:id="rId5"/>
   </p:notesMasterIdLst>
   <p:sldIdLst>
     <p:sldId id="267" r:id="rId2"/>
+    <p:sldId id="269" r:id="rId3"/>
+    <p:sldId id="268" r:id="rId4"/>
   </p:sldIdLst>
   <p:sldSz cx="9144000" cy="6858000" type="screen4x3"/>
   <p:notesSz cx="6858000" cy="9144000"/>
@@ -126,10 +128,6 @@
 </p:presentation>
 </file>
 
-<file path=ppt/revisionInfo.xml><?xml version="1.0" encoding="utf-8"?>
-<p1510:revInfo xmlns:a="http://schemas.openxmlformats.org/drawingml/2006/main" xmlns:r="http://schemas.openxmlformats.org/officeDocument/2006/relationships" xmlns:p1510="http://schemas.microsoft.com/office/powerpoint/2015/10/main"/>
-</file>
-
 <file path=ppt/notesMasters/notesMaster1.xml><?xml version="1.0" encoding="utf-8"?>
 <p:notesMaster xmlns:a="http://schemas.openxmlformats.org/drawingml/2006/main" xmlns:r="http://schemas.openxmlformats.org/officeDocument/2006/relationships" xmlns:p="http://schemas.openxmlformats.org/presentationml/2006/main">
   <p:cSld>
@@ -212,7 +210,7 @@
           <a:p>
             <a:fld id="{F5CC4B3F-88C1-4FFA-B1B6-F41C21DC6924}" type="datetimeFigureOut">
               <a:rPr lang="en-US" smtClean="0"/>
-              <a:t>7/6/2018</a:t>
+              <a:t>11/10/2018</a:t>
             </a:fld>
             <a:endParaRPr lang="en-US"/>
           </a:p>
@@ -479,6 +477,174 @@
 </p:notesMaster>
 </file>
 
+<file path=ppt/notesSlides/notesSlide1.xml><?xml version="1.0" encoding="utf-8"?>
+<p:notes xmlns:a="http://schemas.openxmlformats.org/drawingml/2006/main" xmlns:r="http://schemas.openxmlformats.org/officeDocument/2006/relationships" xmlns:p="http://schemas.openxmlformats.org/presentationml/2006/main">
+  <p:cSld>
+    <p:spTree>
+      <p:nvGrpSpPr>
+        <p:cNvPr id="1" name=""/>
+        <p:cNvGrpSpPr/>
+        <p:nvPr/>
+      </p:nvGrpSpPr>
+      <p:grpSpPr>
+        <a:xfrm>
+          <a:off x="0" y="0"/>
+          <a:ext cx="0" cy="0"/>
+          <a:chOff x="0" y="0"/>
+          <a:chExt cx="0" cy="0"/>
+        </a:xfrm>
+      </p:grpSpPr>
+      <p:sp>
+        <p:nvSpPr>
+          <p:cNvPr id="2" name="Slide Image Placeholder 1"/>
+          <p:cNvSpPr>
+            <a:spLocks noGrp="1" noRot="1" noChangeAspect="1"/>
+          </p:cNvSpPr>
+          <p:nvPr>
+            <p:ph type="sldImg"/>
+          </p:nvPr>
+        </p:nvSpPr>
+        <p:spPr/>
+      </p:sp>
+      <p:sp>
+        <p:nvSpPr>
+          <p:cNvPr id="3" name="Notes Placeholder 2"/>
+          <p:cNvSpPr>
+            <a:spLocks noGrp="1"/>
+          </p:cNvSpPr>
+          <p:nvPr>
+            <p:ph type="body" idx="1"/>
+          </p:nvPr>
+        </p:nvSpPr>
+        <p:spPr/>
+        <p:txBody>
+          <a:bodyPr/>
+          <a:lstStyle/>
+          <a:p>
+            <a:endParaRPr lang="en-SG" dirty="0"/>
+          </a:p>
+        </p:txBody>
+      </p:sp>
+      <p:sp>
+        <p:nvSpPr>
+          <p:cNvPr id="4" name="Slide Number Placeholder 3"/>
+          <p:cNvSpPr>
+            <a:spLocks noGrp="1"/>
+          </p:cNvSpPr>
+          <p:nvPr>
+            <p:ph type="sldNum" sz="quarter" idx="5"/>
+          </p:nvPr>
+        </p:nvSpPr>
+        <p:spPr/>
+        <p:txBody>
+          <a:bodyPr/>
+          <a:lstStyle/>
+          <a:p>
+            <a:fld id="{5A7AB025-77E3-4BD1-A2FD-B3183DBA47A3}" type="slidenum">
+              <a:rPr lang="en-US" smtClean="0"/>
+              <a:t>2</a:t>
+            </a:fld>
+            <a:endParaRPr lang="en-US"/>
+          </a:p>
+        </p:txBody>
+      </p:sp>
+    </p:spTree>
+    <p:extLst>
+      <p:ext uri="{BB962C8B-B14F-4D97-AF65-F5344CB8AC3E}">
+        <p14:creationId xmlns:p14="http://schemas.microsoft.com/office/powerpoint/2010/main" val="3438093887"/>
+      </p:ext>
+    </p:extLst>
+  </p:cSld>
+  <p:clrMapOvr>
+    <a:masterClrMapping/>
+  </p:clrMapOvr>
+</p:notes>
+</file>
+
+<file path=ppt/notesSlides/notesSlide2.xml><?xml version="1.0" encoding="utf-8"?>
+<p:notes xmlns:a="http://schemas.openxmlformats.org/drawingml/2006/main" xmlns:r="http://schemas.openxmlformats.org/officeDocument/2006/relationships" xmlns:p="http://schemas.openxmlformats.org/presentationml/2006/main">
+  <p:cSld>
+    <p:spTree>
+      <p:nvGrpSpPr>
+        <p:cNvPr id="1" name=""/>
+        <p:cNvGrpSpPr/>
+        <p:nvPr/>
+      </p:nvGrpSpPr>
+      <p:grpSpPr>
+        <a:xfrm>
+          <a:off x="0" y="0"/>
+          <a:ext cx="0" cy="0"/>
+          <a:chOff x="0" y="0"/>
+          <a:chExt cx="0" cy="0"/>
+        </a:xfrm>
+      </p:grpSpPr>
+      <p:sp>
+        <p:nvSpPr>
+          <p:cNvPr id="2" name="Slide Image Placeholder 1"/>
+          <p:cNvSpPr>
+            <a:spLocks noGrp="1" noRot="1" noChangeAspect="1"/>
+          </p:cNvSpPr>
+          <p:nvPr>
+            <p:ph type="sldImg"/>
+          </p:nvPr>
+        </p:nvSpPr>
+        <p:spPr/>
+      </p:sp>
+      <p:sp>
+        <p:nvSpPr>
+          <p:cNvPr id="3" name="Notes Placeholder 2"/>
+          <p:cNvSpPr>
+            <a:spLocks noGrp="1"/>
+          </p:cNvSpPr>
+          <p:nvPr>
+            <p:ph type="body" idx="1"/>
+          </p:nvPr>
+        </p:nvSpPr>
+        <p:spPr/>
+        <p:txBody>
+          <a:bodyPr/>
+          <a:lstStyle/>
+          <a:p>
+            <a:endParaRPr lang="en-SG" dirty="0"/>
+          </a:p>
+        </p:txBody>
+      </p:sp>
+      <p:sp>
+        <p:nvSpPr>
+          <p:cNvPr id="4" name="Slide Number Placeholder 3"/>
+          <p:cNvSpPr>
+            <a:spLocks noGrp="1"/>
+          </p:cNvSpPr>
+          <p:nvPr>
+            <p:ph type="sldNum" sz="quarter" idx="5"/>
+          </p:nvPr>
+        </p:nvSpPr>
+        <p:spPr/>
+        <p:txBody>
+          <a:bodyPr/>
+          <a:lstStyle/>
+          <a:p>
+            <a:fld id="{5A7AB025-77E3-4BD1-A2FD-B3183DBA47A3}" type="slidenum">
+              <a:rPr lang="en-US" smtClean="0"/>
+              <a:t>3</a:t>
+            </a:fld>
+            <a:endParaRPr lang="en-US"/>
+          </a:p>
+        </p:txBody>
+      </p:sp>
+    </p:spTree>
+    <p:extLst>
+      <p:ext uri="{BB962C8B-B14F-4D97-AF65-F5344CB8AC3E}">
+        <p14:creationId xmlns:p14="http://schemas.microsoft.com/office/powerpoint/2010/main" val="1014523914"/>
+      </p:ext>
+    </p:extLst>
+  </p:cSld>
+  <p:clrMapOvr>
+    <a:masterClrMapping/>
+  </p:clrMapOvr>
+</p:notes>
+</file>
+
 <file path=ppt/slideLayouts/slideLayout1.xml><?xml version="1.0" encoding="utf-8"?>
 <p:sldLayout xmlns:a="http://schemas.openxmlformats.org/drawingml/2006/main" xmlns:r="http://schemas.openxmlformats.org/officeDocument/2006/relationships" xmlns:p="http://schemas.openxmlformats.org/presentationml/2006/main" type="title" preserve="1">
   <p:cSld name="Title Slide">
@@ -658,7 +824,7 @@
           <a:p>
             <a:fld id="{78C97017-6FC3-485B-9764-EAC9E56C1D49}" type="datetimeFigureOut">
               <a:rPr lang="en-US" smtClean="0"/>
-              <a:t>7/6/2018</a:t>
+              <a:t>11/10/2018</a:t>
             </a:fld>
             <a:endParaRPr lang="en-US"/>
           </a:p>
@@ -826,7 +992,7 @@
           <a:p>
             <a:fld id="{78C97017-6FC3-485B-9764-EAC9E56C1D49}" type="datetimeFigureOut">
               <a:rPr lang="en-US" smtClean="0"/>
-              <a:t>7/6/2018</a:t>
+              <a:t>11/10/2018</a:t>
             </a:fld>
             <a:endParaRPr lang="en-US"/>
           </a:p>
@@ -1004,7 +1170,7 @@
           <a:p>
             <a:fld id="{78C97017-6FC3-485B-9764-EAC9E56C1D49}" type="datetimeFigureOut">
               <a:rPr lang="en-US" smtClean="0"/>
-              <a:t>7/6/2018</a:t>
+              <a:t>11/10/2018</a:t>
             </a:fld>
             <a:endParaRPr lang="en-US"/>
           </a:p>
@@ -1172,7 +1338,7 @@
           <a:p>
             <a:fld id="{78C97017-6FC3-485B-9764-EAC9E56C1D49}" type="datetimeFigureOut">
               <a:rPr lang="en-US" smtClean="0"/>
-              <a:t>7/6/2018</a:t>
+              <a:t>11/10/2018</a:t>
             </a:fld>
             <a:endParaRPr lang="en-US"/>
           </a:p>
@@ -1417,7 +1583,7 @@
           <a:p>
             <a:fld id="{78C97017-6FC3-485B-9764-EAC9E56C1D49}" type="datetimeFigureOut">
               <a:rPr lang="en-US" smtClean="0"/>
-              <a:t>7/6/2018</a:t>
+              <a:t>11/10/2018</a:t>
             </a:fld>
             <a:endParaRPr lang="en-US"/>
           </a:p>
@@ -1702,7 +1868,7 @@
           <a:p>
             <a:fld id="{78C97017-6FC3-485B-9764-EAC9E56C1D49}" type="datetimeFigureOut">
               <a:rPr lang="en-US" smtClean="0"/>
-              <a:t>7/6/2018</a:t>
+              <a:t>11/10/2018</a:t>
             </a:fld>
             <a:endParaRPr lang="en-US"/>
           </a:p>
@@ -2121,7 +2287,7 @@
           <a:p>
             <a:fld id="{78C97017-6FC3-485B-9764-EAC9E56C1D49}" type="datetimeFigureOut">
               <a:rPr lang="en-US" smtClean="0"/>
-              <a:t>7/6/2018</a:t>
+              <a:t>11/10/2018</a:t>
             </a:fld>
             <a:endParaRPr lang="en-US"/>
           </a:p>
@@ -2238,7 +2404,7 @@
           <a:p>
             <a:fld id="{78C97017-6FC3-485B-9764-EAC9E56C1D49}" type="datetimeFigureOut">
               <a:rPr lang="en-US" smtClean="0"/>
-              <a:t>7/6/2018</a:t>
+              <a:t>11/10/2018</a:t>
             </a:fld>
             <a:endParaRPr lang="en-US"/>
           </a:p>
@@ -2333,7 +2499,7 @@
           <a:p>
             <a:fld id="{78C97017-6FC3-485B-9764-EAC9E56C1D49}" type="datetimeFigureOut">
               <a:rPr lang="en-US" smtClean="0"/>
-              <a:t>7/6/2018</a:t>
+              <a:t>11/10/2018</a:t>
             </a:fld>
             <a:endParaRPr lang="en-US"/>
           </a:p>
@@ -2608,7 +2774,7 @@
           <a:p>
             <a:fld id="{78C97017-6FC3-485B-9764-EAC9E56C1D49}" type="datetimeFigureOut">
               <a:rPr lang="en-US" smtClean="0"/>
-              <a:t>7/6/2018</a:t>
+              <a:t>11/10/2018</a:t>
             </a:fld>
             <a:endParaRPr lang="en-US"/>
           </a:p>
@@ -2860,7 +3026,7 @@
           <a:p>
             <a:fld id="{78C97017-6FC3-485B-9764-EAC9E56C1D49}" type="datetimeFigureOut">
               <a:rPr lang="en-US" smtClean="0"/>
-              <a:t>7/6/2018</a:t>
+              <a:t>11/10/2018</a:t>
             </a:fld>
             <a:endParaRPr lang="en-US"/>
           </a:p>
@@ -3071,7 +3237,7 @@
           <a:p>
             <a:fld id="{78C97017-6FC3-485B-9764-EAC9E56C1D49}" type="datetimeFigureOut">
               <a:rPr lang="en-US" smtClean="0"/>
-              <a:t>7/6/2018</a:t>
+              <a:t>11/10/2018</a:t>
             </a:fld>
             <a:endParaRPr lang="en-US"/>
           </a:p>
@@ -5394,6 +5560,6936 @@
     <p:extLst>
       <p:ext uri="{BB962C8B-B14F-4D97-AF65-F5344CB8AC3E}">
         <p14:creationId xmlns:p14="http://schemas.microsoft.com/office/powerpoint/2010/main" val="3945898909"/>
+      </p:ext>
+    </p:extLst>
+  </p:cSld>
+  <p:clrMapOvr>
+    <a:masterClrMapping/>
+  </p:clrMapOvr>
+</p:sld>
+</file>
+
+<file path=ppt/slides/slide2.xml><?xml version="1.0" encoding="utf-8"?>
+<p:sld xmlns:a="http://schemas.openxmlformats.org/drawingml/2006/main" xmlns:r="http://schemas.openxmlformats.org/officeDocument/2006/relationships" xmlns:p="http://schemas.openxmlformats.org/presentationml/2006/main">
+  <p:cSld>
+    <p:spTree>
+      <p:nvGrpSpPr>
+        <p:cNvPr id="1" name=""/>
+        <p:cNvGrpSpPr/>
+        <p:nvPr/>
+      </p:nvGrpSpPr>
+      <p:grpSpPr>
+        <a:xfrm>
+          <a:off x="0" y="0"/>
+          <a:ext cx="0" cy="0"/>
+          <a:chOff x="0" y="0"/>
+          <a:chExt cx="0" cy="0"/>
+        </a:xfrm>
+      </p:grpSpPr>
+      <p:sp>
+        <p:nvSpPr>
+          <p:cNvPr id="81" name="Rectangle 65"/>
+          <p:cNvSpPr/>
+          <p:nvPr/>
+        </p:nvSpPr>
+        <p:spPr>
+          <a:xfrm>
+            <a:off x="1074559" y="468229"/>
+            <a:ext cx="7405225" cy="7885702"/>
+          </a:xfrm>
+          <a:prstGeom prst="roundRect">
+            <a:avLst>
+              <a:gd name="adj" fmla="val 3484"/>
+            </a:avLst>
+          </a:prstGeom>
+          <a:solidFill>
+            <a:schemeClr val="accent1">
+              <a:lumMod val="20000"/>
+              <a:lumOff val="80000"/>
+            </a:schemeClr>
+          </a:solidFill>
+          <a:ln w="19050">
+            <a:noFill/>
+          </a:ln>
+          <a:effectLst/>
+        </p:spPr>
+        <p:style>
+          <a:lnRef idx="1">
+            <a:schemeClr val="accent2"/>
+          </a:lnRef>
+          <a:fillRef idx="2">
+            <a:schemeClr val="accent2"/>
+          </a:fillRef>
+          <a:effectRef idx="1">
+            <a:schemeClr val="accent2"/>
+          </a:effectRef>
+          <a:fontRef idx="minor">
+            <a:schemeClr val="dk1"/>
+          </a:fontRef>
+        </p:style>
+        <p:txBody>
+          <a:bodyPr rtlCol="0" anchor="t"/>
+          <a:lstStyle/>
+          <a:p>
+            <a:r>
+              <a:rPr lang="en-US" sz="1200" b="1" dirty="0">
+                <a:solidFill>
+                  <a:srgbClr val="0070C0"/>
+                </a:solidFill>
+              </a:rPr>
+              <a:t>Logic</a:t>
+            </a:r>
+            <a:endParaRPr lang="en-SG" sz="1200" b="1" dirty="0">
+              <a:solidFill>
+                <a:srgbClr val="0070C0"/>
+              </a:solidFill>
+            </a:endParaRPr>
+          </a:p>
+        </p:txBody>
+      </p:sp>
+      <p:sp>
+        <p:nvSpPr>
+          <p:cNvPr id="2" name="Rectangle 62"/>
+          <p:cNvSpPr/>
+          <p:nvPr/>
+        </p:nvSpPr>
+        <p:spPr>
+          <a:xfrm>
+            <a:off x="1309214" y="533328"/>
+            <a:ext cx="1455629" cy="346760"/>
+          </a:xfrm>
+          <a:prstGeom prst="rect">
+            <a:avLst/>
+          </a:prstGeom>
+          <a:solidFill>
+            <a:srgbClr val="0070C0"/>
+          </a:solidFill>
+          <a:ln w="19050">
+            <a:solidFill>
+              <a:srgbClr val="0070C0"/>
+            </a:solidFill>
+          </a:ln>
+          <a:effectLst/>
+        </p:spPr>
+        <p:style>
+          <a:lnRef idx="1">
+            <a:schemeClr val="accent2"/>
+          </a:lnRef>
+          <a:fillRef idx="2">
+            <a:schemeClr val="accent2"/>
+          </a:fillRef>
+          <a:effectRef idx="1">
+            <a:schemeClr val="accent2"/>
+          </a:effectRef>
+          <a:fontRef idx="minor">
+            <a:schemeClr val="dk1"/>
+          </a:fontRef>
+        </p:style>
+        <p:txBody>
+          <a:bodyPr rtlCol="0" anchor="ctr"/>
+          <a:lstStyle/>
+          <a:p>
+            <a:pPr algn="ctr"/>
+            <a:r>
+              <a:rPr lang="en-US" sz="1600" dirty="0">
+                <a:solidFill>
+                  <a:schemeClr val="bg1"/>
+                </a:solidFill>
+              </a:rPr>
+              <a:t>:</a:t>
+            </a:r>
+            <a:r>
+              <a:rPr lang="en-US" sz="1600" dirty="0" err="1">
+                <a:solidFill>
+                  <a:schemeClr val="bg1"/>
+                </a:solidFill>
+              </a:rPr>
+              <a:t>LogicManager</a:t>
+            </a:r>
+            <a:endParaRPr lang="en-SG" sz="1600" dirty="0">
+              <a:solidFill>
+                <a:schemeClr val="bg1"/>
+              </a:solidFill>
+            </a:endParaRPr>
+          </a:p>
+        </p:txBody>
+      </p:sp>
+      <p:cxnSp>
+        <p:nvCxnSpPr>
+          <p:cNvPr id="5" name="Straight Connector 4"/>
+          <p:cNvCxnSpPr>
+            <a:cxnSpLocks/>
+          </p:cNvCxnSpPr>
+          <p:nvPr/>
+        </p:nvCxnSpPr>
+        <p:spPr>
+          <a:xfrm>
+            <a:off x="2037028" y="896999"/>
+            <a:ext cx="0" cy="7408801"/>
+          </a:xfrm>
+          <a:prstGeom prst="line">
+            <a:avLst/>
+          </a:prstGeom>
+          <a:ln w="19050">
+            <a:solidFill>
+              <a:srgbClr val="0070C0"/>
+            </a:solidFill>
+            <a:prstDash val="sysDash"/>
+          </a:ln>
+          <a:effectLst/>
+        </p:spPr>
+        <p:style>
+          <a:lnRef idx="1">
+            <a:schemeClr val="accent1"/>
+          </a:lnRef>
+          <a:fillRef idx="2">
+            <a:schemeClr val="accent1"/>
+          </a:fillRef>
+          <a:effectRef idx="1">
+            <a:schemeClr val="accent1"/>
+          </a:effectRef>
+          <a:fontRef idx="minor">
+            <a:schemeClr val="dk1"/>
+          </a:fontRef>
+        </p:style>
+      </p:cxnSp>
+      <p:sp>
+        <p:nvSpPr>
+          <p:cNvPr id="6" name="Rectangle 5"/>
+          <p:cNvSpPr/>
+          <p:nvPr/>
+        </p:nvSpPr>
+        <p:spPr>
+          <a:xfrm>
+            <a:off x="1965019" y="1247693"/>
+            <a:ext cx="174034" cy="6753306"/>
+          </a:xfrm>
+          <a:prstGeom prst="rect">
+            <a:avLst/>
+          </a:prstGeom>
+          <a:solidFill>
+            <a:srgbClr val="0070C0"/>
+          </a:solidFill>
+          <a:ln>
+            <a:solidFill>
+              <a:srgbClr val="0070C0"/>
+            </a:solidFill>
+          </a:ln>
+          <a:effectLst/>
+        </p:spPr>
+        <p:style>
+          <a:lnRef idx="1">
+            <a:schemeClr val="accent3"/>
+          </a:lnRef>
+          <a:fillRef idx="2">
+            <a:schemeClr val="accent3"/>
+          </a:fillRef>
+          <a:effectRef idx="1">
+            <a:schemeClr val="accent3"/>
+          </a:effectRef>
+          <a:fontRef idx="minor">
+            <a:schemeClr val="dk1"/>
+          </a:fontRef>
+        </p:style>
+        <p:txBody>
+          <a:bodyPr rtlCol="0" anchor="ctr"/>
+          <a:lstStyle/>
+          <a:p>
+            <a:pPr algn="ctr"/>
+            <a:endParaRPr lang="en-SG" sz="1400"/>
+          </a:p>
+        </p:txBody>
+      </p:sp>
+      <p:sp>
+        <p:nvSpPr>
+          <p:cNvPr id="16" name="Rectangle 62"/>
+          <p:cNvSpPr/>
+          <p:nvPr/>
+        </p:nvSpPr>
+        <p:spPr>
+          <a:xfrm>
+            <a:off x="3539615" y="412404"/>
+            <a:ext cx="1851743" cy="467684"/>
+          </a:xfrm>
+          <a:prstGeom prst="rect">
+            <a:avLst/>
+          </a:prstGeom>
+          <a:solidFill>
+            <a:srgbClr val="0070C0"/>
+          </a:solidFill>
+          <a:ln w="19050">
+            <a:solidFill>
+              <a:srgbClr val="0070C0"/>
+            </a:solidFill>
+          </a:ln>
+          <a:effectLst/>
+        </p:spPr>
+        <p:style>
+          <a:lnRef idx="1">
+            <a:schemeClr val="accent2"/>
+          </a:lnRef>
+          <a:fillRef idx="2">
+            <a:schemeClr val="accent2"/>
+          </a:fillRef>
+          <a:effectRef idx="1">
+            <a:schemeClr val="accent2"/>
+          </a:effectRef>
+          <a:fontRef idx="minor">
+            <a:schemeClr val="dk1"/>
+          </a:fontRef>
+        </p:style>
+        <p:txBody>
+          <a:bodyPr rtlCol="0" anchor="ctr"/>
+          <a:lstStyle/>
+          <a:p>
+            <a:pPr algn="ctr"/>
+            <a:r>
+              <a:rPr lang="en-US" sz="1600" dirty="0">
+                <a:solidFill>
+                  <a:schemeClr val="bg1"/>
+                </a:solidFill>
+              </a:rPr>
+              <a:t>:</a:t>
+            </a:r>
+            <a:r>
+              <a:rPr lang="en-US" sz="1600" dirty="0" err="1">
+                <a:solidFill>
+                  <a:schemeClr val="bg1"/>
+                </a:solidFill>
+              </a:rPr>
+              <a:t>DownloadAllNotesParser</a:t>
+            </a:r>
+            <a:endParaRPr lang="en-SG" sz="1600" dirty="0">
+              <a:solidFill>
+                <a:schemeClr val="bg1"/>
+              </a:solidFill>
+            </a:endParaRPr>
+          </a:p>
+        </p:txBody>
+      </p:sp>
+      <p:cxnSp>
+        <p:nvCxnSpPr>
+          <p:cNvPr id="17" name="Straight Connector 16"/>
+          <p:cNvCxnSpPr>
+            <a:cxnSpLocks/>
+          </p:cNvCxnSpPr>
+          <p:nvPr/>
+        </p:nvCxnSpPr>
+        <p:spPr>
+          <a:xfrm>
+            <a:off x="4476656" y="896999"/>
+            <a:ext cx="0" cy="1482984"/>
+          </a:xfrm>
+          <a:prstGeom prst="line">
+            <a:avLst/>
+          </a:prstGeom>
+          <a:ln w="19050">
+            <a:solidFill>
+              <a:srgbClr val="0070C0"/>
+            </a:solidFill>
+            <a:prstDash val="sysDash"/>
+          </a:ln>
+          <a:effectLst/>
+        </p:spPr>
+        <p:style>
+          <a:lnRef idx="1">
+            <a:schemeClr val="accent1"/>
+          </a:lnRef>
+          <a:fillRef idx="2">
+            <a:schemeClr val="accent1"/>
+          </a:fillRef>
+          <a:effectRef idx="1">
+            <a:schemeClr val="accent1"/>
+          </a:effectRef>
+          <a:fontRef idx="minor">
+            <a:schemeClr val="dk1"/>
+          </a:fontRef>
+        </p:style>
+      </p:cxnSp>
+      <p:sp>
+        <p:nvSpPr>
+          <p:cNvPr id="18" name="Rectangle 17"/>
+          <p:cNvSpPr/>
+          <p:nvPr/>
+        </p:nvSpPr>
+        <p:spPr>
+          <a:xfrm>
+            <a:off x="4404649" y="1355192"/>
+            <a:ext cx="154408" cy="767790"/>
+          </a:xfrm>
+          <a:prstGeom prst="rect">
+            <a:avLst/>
+          </a:prstGeom>
+          <a:solidFill>
+            <a:srgbClr val="0070C0"/>
+          </a:solidFill>
+          <a:ln>
+            <a:solidFill>
+              <a:srgbClr val="0070C0"/>
+            </a:solidFill>
+          </a:ln>
+          <a:effectLst/>
+        </p:spPr>
+        <p:style>
+          <a:lnRef idx="1">
+            <a:schemeClr val="accent3"/>
+          </a:lnRef>
+          <a:fillRef idx="2">
+            <a:schemeClr val="accent3"/>
+          </a:fillRef>
+          <a:effectRef idx="1">
+            <a:schemeClr val="accent3"/>
+          </a:effectRef>
+          <a:fontRef idx="minor">
+            <a:schemeClr val="dk1"/>
+          </a:fontRef>
+        </p:style>
+        <p:txBody>
+          <a:bodyPr rtlCol="0" anchor="ctr"/>
+          <a:lstStyle/>
+          <a:p>
+            <a:pPr algn="ctr"/>
+            <a:endParaRPr lang="en-SG" sz="1400">
+              <a:solidFill>
+                <a:schemeClr val="dk1"/>
+              </a:solidFill>
+            </a:endParaRPr>
+          </a:p>
+        </p:txBody>
+      </p:sp>
+      <p:cxnSp>
+        <p:nvCxnSpPr>
+          <p:cNvPr id="20" name="Straight Connector 19"/>
+          <p:cNvCxnSpPr>
+            <a:cxnSpLocks/>
+            <a:stCxn id="21" idx="0"/>
+          </p:cNvCxnSpPr>
+          <p:nvPr/>
+        </p:nvCxnSpPr>
+        <p:spPr>
+          <a:xfrm>
+            <a:off x="6028151" y="1603015"/>
+            <a:ext cx="59327" cy="6626585"/>
+          </a:xfrm>
+          <a:prstGeom prst="line">
+            <a:avLst/>
+          </a:prstGeom>
+          <a:ln w="19050">
+            <a:solidFill>
+              <a:srgbClr val="0070C0"/>
+            </a:solidFill>
+            <a:prstDash val="sysDash"/>
+          </a:ln>
+          <a:effectLst/>
+        </p:spPr>
+        <p:style>
+          <a:lnRef idx="1">
+            <a:schemeClr val="accent1"/>
+          </a:lnRef>
+          <a:fillRef idx="2">
+            <a:schemeClr val="accent1"/>
+          </a:fillRef>
+          <a:effectRef idx="1">
+            <a:schemeClr val="accent1"/>
+          </a:effectRef>
+          <a:fontRef idx="minor">
+            <a:schemeClr val="dk1"/>
+          </a:fontRef>
+        </p:style>
+      </p:cxnSp>
+      <p:sp>
+        <p:nvSpPr>
+          <p:cNvPr id="21" name="Rectangle 20"/>
+          <p:cNvSpPr/>
+          <p:nvPr/>
+        </p:nvSpPr>
+        <p:spPr>
+          <a:xfrm>
+            <a:off x="5951951" y="1603015"/>
+            <a:ext cx="152400" cy="276003"/>
+          </a:xfrm>
+          <a:prstGeom prst="rect">
+            <a:avLst/>
+          </a:prstGeom>
+          <a:solidFill>
+            <a:srgbClr val="0070C0"/>
+          </a:solidFill>
+          <a:ln>
+            <a:solidFill>
+              <a:srgbClr val="0070C0"/>
+            </a:solidFill>
+          </a:ln>
+          <a:effectLst/>
+        </p:spPr>
+        <p:style>
+          <a:lnRef idx="1">
+            <a:schemeClr val="accent3"/>
+          </a:lnRef>
+          <a:fillRef idx="2">
+            <a:schemeClr val="accent3"/>
+          </a:fillRef>
+          <a:effectRef idx="1">
+            <a:schemeClr val="accent3"/>
+          </a:effectRef>
+          <a:fontRef idx="minor">
+            <a:schemeClr val="dk1"/>
+          </a:fontRef>
+        </p:style>
+        <p:txBody>
+          <a:bodyPr rtlCol="0" anchor="ctr"/>
+          <a:lstStyle/>
+          <a:p>
+            <a:pPr algn="ctr"/>
+            <a:endParaRPr lang="en-SG" sz="1400"/>
+          </a:p>
+        </p:txBody>
+      </p:sp>
+      <p:cxnSp>
+        <p:nvCxnSpPr>
+          <p:cNvPr id="23" name="Straight Arrow Connector 22"/>
+          <p:cNvCxnSpPr/>
+          <p:nvPr/>
+        </p:nvCxnSpPr>
+        <p:spPr>
+          <a:xfrm>
+            <a:off x="845169" y="1251381"/>
+            <a:ext cx="1119851" cy="0"/>
+          </a:xfrm>
+          <a:prstGeom prst="straightConnector1">
+            <a:avLst/>
+          </a:prstGeom>
+          <a:ln w="19050">
+            <a:solidFill>
+              <a:srgbClr val="00B050"/>
+            </a:solidFill>
+            <a:tailEnd type="arrow"/>
+          </a:ln>
+        </p:spPr>
+        <p:style>
+          <a:lnRef idx="1">
+            <a:schemeClr val="accent1"/>
+          </a:lnRef>
+          <a:fillRef idx="0">
+            <a:schemeClr val="accent1"/>
+          </a:fillRef>
+          <a:effectRef idx="0">
+            <a:schemeClr val="accent1"/>
+          </a:effectRef>
+          <a:fontRef idx="minor">
+            <a:schemeClr val="tx1"/>
+          </a:fontRef>
+        </p:style>
+      </p:cxnSp>
+      <p:sp>
+        <p:nvSpPr>
+          <p:cNvPr id="26" name="TextBox 25"/>
+          <p:cNvSpPr txBox="1"/>
+          <p:nvPr/>
+        </p:nvSpPr>
+        <p:spPr>
+          <a:xfrm>
+            <a:off x="-441557" y="1310976"/>
+            <a:ext cx="2348057" cy="338554"/>
+          </a:xfrm>
+          <a:prstGeom prst="rect">
+            <a:avLst/>
+          </a:prstGeom>
+          <a:noFill/>
+        </p:spPr>
+        <p:txBody>
+          <a:bodyPr wrap="square" lIns="0" tIns="0" rIns="0" bIns="0" rtlCol="0">
+            <a:spAutoFit/>
+          </a:bodyPr>
+          <a:lstStyle/>
+          <a:p>
+            <a:pPr algn="r"/>
+            <a:r>
+              <a:rPr lang="en-US" sz="1100" dirty="0">
+                <a:solidFill>
+                  <a:srgbClr val="0070C0"/>
+                </a:solidFill>
+              </a:rPr>
+              <a:t>Execute(“</a:t>
+            </a:r>
+            <a:r>
+              <a:rPr lang="en-US" sz="1100" dirty="0" err="1">
+                <a:solidFill>
+                  <a:srgbClr val="0070C0"/>
+                </a:solidFill>
+              </a:rPr>
+              <a:t>downloadAllNotes</a:t>
+            </a:r>
+            <a:endParaRPr lang="en-US" sz="1100" dirty="0">
+              <a:solidFill>
+                <a:srgbClr val="0070C0"/>
+              </a:solidFill>
+            </a:endParaRPr>
+          </a:p>
+          <a:p>
+            <a:pPr algn="r"/>
+            <a:r>
+              <a:rPr lang="en-US" sz="1100" dirty="0">
+                <a:solidFill>
+                  <a:srgbClr val="0070C0"/>
+                </a:solidFill>
+              </a:rPr>
+              <a:t>User/a pass/b mod/c”)</a:t>
+            </a:r>
+          </a:p>
+        </p:txBody>
+      </p:sp>
+      <p:cxnSp>
+        <p:nvCxnSpPr>
+          <p:cNvPr id="28" name="Straight Arrow Connector 27"/>
+          <p:cNvCxnSpPr/>
+          <p:nvPr/>
+        </p:nvCxnSpPr>
+        <p:spPr>
+          <a:xfrm flipV="1">
+            <a:off x="4562041" y="1501722"/>
+            <a:ext cx="922392" cy="1"/>
+          </a:xfrm>
+          <a:prstGeom prst="straightConnector1">
+            <a:avLst/>
+          </a:prstGeom>
+          <a:ln w="19050">
+            <a:solidFill>
+              <a:srgbClr val="0070C0"/>
+            </a:solidFill>
+            <a:tailEnd type="arrow"/>
+          </a:ln>
+        </p:spPr>
+        <p:style>
+          <a:lnRef idx="1">
+            <a:schemeClr val="accent1"/>
+          </a:lnRef>
+          <a:fillRef idx="0">
+            <a:schemeClr val="accent1"/>
+          </a:fillRef>
+          <a:effectRef idx="0">
+            <a:schemeClr val="accent1"/>
+          </a:effectRef>
+          <a:fontRef idx="minor">
+            <a:schemeClr val="tx1"/>
+          </a:fontRef>
+        </p:style>
+      </p:cxnSp>
+      <p:sp>
+        <p:nvSpPr>
+          <p:cNvPr id="29" name="TextBox 28"/>
+          <p:cNvSpPr txBox="1"/>
+          <p:nvPr/>
+        </p:nvSpPr>
+        <p:spPr>
+          <a:xfrm>
+            <a:off x="3669490" y="2473453"/>
+            <a:ext cx="855809" cy="215444"/>
+          </a:xfrm>
+          <a:prstGeom prst="rect">
+            <a:avLst/>
+          </a:prstGeom>
+          <a:noFill/>
+        </p:spPr>
+        <p:txBody>
+          <a:bodyPr wrap="square" lIns="0" tIns="0" rIns="0" bIns="0" rtlCol="0">
+            <a:spAutoFit/>
+          </a:bodyPr>
+          <a:lstStyle>
+            <a:defPPr>
+              <a:defRPr lang="en-US"/>
+            </a:defPPr>
+            <a:lvl1pPr algn="r">
+              <a:defRPr sz="1400">
+                <a:solidFill>
+                  <a:srgbClr val="0070C0"/>
+                </a:solidFill>
+              </a:defRPr>
+            </a:lvl1pPr>
+          </a:lstStyle>
+          <a:p>
+            <a:r>
+              <a:rPr lang="en-US" dirty="0"/>
+              <a:t>execute()</a:t>
+            </a:r>
+          </a:p>
+        </p:txBody>
+      </p:sp>
+      <p:cxnSp>
+        <p:nvCxnSpPr>
+          <p:cNvPr id="34" name="Straight Arrow Connector 33"/>
+          <p:cNvCxnSpPr/>
+          <p:nvPr/>
+        </p:nvCxnSpPr>
+        <p:spPr>
+          <a:xfrm>
+            <a:off x="4535177" y="1867614"/>
+            <a:ext cx="1492974" cy="0"/>
+          </a:xfrm>
+          <a:prstGeom prst="straightConnector1">
+            <a:avLst/>
+          </a:prstGeom>
+          <a:ln w="19050">
+            <a:solidFill>
+              <a:srgbClr val="0070C0"/>
+            </a:solidFill>
+            <a:prstDash val="sysDash"/>
+            <a:headEnd type="arrow" w="med" len="med"/>
+            <a:tailEnd type="none" w="med" len="med"/>
+          </a:ln>
+        </p:spPr>
+        <p:style>
+          <a:lnRef idx="1">
+            <a:schemeClr val="accent1"/>
+          </a:lnRef>
+          <a:fillRef idx="0">
+            <a:schemeClr val="accent1"/>
+          </a:fillRef>
+          <a:effectRef idx="0">
+            <a:schemeClr val="accent1"/>
+          </a:effectRef>
+          <a:fontRef idx="minor">
+            <a:schemeClr val="tx1"/>
+          </a:fontRef>
+        </p:style>
+      </p:cxnSp>
+      <p:cxnSp>
+        <p:nvCxnSpPr>
+          <p:cNvPr id="35" name="Straight Arrow Connector 34"/>
+          <p:cNvCxnSpPr>
+            <a:cxnSpLocks/>
+          </p:cNvCxnSpPr>
+          <p:nvPr/>
+        </p:nvCxnSpPr>
+        <p:spPr>
+          <a:xfrm>
+            <a:off x="2117420" y="2122982"/>
+            <a:ext cx="2348067" cy="0"/>
+          </a:xfrm>
+          <a:prstGeom prst="straightConnector1">
+            <a:avLst/>
+          </a:prstGeom>
+          <a:ln w="19050">
+            <a:solidFill>
+              <a:srgbClr val="0070C0"/>
+            </a:solidFill>
+            <a:prstDash val="sysDash"/>
+            <a:headEnd type="arrow" w="med" len="med"/>
+            <a:tailEnd type="none" w="med" len="med"/>
+          </a:ln>
+        </p:spPr>
+        <p:style>
+          <a:lnRef idx="1">
+            <a:schemeClr val="accent1"/>
+          </a:lnRef>
+          <a:fillRef idx="0">
+            <a:schemeClr val="accent1"/>
+          </a:fillRef>
+          <a:effectRef idx="0">
+            <a:schemeClr val="accent1"/>
+          </a:effectRef>
+          <a:fontRef idx="minor">
+            <a:schemeClr val="tx1"/>
+          </a:fontRef>
+        </p:style>
+      </p:cxnSp>
+      <p:cxnSp>
+        <p:nvCxnSpPr>
+          <p:cNvPr id="37" name="Straight Arrow Connector 36"/>
+          <p:cNvCxnSpPr/>
+          <p:nvPr/>
+        </p:nvCxnSpPr>
+        <p:spPr>
+          <a:xfrm>
+            <a:off x="768968" y="7980284"/>
+            <a:ext cx="1196051" cy="0"/>
+          </a:xfrm>
+          <a:prstGeom prst="straightConnector1">
+            <a:avLst/>
+          </a:prstGeom>
+          <a:ln w="19050">
+            <a:solidFill>
+              <a:schemeClr val="accent1"/>
+            </a:solidFill>
+            <a:prstDash val="sysDash"/>
+            <a:headEnd type="arrow" w="med" len="med"/>
+            <a:tailEnd type="none" w="med" len="med"/>
+          </a:ln>
+        </p:spPr>
+        <p:style>
+          <a:lnRef idx="1">
+            <a:schemeClr val="accent1"/>
+          </a:lnRef>
+          <a:fillRef idx="0">
+            <a:schemeClr val="accent1"/>
+          </a:fillRef>
+          <a:effectRef idx="0">
+            <a:schemeClr val="accent1"/>
+          </a:effectRef>
+          <a:fontRef idx="minor">
+            <a:schemeClr val="tx1"/>
+          </a:fontRef>
+        </p:style>
+      </p:cxnSp>
+      <p:sp>
+        <p:nvSpPr>
+          <p:cNvPr id="65" name="Rectangle 64"/>
+          <p:cNvSpPr/>
+          <p:nvPr/>
+        </p:nvSpPr>
+        <p:spPr>
+          <a:xfrm>
+            <a:off x="5952555" y="2720694"/>
+            <a:ext cx="226417" cy="5055699"/>
+          </a:xfrm>
+          <a:prstGeom prst="rect">
+            <a:avLst/>
+          </a:prstGeom>
+          <a:solidFill>
+            <a:srgbClr val="0070C0"/>
+          </a:solidFill>
+          <a:ln>
+            <a:solidFill>
+              <a:srgbClr val="0070C0"/>
+            </a:solidFill>
+          </a:ln>
+          <a:effectLst/>
+        </p:spPr>
+        <p:style>
+          <a:lnRef idx="1">
+            <a:schemeClr val="accent3"/>
+          </a:lnRef>
+          <a:fillRef idx="2">
+            <a:schemeClr val="accent3"/>
+          </a:fillRef>
+          <a:effectRef idx="1">
+            <a:schemeClr val="accent3"/>
+          </a:effectRef>
+          <a:fontRef idx="minor">
+            <a:schemeClr val="dk1"/>
+          </a:fontRef>
+        </p:style>
+        <p:txBody>
+          <a:bodyPr rtlCol="0" anchor="ctr"/>
+          <a:lstStyle/>
+          <a:p>
+            <a:pPr algn="ctr"/>
+            <a:endParaRPr lang="en-SG" sz="1400"/>
+          </a:p>
+        </p:txBody>
+      </p:sp>
+      <p:sp>
+        <p:nvSpPr>
+          <p:cNvPr id="80" name="TextBox 79"/>
+          <p:cNvSpPr txBox="1"/>
+          <p:nvPr/>
+        </p:nvSpPr>
+        <p:spPr>
+          <a:xfrm>
+            <a:off x="1325869" y="969321"/>
+            <a:ext cx="2932799" cy="338554"/>
+          </a:xfrm>
+          <a:prstGeom prst="rect">
+            <a:avLst/>
+          </a:prstGeom>
+          <a:noFill/>
+        </p:spPr>
+        <p:txBody>
+          <a:bodyPr wrap="square" lIns="0" tIns="0" rIns="0" bIns="0" rtlCol="0">
+            <a:spAutoFit/>
+          </a:bodyPr>
+          <a:lstStyle>
+            <a:defPPr>
+              <a:defRPr lang="en-US"/>
+            </a:defPPr>
+            <a:lvl1pPr algn="r">
+              <a:defRPr sz="1400">
+                <a:solidFill>
+                  <a:srgbClr val="0070C0"/>
+                </a:solidFill>
+              </a:defRPr>
+            </a:lvl1pPr>
+          </a:lstStyle>
+          <a:p>
+            <a:r>
+              <a:rPr lang="en-US" sz="1100" dirty="0" err="1"/>
+              <a:t>parseCommand</a:t>
+            </a:r>
+            <a:r>
+              <a:rPr lang="en-US" sz="1100" dirty="0"/>
+              <a:t>(“</a:t>
+            </a:r>
+            <a:r>
+              <a:rPr lang="en-US" sz="1100" dirty="0" err="1"/>
+              <a:t>downloadAllNotes</a:t>
+            </a:r>
+            <a:endParaRPr lang="en-US" sz="1100" dirty="0"/>
+          </a:p>
+          <a:p>
+            <a:r>
+              <a:rPr lang="en-US" sz="1100" dirty="0"/>
+              <a:t>User/a pass/b mod/c”)</a:t>
+            </a:r>
+          </a:p>
+        </p:txBody>
+      </p:sp>
+      <p:sp>
+        <p:nvSpPr>
+          <p:cNvPr id="83" name="TextBox 82"/>
+          <p:cNvSpPr txBox="1"/>
+          <p:nvPr/>
+        </p:nvSpPr>
+        <p:spPr>
+          <a:xfrm>
+            <a:off x="948071" y="7700270"/>
+            <a:ext cx="762000" cy="215444"/>
+          </a:xfrm>
+          <a:prstGeom prst="rect">
+            <a:avLst/>
+          </a:prstGeom>
+          <a:noFill/>
+        </p:spPr>
+        <p:txBody>
+          <a:bodyPr wrap="square" lIns="0" tIns="0" rIns="0" bIns="0" rtlCol="0">
+            <a:spAutoFit/>
+          </a:bodyPr>
+          <a:lstStyle>
+            <a:defPPr>
+              <a:defRPr lang="en-US"/>
+            </a:defPPr>
+            <a:lvl1pPr algn="r">
+              <a:defRPr sz="1400">
+                <a:solidFill>
+                  <a:srgbClr val="0070C0"/>
+                </a:solidFill>
+              </a:defRPr>
+            </a:lvl1pPr>
+          </a:lstStyle>
+          <a:p>
+            <a:r>
+              <a:rPr lang="en-US" dirty="0"/>
+              <a:t>result</a:t>
+            </a:r>
+          </a:p>
+        </p:txBody>
+      </p:sp>
+      <p:sp>
+        <p:nvSpPr>
+          <p:cNvPr id="93" name="TextBox 92"/>
+          <p:cNvSpPr txBox="1"/>
+          <p:nvPr/>
+        </p:nvSpPr>
+        <p:spPr>
+          <a:xfrm>
+            <a:off x="3150861" y="1895175"/>
+            <a:ext cx="301995" cy="215444"/>
+          </a:xfrm>
+          <a:prstGeom prst="rect">
+            <a:avLst/>
+          </a:prstGeom>
+          <a:noFill/>
+        </p:spPr>
+        <p:txBody>
+          <a:bodyPr wrap="square" lIns="0" tIns="0" rIns="0" bIns="0" rtlCol="0">
+            <a:spAutoFit/>
+          </a:bodyPr>
+          <a:lstStyle>
+            <a:defPPr>
+              <a:defRPr lang="en-US"/>
+            </a:defPPr>
+            <a:lvl1pPr algn="r">
+              <a:defRPr sz="1400">
+                <a:solidFill>
+                  <a:srgbClr val="0070C0"/>
+                </a:solidFill>
+              </a:defRPr>
+            </a:lvl1pPr>
+          </a:lstStyle>
+          <a:p>
+            <a:r>
+              <a:rPr lang="en-US" dirty="0"/>
+              <a:t>DLA</a:t>
+            </a:r>
+          </a:p>
+        </p:txBody>
+      </p:sp>
+      <p:sp>
+        <p:nvSpPr>
+          <p:cNvPr id="19" name="Rectangle 62"/>
+          <p:cNvSpPr/>
+          <p:nvPr/>
+        </p:nvSpPr>
+        <p:spPr>
+          <a:xfrm>
+            <a:off x="5462045" y="943398"/>
+            <a:ext cx="1536639" cy="767790"/>
+          </a:xfrm>
+          <a:prstGeom prst="rect">
+            <a:avLst/>
+          </a:prstGeom>
+          <a:solidFill>
+            <a:srgbClr val="0070C0"/>
+          </a:solidFill>
+          <a:ln w="19050">
+            <a:solidFill>
+              <a:srgbClr val="0070C0"/>
+            </a:solidFill>
+          </a:ln>
+          <a:effectLst/>
+        </p:spPr>
+        <p:style>
+          <a:lnRef idx="1">
+            <a:schemeClr val="accent2"/>
+          </a:lnRef>
+          <a:fillRef idx="2">
+            <a:schemeClr val="accent2"/>
+          </a:fillRef>
+          <a:effectRef idx="1">
+            <a:schemeClr val="accent2"/>
+          </a:effectRef>
+          <a:fontRef idx="minor">
+            <a:schemeClr val="dk1"/>
+          </a:fontRef>
+        </p:style>
+        <p:txBody>
+          <a:bodyPr rtlCol="0" anchor="ctr"/>
+          <a:lstStyle/>
+          <a:p>
+            <a:pPr algn="ctr"/>
+            <a:r>
+              <a:rPr lang="en-US" sz="1600" dirty="0">
+                <a:solidFill>
+                  <a:schemeClr val="bg1"/>
+                </a:solidFill>
+              </a:rPr>
+              <a:t>DLA: </a:t>
+            </a:r>
+            <a:r>
+              <a:rPr lang="en-US" sz="1600" dirty="0" err="1">
+                <a:solidFill>
+                  <a:schemeClr val="bg1"/>
+                </a:solidFill>
+              </a:rPr>
+              <a:t>DownloadAll</a:t>
+            </a:r>
+            <a:endParaRPr lang="en-US" sz="1600" dirty="0">
+              <a:solidFill>
+                <a:schemeClr val="bg1"/>
+              </a:solidFill>
+            </a:endParaRPr>
+          </a:p>
+          <a:p>
+            <a:pPr algn="ctr"/>
+            <a:r>
+              <a:rPr lang="en-US" sz="1600" dirty="0" err="1">
+                <a:solidFill>
+                  <a:schemeClr val="bg1"/>
+                </a:solidFill>
+              </a:rPr>
+              <a:t>NotesCommand</a:t>
+            </a:r>
+            <a:endParaRPr lang="en-SG" sz="1600" dirty="0">
+              <a:solidFill>
+                <a:schemeClr val="bg1"/>
+              </a:solidFill>
+            </a:endParaRPr>
+          </a:p>
+        </p:txBody>
+      </p:sp>
+      <p:cxnSp>
+        <p:nvCxnSpPr>
+          <p:cNvPr id="66" name="Straight Arrow Connector 65">
+            <a:extLst>
+              <a:ext uri="{FF2B5EF4-FFF2-40B4-BE49-F238E27FC236}">
+                <a16:creationId xmlns:a16="http://schemas.microsoft.com/office/drawing/2014/main" id="{39916E2E-195A-4DC8-B025-B05FA87E6796}"/>
+              </a:ext>
+            </a:extLst>
+          </p:cNvPr>
+          <p:cNvCxnSpPr>
+            <a:cxnSpLocks/>
+          </p:cNvCxnSpPr>
+          <p:nvPr/>
+        </p:nvCxnSpPr>
+        <p:spPr>
+          <a:xfrm>
+            <a:off x="2117420" y="2720696"/>
+            <a:ext cx="3832164" cy="1"/>
+          </a:xfrm>
+          <a:prstGeom prst="straightConnector1">
+            <a:avLst/>
+          </a:prstGeom>
+          <a:ln w="19050">
+            <a:solidFill>
+              <a:srgbClr val="0070C0"/>
+            </a:solidFill>
+            <a:tailEnd type="arrow"/>
+          </a:ln>
+        </p:spPr>
+        <p:style>
+          <a:lnRef idx="1">
+            <a:schemeClr val="accent1"/>
+          </a:lnRef>
+          <a:fillRef idx="0">
+            <a:schemeClr val="accent1"/>
+          </a:fillRef>
+          <a:effectRef idx="0">
+            <a:schemeClr val="accent1"/>
+          </a:effectRef>
+          <a:fontRef idx="minor">
+            <a:schemeClr val="tx1"/>
+          </a:fontRef>
+        </p:style>
+      </p:cxnSp>
+      <p:cxnSp>
+        <p:nvCxnSpPr>
+          <p:cNvPr id="67" name="Straight Arrow Connector 66">
+            <a:extLst>
+              <a:ext uri="{FF2B5EF4-FFF2-40B4-BE49-F238E27FC236}">
+                <a16:creationId xmlns:a16="http://schemas.microsoft.com/office/drawing/2014/main" id="{D881596E-177C-4FDC-8E60-CAB90B3D5FAB}"/>
+              </a:ext>
+            </a:extLst>
+          </p:cNvPr>
+          <p:cNvCxnSpPr>
+            <a:cxnSpLocks/>
+          </p:cNvCxnSpPr>
+          <p:nvPr/>
+        </p:nvCxnSpPr>
+        <p:spPr>
+          <a:xfrm>
+            <a:off x="2134314" y="1353300"/>
+            <a:ext cx="2256705" cy="1"/>
+          </a:xfrm>
+          <a:prstGeom prst="straightConnector1">
+            <a:avLst/>
+          </a:prstGeom>
+          <a:ln w="19050">
+            <a:solidFill>
+              <a:srgbClr val="0070C0"/>
+            </a:solidFill>
+            <a:tailEnd type="arrow"/>
+          </a:ln>
+        </p:spPr>
+        <p:style>
+          <a:lnRef idx="1">
+            <a:schemeClr val="accent1"/>
+          </a:lnRef>
+          <a:fillRef idx="0">
+            <a:schemeClr val="accent1"/>
+          </a:fillRef>
+          <a:effectRef idx="0">
+            <a:schemeClr val="accent1"/>
+          </a:effectRef>
+          <a:fontRef idx="minor">
+            <a:schemeClr val="tx1"/>
+          </a:fontRef>
+        </p:style>
+      </p:cxnSp>
+      <p:cxnSp>
+        <p:nvCxnSpPr>
+          <p:cNvPr id="69" name="Straight Arrow Connector 68">
+            <a:extLst>
+              <a:ext uri="{FF2B5EF4-FFF2-40B4-BE49-F238E27FC236}">
+                <a16:creationId xmlns:a16="http://schemas.microsoft.com/office/drawing/2014/main" id="{7C9F21BC-13A9-471F-825A-2621FD36355F}"/>
+              </a:ext>
+            </a:extLst>
+          </p:cNvPr>
+          <p:cNvCxnSpPr>
+            <a:cxnSpLocks/>
+          </p:cNvCxnSpPr>
+          <p:nvPr/>
+        </p:nvCxnSpPr>
+        <p:spPr>
+          <a:xfrm>
+            <a:off x="2118067" y="7776393"/>
+            <a:ext cx="3831517" cy="0"/>
+          </a:xfrm>
+          <a:prstGeom prst="straightConnector1">
+            <a:avLst/>
+          </a:prstGeom>
+          <a:ln w="19050">
+            <a:solidFill>
+              <a:srgbClr val="0070C0"/>
+            </a:solidFill>
+            <a:prstDash val="sysDash"/>
+            <a:headEnd type="arrow" w="med" len="med"/>
+            <a:tailEnd type="none" w="med" len="med"/>
+          </a:ln>
+        </p:spPr>
+        <p:style>
+          <a:lnRef idx="1">
+            <a:schemeClr val="accent1"/>
+          </a:lnRef>
+          <a:fillRef idx="0">
+            <a:schemeClr val="accent1"/>
+          </a:fillRef>
+          <a:effectRef idx="0">
+            <a:schemeClr val="accent1"/>
+          </a:effectRef>
+          <a:fontRef idx="minor">
+            <a:schemeClr val="tx1"/>
+          </a:fontRef>
+        </p:style>
+      </p:cxnSp>
+      <p:grpSp>
+        <p:nvGrpSpPr>
+          <p:cNvPr id="72" name="Group 71">
+            <a:extLst>
+              <a:ext uri="{FF2B5EF4-FFF2-40B4-BE49-F238E27FC236}">
+                <a16:creationId xmlns:a16="http://schemas.microsoft.com/office/drawing/2014/main" id="{3406387C-6621-4F52-90CC-642E0C985412}"/>
+              </a:ext>
+            </a:extLst>
+          </p:cNvPr>
+          <p:cNvGrpSpPr/>
+          <p:nvPr/>
+        </p:nvGrpSpPr>
+        <p:grpSpPr>
+          <a:xfrm>
+            <a:off x="4659362" y="2726835"/>
+            <a:ext cx="2932799" cy="587440"/>
+            <a:chOff x="4659362" y="2726835"/>
+            <a:chExt cx="2932799" cy="587440"/>
+          </a:xfrm>
+        </p:grpSpPr>
+        <p:cxnSp>
+          <p:nvCxnSpPr>
+            <p:cNvPr id="85" name="Connector: Curved 84">
+              <a:extLst>
+                <a:ext uri="{FF2B5EF4-FFF2-40B4-BE49-F238E27FC236}">
+                  <a16:creationId xmlns:a16="http://schemas.microsoft.com/office/drawing/2014/main" id="{13C1DA6A-988D-40D1-9F6C-E5FDA775F7DD}"/>
+                </a:ext>
+              </a:extLst>
+            </p:cNvPr>
+            <p:cNvCxnSpPr>
+              <a:cxnSpLocks/>
+            </p:cNvCxnSpPr>
+            <p:nvPr/>
+          </p:nvCxnSpPr>
+          <p:spPr>
+            <a:xfrm rot="16200000" flipH="1">
+              <a:off x="6001247" y="3176245"/>
+              <a:ext cx="199195" cy="76865"/>
+            </a:xfrm>
+            <a:prstGeom prst="curvedConnector4">
+              <a:avLst>
+                <a:gd name="adj1" fmla="val 17166"/>
+                <a:gd name="adj2" fmla="val 328105"/>
+              </a:avLst>
+            </a:prstGeom>
+            <a:ln>
+              <a:tailEnd type="triangle"/>
+            </a:ln>
+          </p:spPr>
+          <p:style>
+            <a:lnRef idx="1">
+              <a:schemeClr val="accent1"/>
+            </a:lnRef>
+            <a:fillRef idx="0">
+              <a:schemeClr val="accent1"/>
+            </a:fillRef>
+            <a:effectRef idx="0">
+              <a:schemeClr val="accent1"/>
+            </a:effectRef>
+            <a:fontRef idx="minor">
+              <a:schemeClr val="tx1"/>
+            </a:fontRef>
+          </p:style>
+        </p:cxnSp>
+        <p:sp>
+          <p:nvSpPr>
+            <p:cNvPr id="43" name="Rectangle 42">
+              <a:extLst>
+                <a:ext uri="{FF2B5EF4-FFF2-40B4-BE49-F238E27FC236}">
+                  <a16:creationId xmlns:a16="http://schemas.microsoft.com/office/drawing/2014/main" id="{50BE466D-9076-44FE-8ED9-97FF6BEFB8D5}"/>
+                </a:ext>
+              </a:extLst>
+            </p:cNvPr>
+            <p:cNvSpPr/>
+            <p:nvPr/>
+          </p:nvSpPr>
+          <p:spPr>
+            <a:xfrm>
+              <a:off x="6008788" y="2888525"/>
+              <a:ext cx="193059" cy="261611"/>
+            </a:xfrm>
+            <a:prstGeom prst="rect">
+              <a:avLst/>
+            </a:prstGeom>
+            <a:solidFill>
+              <a:schemeClr val="tx2"/>
+            </a:solidFill>
+            <a:ln w="22225">
+              <a:solidFill>
+                <a:schemeClr val="tx1">
+                  <a:alpha val="0"/>
+                </a:schemeClr>
+              </a:solidFill>
+            </a:ln>
+            <a:effectLst/>
+          </p:spPr>
+          <p:style>
+            <a:lnRef idx="1">
+              <a:schemeClr val="accent3"/>
+            </a:lnRef>
+            <a:fillRef idx="2">
+              <a:schemeClr val="accent3"/>
+            </a:fillRef>
+            <a:effectRef idx="1">
+              <a:schemeClr val="accent3"/>
+            </a:effectRef>
+            <a:fontRef idx="minor">
+              <a:schemeClr val="dk1"/>
+            </a:fontRef>
+          </p:style>
+          <p:txBody>
+            <a:bodyPr rtlCol="0" anchor="ctr"/>
+            <a:lstStyle/>
+            <a:p>
+              <a:pPr algn="ctr"/>
+              <a:endParaRPr lang="en-SG" sz="1400"/>
+            </a:p>
+          </p:txBody>
+        </p:sp>
+        <p:cxnSp>
+          <p:nvCxnSpPr>
+            <p:cNvPr id="33" name="Connector: Curved 32">
+              <a:extLst>
+                <a:ext uri="{FF2B5EF4-FFF2-40B4-BE49-F238E27FC236}">
+                  <a16:creationId xmlns:a16="http://schemas.microsoft.com/office/drawing/2014/main" id="{7D5DEE4C-503A-4D6A-B3CB-B7D7D82861F0}"/>
+                </a:ext>
+              </a:extLst>
+            </p:cNvPr>
+            <p:cNvCxnSpPr>
+              <a:cxnSpLocks/>
+            </p:cNvCxnSpPr>
+            <p:nvPr/>
+          </p:nvCxnSpPr>
+          <p:spPr>
+            <a:xfrm rot="16200000" flipH="1">
+              <a:off x="6064597" y="2788000"/>
+              <a:ext cx="199195" cy="76865"/>
+            </a:xfrm>
+            <a:prstGeom prst="curvedConnector4">
+              <a:avLst>
+                <a:gd name="adj1" fmla="val 17166"/>
+                <a:gd name="adj2" fmla="val 316556"/>
+              </a:avLst>
+            </a:prstGeom>
+            <a:ln>
+              <a:tailEnd type="triangle"/>
+            </a:ln>
+          </p:spPr>
+          <p:style>
+            <a:lnRef idx="1">
+              <a:schemeClr val="accent1"/>
+            </a:lnRef>
+            <a:fillRef idx="0">
+              <a:schemeClr val="accent1"/>
+            </a:fillRef>
+            <a:effectRef idx="0">
+              <a:schemeClr val="accent1"/>
+            </a:effectRef>
+            <a:fontRef idx="minor">
+              <a:schemeClr val="tx1"/>
+            </a:fontRef>
+          </p:style>
+        </p:cxnSp>
+        <p:sp>
+          <p:nvSpPr>
+            <p:cNvPr id="87" name="TextBox 86">
+              <a:extLst>
+                <a:ext uri="{FF2B5EF4-FFF2-40B4-BE49-F238E27FC236}">
+                  <a16:creationId xmlns:a16="http://schemas.microsoft.com/office/drawing/2014/main" id="{F7E9DF71-B6D1-4969-84A9-BAE0D4DA1CC5}"/>
+                </a:ext>
+              </a:extLst>
+            </p:cNvPr>
+            <p:cNvSpPr txBox="1"/>
+            <p:nvPr/>
+          </p:nvSpPr>
+          <p:spPr>
+            <a:xfrm>
+              <a:off x="4659362" y="2792483"/>
+              <a:ext cx="2932799" cy="169277"/>
+            </a:xfrm>
+            <a:prstGeom prst="rect">
+              <a:avLst/>
+            </a:prstGeom>
+            <a:noFill/>
+          </p:spPr>
+          <p:txBody>
+            <a:bodyPr wrap="square" lIns="0" tIns="0" rIns="0" bIns="0" rtlCol="0">
+              <a:spAutoFit/>
+            </a:bodyPr>
+            <a:lstStyle>
+              <a:defPPr>
+                <a:defRPr lang="en-US"/>
+              </a:defPPr>
+              <a:lvl1pPr algn="r">
+                <a:defRPr sz="1400">
+                  <a:solidFill>
+                    <a:srgbClr val="0070C0"/>
+                  </a:solidFill>
+                </a:defRPr>
+              </a:lvl1pPr>
+            </a:lstStyle>
+            <a:p>
+              <a:r>
+                <a:rPr lang="en-US" sz="1100" dirty="0" err="1"/>
+                <a:t>extractFilesFromJar</a:t>
+              </a:r>
+              <a:r>
+                <a:rPr lang="en-US" sz="1100" dirty="0"/>
+                <a:t>()</a:t>
+              </a:r>
+            </a:p>
+          </p:txBody>
+        </p:sp>
+      </p:grpSp>
+      <p:grpSp>
+        <p:nvGrpSpPr>
+          <p:cNvPr id="91" name="Group 90">
+            <a:extLst>
+              <a:ext uri="{FF2B5EF4-FFF2-40B4-BE49-F238E27FC236}">
+                <a16:creationId xmlns:a16="http://schemas.microsoft.com/office/drawing/2014/main" id="{461ACBCC-F565-4DD2-BDA8-FA6017599260}"/>
+              </a:ext>
+            </a:extLst>
+          </p:cNvPr>
+          <p:cNvGrpSpPr/>
+          <p:nvPr/>
+        </p:nvGrpSpPr>
+        <p:grpSpPr>
+          <a:xfrm>
+            <a:off x="5150315" y="3436730"/>
+            <a:ext cx="2932799" cy="587440"/>
+            <a:chOff x="5142534" y="2726835"/>
+            <a:chExt cx="2932799" cy="587440"/>
+          </a:xfrm>
+        </p:grpSpPr>
+        <p:cxnSp>
+          <p:nvCxnSpPr>
+            <p:cNvPr id="92" name="Connector: Curved 91">
+              <a:extLst>
+                <a:ext uri="{FF2B5EF4-FFF2-40B4-BE49-F238E27FC236}">
+                  <a16:creationId xmlns:a16="http://schemas.microsoft.com/office/drawing/2014/main" id="{71A23F0C-7933-4BC3-9BA5-B48F53DECF9E}"/>
+                </a:ext>
+              </a:extLst>
+            </p:cNvPr>
+            <p:cNvCxnSpPr>
+              <a:cxnSpLocks/>
+            </p:cNvCxnSpPr>
+            <p:nvPr/>
+          </p:nvCxnSpPr>
+          <p:spPr>
+            <a:xfrm rot="16200000" flipH="1">
+              <a:off x="6001247" y="3176245"/>
+              <a:ext cx="199195" cy="76865"/>
+            </a:xfrm>
+            <a:prstGeom prst="curvedConnector4">
+              <a:avLst>
+                <a:gd name="adj1" fmla="val 17166"/>
+                <a:gd name="adj2" fmla="val 328105"/>
+              </a:avLst>
+            </a:prstGeom>
+            <a:ln>
+              <a:tailEnd type="triangle"/>
+            </a:ln>
+          </p:spPr>
+          <p:style>
+            <a:lnRef idx="1">
+              <a:schemeClr val="accent1"/>
+            </a:lnRef>
+            <a:fillRef idx="0">
+              <a:schemeClr val="accent1"/>
+            </a:fillRef>
+            <a:effectRef idx="0">
+              <a:schemeClr val="accent1"/>
+            </a:effectRef>
+            <a:fontRef idx="minor">
+              <a:schemeClr val="tx1"/>
+            </a:fontRef>
+          </p:style>
+        </p:cxnSp>
+        <p:sp>
+          <p:nvSpPr>
+            <p:cNvPr id="94" name="Rectangle 93">
+              <a:extLst>
+                <a:ext uri="{FF2B5EF4-FFF2-40B4-BE49-F238E27FC236}">
+                  <a16:creationId xmlns:a16="http://schemas.microsoft.com/office/drawing/2014/main" id="{479FA8AC-076C-4E87-BF3A-C05848D0D93D}"/>
+                </a:ext>
+              </a:extLst>
+            </p:cNvPr>
+            <p:cNvSpPr/>
+            <p:nvPr/>
+          </p:nvSpPr>
+          <p:spPr>
+            <a:xfrm>
+              <a:off x="6008788" y="2888525"/>
+              <a:ext cx="193059" cy="261611"/>
+            </a:xfrm>
+            <a:prstGeom prst="rect">
+              <a:avLst/>
+            </a:prstGeom>
+            <a:solidFill>
+              <a:schemeClr val="tx2"/>
+            </a:solidFill>
+            <a:ln w="22225">
+              <a:solidFill>
+                <a:schemeClr val="tx1">
+                  <a:alpha val="0"/>
+                </a:schemeClr>
+              </a:solidFill>
+            </a:ln>
+            <a:effectLst/>
+          </p:spPr>
+          <p:style>
+            <a:lnRef idx="1">
+              <a:schemeClr val="accent3"/>
+            </a:lnRef>
+            <a:fillRef idx="2">
+              <a:schemeClr val="accent3"/>
+            </a:fillRef>
+            <a:effectRef idx="1">
+              <a:schemeClr val="accent3"/>
+            </a:effectRef>
+            <a:fontRef idx="minor">
+              <a:schemeClr val="dk1"/>
+            </a:fontRef>
+          </p:style>
+          <p:txBody>
+            <a:bodyPr rtlCol="0" anchor="ctr"/>
+            <a:lstStyle/>
+            <a:p>
+              <a:pPr algn="ctr"/>
+              <a:endParaRPr lang="en-SG" sz="1400"/>
+            </a:p>
+          </p:txBody>
+        </p:sp>
+        <p:cxnSp>
+          <p:nvCxnSpPr>
+            <p:cNvPr id="95" name="Connector: Curved 94">
+              <a:extLst>
+                <a:ext uri="{FF2B5EF4-FFF2-40B4-BE49-F238E27FC236}">
+                  <a16:creationId xmlns:a16="http://schemas.microsoft.com/office/drawing/2014/main" id="{65A6158D-8CB4-4708-BF46-0E453AB497B0}"/>
+                </a:ext>
+              </a:extLst>
+            </p:cNvPr>
+            <p:cNvCxnSpPr>
+              <a:cxnSpLocks/>
+            </p:cNvCxnSpPr>
+            <p:nvPr/>
+          </p:nvCxnSpPr>
+          <p:spPr>
+            <a:xfrm rot="16200000" flipH="1">
+              <a:off x="6064597" y="2788000"/>
+              <a:ext cx="199195" cy="76865"/>
+            </a:xfrm>
+            <a:prstGeom prst="curvedConnector4">
+              <a:avLst>
+                <a:gd name="adj1" fmla="val 17166"/>
+                <a:gd name="adj2" fmla="val 316556"/>
+              </a:avLst>
+            </a:prstGeom>
+            <a:ln>
+              <a:tailEnd type="triangle"/>
+            </a:ln>
+          </p:spPr>
+          <p:style>
+            <a:lnRef idx="1">
+              <a:schemeClr val="accent1"/>
+            </a:lnRef>
+            <a:fillRef idx="0">
+              <a:schemeClr val="accent1"/>
+            </a:fillRef>
+            <a:effectRef idx="0">
+              <a:schemeClr val="accent1"/>
+            </a:effectRef>
+            <a:fontRef idx="minor">
+              <a:schemeClr val="tx1"/>
+            </a:fontRef>
+          </p:style>
+        </p:cxnSp>
+        <p:sp>
+          <p:nvSpPr>
+            <p:cNvPr id="96" name="TextBox 95">
+              <a:extLst>
+                <a:ext uri="{FF2B5EF4-FFF2-40B4-BE49-F238E27FC236}">
+                  <a16:creationId xmlns:a16="http://schemas.microsoft.com/office/drawing/2014/main" id="{BE32E2EC-C389-44C6-8420-088ECD8B07B7}"/>
+                </a:ext>
+              </a:extLst>
+            </p:cNvPr>
+            <p:cNvSpPr txBox="1"/>
+            <p:nvPr/>
+          </p:nvSpPr>
+          <p:spPr>
+            <a:xfrm>
+              <a:off x="5142534" y="2819543"/>
+              <a:ext cx="2932799" cy="169277"/>
+            </a:xfrm>
+            <a:prstGeom prst="rect">
+              <a:avLst/>
+            </a:prstGeom>
+            <a:noFill/>
+          </p:spPr>
+          <p:txBody>
+            <a:bodyPr wrap="square" lIns="0" tIns="0" rIns="0" bIns="0" rtlCol="0">
+              <a:spAutoFit/>
+            </a:bodyPr>
+            <a:lstStyle>
+              <a:defPPr>
+                <a:defRPr lang="en-US"/>
+              </a:defPPr>
+              <a:lvl1pPr algn="r">
+                <a:defRPr sz="1400">
+                  <a:solidFill>
+                    <a:srgbClr val="0070C0"/>
+                  </a:solidFill>
+                </a:defRPr>
+              </a:lvl1pPr>
+            </a:lstStyle>
+            <a:p>
+              <a:r>
+                <a:rPr lang="en-US" sz="1100" dirty="0" err="1"/>
+                <a:t>InitializeChromeDriverPaths</a:t>
+              </a:r>
+              <a:r>
+                <a:rPr lang="en-US" sz="1100" dirty="0"/>
+                <a:t>()</a:t>
+              </a:r>
+            </a:p>
+          </p:txBody>
+        </p:sp>
+      </p:grpSp>
+      <p:grpSp>
+        <p:nvGrpSpPr>
+          <p:cNvPr id="103" name="Group 102">
+            <a:extLst>
+              <a:ext uri="{FF2B5EF4-FFF2-40B4-BE49-F238E27FC236}">
+                <a16:creationId xmlns:a16="http://schemas.microsoft.com/office/drawing/2014/main" id="{46F48F1D-5DAC-4C43-922A-7AA391425B53}"/>
+              </a:ext>
+            </a:extLst>
+          </p:cNvPr>
+          <p:cNvGrpSpPr/>
+          <p:nvPr/>
+        </p:nvGrpSpPr>
+        <p:grpSpPr>
+          <a:xfrm>
+            <a:off x="4680658" y="4166115"/>
+            <a:ext cx="2932799" cy="587440"/>
+            <a:chOff x="4659362" y="2726835"/>
+            <a:chExt cx="2932799" cy="587440"/>
+          </a:xfrm>
+        </p:grpSpPr>
+        <p:cxnSp>
+          <p:nvCxnSpPr>
+            <p:cNvPr id="104" name="Connector: Curved 103">
+              <a:extLst>
+                <a:ext uri="{FF2B5EF4-FFF2-40B4-BE49-F238E27FC236}">
+                  <a16:creationId xmlns:a16="http://schemas.microsoft.com/office/drawing/2014/main" id="{D92E73CF-097D-4FC5-A95D-9D0DD286827A}"/>
+                </a:ext>
+              </a:extLst>
+            </p:cNvPr>
+            <p:cNvCxnSpPr>
+              <a:cxnSpLocks/>
+            </p:cNvCxnSpPr>
+            <p:nvPr/>
+          </p:nvCxnSpPr>
+          <p:spPr>
+            <a:xfrm rot="16200000" flipH="1">
+              <a:off x="6001247" y="3176245"/>
+              <a:ext cx="199195" cy="76865"/>
+            </a:xfrm>
+            <a:prstGeom prst="curvedConnector4">
+              <a:avLst>
+                <a:gd name="adj1" fmla="val 17166"/>
+                <a:gd name="adj2" fmla="val 328105"/>
+              </a:avLst>
+            </a:prstGeom>
+            <a:ln>
+              <a:tailEnd type="triangle"/>
+            </a:ln>
+          </p:spPr>
+          <p:style>
+            <a:lnRef idx="1">
+              <a:schemeClr val="accent1"/>
+            </a:lnRef>
+            <a:fillRef idx="0">
+              <a:schemeClr val="accent1"/>
+            </a:fillRef>
+            <a:effectRef idx="0">
+              <a:schemeClr val="accent1"/>
+            </a:effectRef>
+            <a:fontRef idx="minor">
+              <a:schemeClr val="tx1"/>
+            </a:fontRef>
+          </p:style>
+        </p:cxnSp>
+        <p:sp>
+          <p:nvSpPr>
+            <p:cNvPr id="105" name="Rectangle 104">
+              <a:extLst>
+                <a:ext uri="{FF2B5EF4-FFF2-40B4-BE49-F238E27FC236}">
+                  <a16:creationId xmlns:a16="http://schemas.microsoft.com/office/drawing/2014/main" id="{45ADE5EF-D6E3-466C-BD9C-92A685309A76}"/>
+                </a:ext>
+              </a:extLst>
+            </p:cNvPr>
+            <p:cNvSpPr/>
+            <p:nvPr/>
+          </p:nvSpPr>
+          <p:spPr>
+            <a:xfrm>
+              <a:off x="6008788" y="2888525"/>
+              <a:ext cx="193059" cy="261611"/>
+            </a:xfrm>
+            <a:prstGeom prst="rect">
+              <a:avLst/>
+            </a:prstGeom>
+            <a:solidFill>
+              <a:schemeClr val="tx2"/>
+            </a:solidFill>
+            <a:ln w="22225">
+              <a:solidFill>
+                <a:schemeClr val="tx1">
+                  <a:alpha val="0"/>
+                </a:schemeClr>
+              </a:solidFill>
+            </a:ln>
+            <a:effectLst/>
+          </p:spPr>
+          <p:style>
+            <a:lnRef idx="1">
+              <a:schemeClr val="accent3"/>
+            </a:lnRef>
+            <a:fillRef idx="2">
+              <a:schemeClr val="accent3"/>
+            </a:fillRef>
+            <a:effectRef idx="1">
+              <a:schemeClr val="accent3"/>
+            </a:effectRef>
+            <a:fontRef idx="minor">
+              <a:schemeClr val="dk1"/>
+            </a:fontRef>
+          </p:style>
+          <p:txBody>
+            <a:bodyPr rtlCol="0" anchor="ctr"/>
+            <a:lstStyle/>
+            <a:p>
+              <a:pPr algn="ctr"/>
+              <a:endParaRPr lang="en-SG" sz="1400"/>
+            </a:p>
+          </p:txBody>
+        </p:sp>
+        <p:cxnSp>
+          <p:nvCxnSpPr>
+            <p:cNvPr id="106" name="Connector: Curved 105">
+              <a:extLst>
+                <a:ext uri="{FF2B5EF4-FFF2-40B4-BE49-F238E27FC236}">
+                  <a16:creationId xmlns:a16="http://schemas.microsoft.com/office/drawing/2014/main" id="{C4EBFE99-E11D-424D-AE2A-96CED6CFD9EC}"/>
+                </a:ext>
+              </a:extLst>
+            </p:cNvPr>
+            <p:cNvCxnSpPr>
+              <a:cxnSpLocks/>
+            </p:cNvCxnSpPr>
+            <p:nvPr/>
+          </p:nvCxnSpPr>
+          <p:spPr>
+            <a:xfrm rot="16200000" flipH="1">
+              <a:off x="6064597" y="2788000"/>
+              <a:ext cx="199195" cy="76865"/>
+            </a:xfrm>
+            <a:prstGeom prst="curvedConnector4">
+              <a:avLst>
+                <a:gd name="adj1" fmla="val 17166"/>
+                <a:gd name="adj2" fmla="val 316556"/>
+              </a:avLst>
+            </a:prstGeom>
+            <a:ln>
+              <a:tailEnd type="triangle"/>
+            </a:ln>
+          </p:spPr>
+          <p:style>
+            <a:lnRef idx="1">
+              <a:schemeClr val="accent1"/>
+            </a:lnRef>
+            <a:fillRef idx="0">
+              <a:schemeClr val="accent1"/>
+            </a:fillRef>
+            <a:effectRef idx="0">
+              <a:schemeClr val="accent1"/>
+            </a:effectRef>
+            <a:fontRef idx="minor">
+              <a:schemeClr val="tx1"/>
+            </a:fontRef>
+          </p:style>
+        </p:cxnSp>
+        <p:sp>
+          <p:nvSpPr>
+            <p:cNvPr id="107" name="TextBox 106">
+              <a:extLst>
+                <a:ext uri="{FF2B5EF4-FFF2-40B4-BE49-F238E27FC236}">
+                  <a16:creationId xmlns:a16="http://schemas.microsoft.com/office/drawing/2014/main" id="{C44C71B0-058A-46E2-BEB6-EB2530A9E53C}"/>
+                </a:ext>
+              </a:extLst>
+            </p:cNvPr>
+            <p:cNvSpPr txBox="1"/>
+            <p:nvPr/>
+          </p:nvSpPr>
+          <p:spPr>
+            <a:xfrm>
+              <a:off x="4659362" y="2792483"/>
+              <a:ext cx="2932799" cy="169277"/>
+            </a:xfrm>
+            <a:prstGeom prst="rect">
+              <a:avLst/>
+            </a:prstGeom>
+            <a:noFill/>
+          </p:spPr>
+          <p:txBody>
+            <a:bodyPr wrap="square" lIns="0" tIns="0" rIns="0" bIns="0" rtlCol="0">
+              <a:spAutoFit/>
+            </a:bodyPr>
+            <a:lstStyle>
+              <a:defPPr>
+                <a:defRPr lang="en-US"/>
+              </a:defPPr>
+              <a:lvl1pPr algn="r">
+                <a:defRPr sz="1400">
+                  <a:solidFill>
+                    <a:srgbClr val="0070C0"/>
+                  </a:solidFill>
+                </a:defRPr>
+              </a:lvl1pPr>
+            </a:lstStyle>
+            <a:p>
+              <a:r>
+                <a:rPr lang="en-US" sz="1100" dirty="0" err="1"/>
+                <a:t>InitializeWebDriver</a:t>
+              </a:r>
+              <a:r>
+                <a:rPr lang="en-US" sz="1100" dirty="0"/>
+                <a:t>()</a:t>
+              </a:r>
+            </a:p>
+          </p:txBody>
+        </p:sp>
+      </p:grpSp>
+      <p:grpSp>
+        <p:nvGrpSpPr>
+          <p:cNvPr id="133" name="Group 132">
+            <a:extLst>
+              <a:ext uri="{FF2B5EF4-FFF2-40B4-BE49-F238E27FC236}">
+                <a16:creationId xmlns:a16="http://schemas.microsoft.com/office/drawing/2014/main" id="{791AA33F-B509-4A44-8FFB-1B879BA9D41C}"/>
+              </a:ext>
+            </a:extLst>
+          </p:cNvPr>
+          <p:cNvGrpSpPr/>
+          <p:nvPr/>
+        </p:nvGrpSpPr>
+        <p:grpSpPr>
+          <a:xfrm>
+            <a:off x="5009118" y="4975663"/>
+            <a:ext cx="2932799" cy="587440"/>
+            <a:chOff x="5002117" y="2726835"/>
+            <a:chExt cx="2932799" cy="587440"/>
+          </a:xfrm>
+        </p:grpSpPr>
+        <p:cxnSp>
+          <p:nvCxnSpPr>
+            <p:cNvPr id="134" name="Connector: Curved 133">
+              <a:extLst>
+                <a:ext uri="{FF2B5EF4-FFF2-40B4-BE49-F238E27FC236}">
+                  <a16:creationId xmlns:a16="http://schemas.microsoft.com/office/drawing/2014/main" id="{FC7B01EE-7FAF-4249-B582-792FC4AF4755}"/>
+                </a:ext>
+              </a:extLst>
+            </p:cNvPr>
+            <p:cNvCxnSpPr>
+              <a:cxnSpLocks/>
+            </p:cNvCxnSpPr>
+            <p:nvPr/>
+          </p:nvCxnSpPr>
+          <p:spPr>
+            <a:xfrm rot="16200000" flipH="1">
+              <a:off x="6001247" y="3176245"/>
+              <a:ext cx="199195" cy="76865"/>
+            </a:xfrm>
+            <a:prstGeom prst="curvedConnector4">
+              <a:avLst>
+                <a:gd name="adj1" fmla="val 17166"/>
+                <a:gd name="adj2" fmla="val 328105"/>
+              </a:avLst>
+            </a:prstGeom>
+            <a:ln>
+              <a:tailEnd type="triangle"/>
+            </a:ln>
+          </p:spPr>
+          <p:style>
+            <a:lnRef idx="1">
+              <a:schemeClr val="accent1"/>
+            </a:lnRef>
+            <a:fillRef idx="0">
+              <a:schemeClr val="accent1"/>
+            </a:fillRef>
+            <a:effectRef idx="0">
+              <a:schemeClr val="accent1"/>
+            </a:effectRef>
+            <a:fontRef idx="minor">
+              <a:schemeClr val="tx1"/>
+            </a:fontRef>
+          </p:style>
+        </p:cxnSp>
+        <p:sp>
+          <p:nvSpPr>
+            <p:cNvPr id="135" name="Rectangle 134">
+              <a:extLst>
+                <a:ext uri="{FF2B5EF4-FFF2-40B4-BE49-F238E27FC236}">
+                  <a16:creationId xmlns:a16="http://schemas.microsoft.com/office/drawing/2014/main" id="{46815479-5DA9-4E4F-9D37-0B6338CA7B64}"/>
+                </a:ext>
+              </a:extLst>
+            </p:cNvPr>
+            <p:cNvSpPr/>
+            <p:nvPr/>
+          </p:nvSpPr>
+          <p:spPr>
+            <a:xfrm>
+              <a:off x="6008788" y="2888525"/>
+              <a:ext cx="193059" cy="261611"/>
+            </a:xfrm>
+            <a:prstGeom prst="rect">
+              <a:avLst/>
+            </a:prstGeom>
+            <a:solidFill>
+              <a:schemeClr val="tx2"/>
+            </a:solidFill>
+            <a:ln w="22225">
+              <a:solidFill>
+                <a:schemeClr val="tx1">
+                  <a:alpha val="0"/>
+                </a:schemeClr>
+              </a:solidFill>
+            </a:ln>
+            <a:effectLst/>
+          </p:spPr>
+          <p:style>
+            <a:lnRef idx="1">
+              <a:schemeClr val="accent3"/>
+            </a:lnRef>
+            <a:fillRef idx="2">
+              <a:schemeClr val="accent3"/>
+            </a:fillRef>
+            <a:effectRef idx="1">
+              <a:schemeClr val="accent3"/>
+            </a:effectRef>
+            <a:fontRef idx="minor">
+              <a:schemeClr val="dk1"/>
+            </a:fontRef>
+          </p:style>
+          <p:txBody>
+            <a:bodyPr rtlCol="0" anchor="ctr"/>
+            <a:lstStyle/>
+            <a:p>
+              <a:pPr algn="ctr"/>
+              <a:endParaRPr lang="en-SG" sz="1400"/>
+            </a:p>
+          </p:txBody>
+        </p:sp>
+        <p:cxnSp>
+          <p:nvCxnSpPr>
+            <p:cNvPr id="136" name="Connector: Curved 135">
+              <a:extLst>
+                <a:ext uri="{FF2B5EF4-FFF2-40B4-BE49-F238E27FC236}">
+                  <a16:creationId xmlns:a16="http://schemas.microsoft.com/office/drawing/2014/main" id="{47B464CE-813E-41B6-8B6F-032CEE0D05E9}"/>
+                </a:ext>
+              </a:extLst>
+            </p:cNvPr>
+            <p:cNvCxnSpPr>
+              <a:cxnSpLocks/>
+            </p:cNvCxnSpPr>
+            <p:nvPr/>
+          </p:nvCxnSpPr>
+          <p:spPr>
+            <a:xfrm rot="16200000" flipH="1">
+              <a:off x="6064597" y="2788000"/>
+              <a:ext cx="199195" cy="76865"/>
+            </a:xfrm>
+            <a:prstGeom prst="curvedConnector4">
+              <a:avLst>
+                <a:gd name="adj1" fmla="val 17166"/>
+                <a:gd name="adj2" fmla="val 316556"/>
+              </a:avLst>
+            </a:prstGeom>
+            <a:ln>
+              <a:tailEnd type="triangle"/>
+            </a:ln>
+          </p:spPr>
+          <p:style>
+            <a:lnRef idx="1">
+              <a:schemeClr val="accent1"/>
+            </a:lnRef>
+            <a:fillRef idx="0">
+              <a:schemeClr val="accent1"/>
+            </a:fillRef>
+            <a:effectRef idx="0">
+              <a:schemeClr val="accent1"/>
+            </a:effectRef>
+            <a:fontRef idx="minor">
+              <a:schemeClr val="tx1"/>
+            </a:fontRef>
+          </p:style>
+        </p:cxnSp>
+        <p:sp>
+          <p:nvSpPr>
+            <p:cNvPr id="137" name="TextBox 136">
+              <a:extLst>
+                <a:ext uri="{FF2B5EF4-FFF2-40B4-BE49-F238E27FC236}">
+                  <a16:creationId xmlns:a16="http://schemas.microsoft.com/office/drawing/2014/main" id="{CF4059DC-9E58-4A62-B68E-35ADBFE5D7BB}"/>
+                </a:ext>
+              </a:extLst>
+            </p:cNvPr>
+            <p:cNvSpPr txBox="1"/>
+            <p:nvPr/>
+          </p:nvSpPr>
+          <p:spPr>
+            <a:xfrm>
+              <a:off x="5002117" y="2802989"/>
+              <a:ext cx="2932799" cy="169277"/>
+            </a:xfrm>
+            <a:prstGeom prst="rect">
+              <a:avLst/>
+            </a:prstGeom>
+            <a:noFill/>
+          </p:spPr>
+          <p:txBody>
+            <a:bodyPr wrap="square" lIns="0" tIns="0" rIns="0" bIns="0" rtlCol="0">
+              <a:spAutoFit/>
+            </a:bodyPr>
+            <a:lstStyle>
+              <a:defPPr>
+                <a:defRPr lang="en-US"/>
+              </a:defPPr>
+              <a:lvl1pPr algn="r">
+                <a:defRPr sz="1400">
+                  <a:solidFill>
+                    <a:srgbClr val="0070C0"/>
+                  </a:solidFill>
+                </a:defRPr>
+              </a:lvl1pPr>
+            </a:lstStyle>
+            <a:p>
+              <a:r>
+                <a:rPr lang="en-US" sz="1100" dirty="0" err="1"/>
+                <a:t>InitializeDownloadFolder</a:t>
+              </a:r>
+              <a:r>
+                <a:rPr lang="en-US" sz="1100" dirty="0"/>
+                <a:t>()</a:t>
+              </a:r>
+            </a:p>
+          </p:txBody>
+        </p:sp>
+      </p:grpSp>
+      <p:sp>
+        <p:nvSpPr>
+          <p:cNvPr id="138" name="TextBox 137">
+            <a:extLst>
+              <a:ext uri="{FF2B5EF4-FFF2-40B4-BE49-F238E27FC236}">
+                <a16:creationId xmlns:a16="http://schemas.microsoft.com/office/drawing/2014/main" id="{5651478E-8858-4EFC-8A8C-29EF172FC36A}"/>
+              </a:ext>
+            </a:extLst>
+          </p:cNvPr>
+          <p:cNvSpPr txBox="1"/>
+          <p:nvPr/>
+        </p:nvSpPr>
+        <p:spPr>
+          <a:xfrm>
+            <a:off x="3683915" y="3157202"/>
+            <a:ext cx="2932799" cy="169277"/>
+          </a:xfrm>
+          <a:prstGeom prst="rect">
+            <a:avLst/>
+          </a:prstGeom>
+          <a:noFill/>
+        </p:spPr>
+        <p:txBody>
+          <a:bodyPr wrap="square" lIns="0" tIns="0" rIns="0" bIns="0" rtlCol="0">
+            <a:spAutoFit/>
+          </a:bodyPr>
+          <a:lstStyle>
+            <a:defPPr>
+              <a:defRPr lang="en-US"/>
+            </a:defPPr>
+            <a:lvl1pPr algn="r">
+              <a:defRPr sz="1400">
+                <a:solidFill>
+                  <a:srgbClr val="0070C0"/>
+                </a:solidFill>
+              </a:defRPr>
+            </a:lvl1pPr>
+          </a:lstStyle>
+          <a:p>
+            <a:r>
+              <a:rPr lang="en-US" sz="1100" dirty="0"/>
+              <a:t>void</a:t>
+            </a:r>
+          </a:p>
+        </p:txBody>
+      </p:sp>
+      <p:sp>
+        <p:nvSpPr>
+          <p:cNvPr id="139" name="TextBox 138">
+            <a:extLst>
+              <a:ext uri="{FF2B5EF4-FFF2-40B4-BE49-F238E27FC236}">
+                <a16:creationId xmlns:a16="http://schemas.microsoft.com/office/drawing/2014/main" id="{377ECBDE-47AF-4A1C-BB5E-3A963E5EA5E3}"/>
+              </a:ext>
+            </a:extLst>
+          </p:cNvPr>
+          <p:cNvSpPr txBox="1"/>
+          <p:nvPr/>
+        </p:nvSpPr>
+        <p:spPr>
+          <a:xfrm>
+            <a:off x="3690547" y="3887143"/>
+            <a:ext cx="2932799" cy="169277"/>
+          </a:xfrm>
+          <a:prstGeom prst="rect">
+            <a:avLst/>
+          </a:prstGeom>
+          <a:noFill/>
+        </p:spPr>
+        <p:txBody>
+          <a:bodyPr wrap="square" lIns="0" tIns="0" rIns="0" bIns="0" rtlCol="0">
+            <a:spAutoFit/>
+          </a:bodyPr>
+          <a:lstStyle>
+            <a:defPPr>
+              <a:defRPr lang="en-US"/>
+            </a:defPPr>
+            <a:lvl1pPr algn="r">
+              <a:defRPr sz="1400">
+                <a:solidFill>
+                  <a:srgbClr val="0070C0"/>
+                </a:solidFill>
+              </a:defRPr>
+            </a:lvl1pPr>
+          </a:lstStyle>
+          <a:p>
+            <a:r>
+              <a:rPr lang="en-US" sz="1100" dirty="0"/>
+              <a:t>void</a:t>
+            </a:r>
+          </a:p>
+        </p:txBody>
+      </p:sp>
+      <p:sp>
+        <p:nvSpPr>
+          <p:cNvPr id="140" name="TextBox 139">
+            <a:extLst>
+              <a:ext uri="{FF2B5EF4-FFF2-40B4-BE49-F238E27FC236}">
+                <a16:creationId xmlns:a16="http://schemas.microsoft.com/office/drawing/2014/main" id="{8C39990A-3007-45B1-93E8-5812A52B3AC4}"/>
+              </a:ext>
+            </a:extLst>
+          </p:cNvPr>
+          <p:cNvSpPr txBox="1"/>
+          <p:nvPr/>
+        </p:nvSpPr>
+        <p:spPr>
+          <a:xfrm>
+            <a:off x="3690547" y="4614663"/>
+            <a:ext cx="2932799" cy="169277"/>
+          </a:xfrm>
+          <a:prstGeom prst="rect">
+            <a:avLst/>
+          </a:prstGeom>
+          <a:noFill/>
+        </p:spPr>
+        <p:txBody>
+          <a:bodyPr wrap="square" lIns="0" tIns="0" rIns="0" bIns="0" rtlCol="0">
+            <a:spAutoFit/>
+          </a:bodyPr>
+          <a:lstStyle>
+            <a:defPPr>
+              <a:defRPr lang="en-US"/>
+            </a:defPPr>
+            <a:lvl1pPr algn="r">
+              <a:defRPr sz="1400">
+                <a:solidFill>
+                  <a:srgbClr val="0070C0"/>
+                </a:solidFill>
+              </a:defRPr>
+            </a:lvl1pPr>
+          </a:lstStyle>
+          <a:p>
+            <a:r>
+              <a:rPr lang="en-US" sz="1100" dirty="0"/>
+              <a:t>void</a:t>
+            </a:r>
+          </a:p>
+        </p:txBody>
+      </p:sp>
+      <p:sp>
+        <p:nvSpPr>
+          <p:cNvPr id="141" name="TextBox 140">
+            <a:extLst>
+              <a:ext uri="{FF2B5EF4-FFF2-40B4-BE49-F238E27FC236}">
+                <a16:creationId xmlns:a16="http://schemas.microsoft.com/office/drawing/2014/main" id="{29DF4995-77D3-45FD-953A-4F2ABC2FFFBA}"/>
+              </a:ext>
+            </a:extLst>
+          </p:cNvPr>
+          <p:cNvSpPr txBox="1"/>
+          <p:nvPr/>
+        </p:nvSpPr>
+        <p:spPr>
+          <a:xfrm>
+            <a:off x="3669490" y="5441192"/>
+            <a:ext cx="2932799" cy="169277"/>
+          </a:xfrm>
+          <a:prstGeom prst="rect">
+            <a:avLst/>
+          </a:prstGeom>
+          <a:noFill/>
+        </p:spPr>
+        <p:txBody>
+          <a:bodyPr wrap="square" lIns="0" tIns="0" rIns="0" bIns="0" rtlCol="0">
+            <a:spAutoFit/>
+          </a:bodyPr>
+          <a:lstStyle>
+            <a:defPPr>
+              <a:defRPr lang="en-US"/>
+            </a:defPPr>
+            <a:lvl1pPr algn="r">
+              <a:defRPr sz="1400">
+                <a:solidFill>
+                  <a:srgbClr val="0070C0"/>
+                </a:solidFill>
+              </a:defRPr>
+            </a:lvl1pPr>
+          </a:lstStyle>
+          <a:p>
+            <a:r>
+              <a:rPr lang="en-US" sz="1100" dirty="0"/>
+              <a:t>void</a:t>
+            </a:r>
+          </a:p>
+        </p:txBody>
+      </p:sp>
+      <p:grpSp>
+        <p:nvGrpSpPr>
+          <p:cNvPr id="142" name="Group 141">
+            <a:extLst>
+              <a:ext uri="{FF2B5EF4-FFF2-40B4-BE49-F238E27FC236}">
+                <a16:creationId xmlns:a16="http://schemas.microsoft.com/office/drawing/2014/main" id="{6C5A692E-5655-4C55-808C-364F2C394F53}"/>
+              </a:ext>
+            </a:extLst>
+          </p:cNvPr>
+          <p:cNvGrpSpPr/>
+          <p:nvPr/>
+        </p:nvGrpSpPr>
+        <p:grpSpPr>
+          <a:xfrm>
+            <a:off x="4410894" y="5775512"/>
+            <a:ext cx="3531023" cy="587440"/>
+            <a:chOff x="4421752" y="2726835"/>
+            <a:chExt cx="3531023" cy="587440"/>
+          </a:xfrm>
+        </p:grpSpPr>
+        <p:cxnSp>
+          <p:nvCxnSpPr>
+            <p:cNvPr id="143" name="Connector: Curved 142">
+              <a:extLst>
+                <a:ext uri="{FF2B5EF4-FFF2-40B4-BE49-F238E27FC236}">
+                  <a16:creationId xmlns:a16="http://schemas.microsoft.com/office/drawing/2014/main" id="{C96D8EF4-326C-44F4-98F4-5DBB3411D711}"/>
+                </a:ext>
+              </a:extLst>
+            </p:cNvPr>
+            <p:cNvCxnSpPr>
+              <a:cxnSpLocks/>
+            </p:cNvCxnSpPr>
+            <p:nvPr/>
+          </p:nvCxnSpPr>
+          <p:spPr>
+            <a:xfrm rot="16200000" flipH="1">
+              <a:off x="6001247" y="3176245"/>
+              <a:ext cx="199195" cy="76865"/>
+            </a:xfrm>
+            <a:prstGeom prst="curvedConnector4">
+              <a:avLst>
+                <a:gd name="adj1" fmla="val 17166"/>
+                <a:gd name="adj2" fmla="val 328105"/>
+              </a:avLst>
+            </a:prstGeom>
+            <a:ln>
+              <a:tailEnd type="triangle"/>
+            </a:ln>
+          </p:spPr>
+          <p:style>
+            <a:lnRef idx="1">
+              <a:schemeClr val="accent1"/>
+            </a:lnRef>
+            <a:fillRef idx="0">
+              <a:schemeClr val="accent1"/>
+            </a:fillRef>
+            <a:effectRef idx="0">
+              <a:schemeClr val="accent1"/>
+            </a:effectRef>
+            <a:fontRef idx="minor">
+              <a:schemeClr val="tx1"/>
+            </a:fontRef>
+          </p:style>
+        </p:cxnSp>
+        <p:sp>
+          <p:nvSpPr>
+            <p:cNvPr id="144" name="Rectangle 143">
+              <a:extLst>
+                <a:ext uri="{FF2B5EF4-FFF2-40B4-BE49-F238E27FC236}">
+                  <a16:creationId xmlns:a16="http://schemas.microsoft.com/office/drawing/2014/main" id="{01959766-FEEC-4C45-B580-51724DC97203}"/>
+                </a:ext>
+              </a:extLst>
+            </p:cNvPr>
+            <p:cNvSpPr/>
+            <p:nvPr/>
+          </p:nvSpPr>
+          <p:spPr>
+            <a:xfrm>
+              <a:off x="6008788" y="2888525"/>
+              <a:ext cx="193059" cy="261611"/>
+            </a:xfrm>
+            <a:prstGeom prst="rect">
+              <a:avLst/>
+            </a:prstGeom>
+            <a:solidFill>
+              <a:schemeClr val="tx2"/>
+            </a:solidFill>
+            <a:ln w="22225">
+              <a:solidFill>
+                <a:schemeClr val="tx1">
+                  <a:alpha val="0"/>
+                </a:schemeClr>
+              </a:solidFill>
+            </a:ln>
+            <a:effectLst/>
+          </p:spPr>
+          <p:style>
+            <a:lnRef idx="1">
+              <a:schemeClr val="accent3"/>
+            </a:lnRef>
+            <a:fillRef idx="2">
+              <a:schemeClr val="accent3"/>
+            </a:fillRef>
+            <a:effectRef idx="1">
+              <a:schemeClr val="accent3"/>
+            </a:effectRef>
+            <a:fontRef idx="minor">
+              <a:schemeClr val="dk1"/>
+            </a:fontRef>
+          </p:style>
+          <p:txBody>
+            <a:bodyPr rtlCol="0" anchor="ctr"/>
+            <a:lstStyle/>
+            <a:p>
+              <a:pPr algn="ctr"/>
+              <a:endParaRPr lang="en-SG" sz="1400"/>
+            </a:p>
+          </p:txBody>
+        </p:sp>
+        <p:cxnSp>
+          <p:nvCxnSpPr>
+            <p:cNvPr id="145" name="Connector: Curved 144">
+              <a:extLst>
+                <a:ext uri="{FF2B5EF4-FFF2-40B4-BE49-F238E27FC236}">
+                  <a16:creationId xmlns:a16="http://schemas.microsoft.com/office/drawing/2014/main" id="{427E7DD5-7FEB-4573-B2CA-77878408D7A8}"/>
+                </a:ext>
+              </a:extLst>
+            </p:cNvPr>
+            <p:cNvCxnSpPr>
+              <a:cxnSpLocks/>
+            </p:cNvCxnSpPr>
+            <p:nvPr/>
+          </p:nvCxnSpPr>
+          <p:spPr>
+            <a:xfrm rot="16200000" flipH="1">
+              <a:off x="6064597" y="2788000"/>
+              <a:ext cx="199195" cy="76865"/>
+            </a:xfrm>
+            <a:prstGeom prst="curvedConnector4">
+              <a:avLst>
+                <a:gd name="adj1" fmla="val 17166"/>
+                <a:gd name="adj2" fmla="val 316556"/>
+              </a:avLst>
+            </a:prstGeom>
+            <a:ln>
+              <a:tailEnd type="triangle"/>
+            </a:ln>
+          </p:spPr>
+          <p:style>
+            <a:lnRef idx="1">
+              <a:schemeClr val="accent1"/>
+            </a:lnRef>
+            <a:fillRef idx="0">
+              <a:schemeClr val="accent1"/>
+            </a:fillRef>
+            <a:effectRef idx="0">
+              <a:schemeClr val="accent1"/>
+            </a:effectRef>
+            <a:fontRef idx="minor">
+              <a:schemeClr val="tx1"/>
+            </a:fontRef>
+          </p:style>
+        </p:cxnSp>
+        <p:sp>
+          <p:nvSpPr>
+            <p:cNvPr id="146" name="TextBox 145">
+              <a:extLst>
+                <a:ext uri="{FF2B5EF4-FFF2-40B4-BE49-F238E27FC236}">
+                  <a16:creationId xmlns:a16="http://schemas.microsoft.com/office/drawing/2014/main" id="{8EAF68BA-BAC9-4963-A01F-55718A1140DE}"/>
+                </a:ext>
+              </a:extLst>
+            </p:cNvPr>
+            <p:cNvSpPr txBox="1"/>
+            <p:nvPr/>
+          </p:nvSpPr>
+          <p:spPr>
+            <a:xfrm>
+              <a:off x="4421752" y="2759023"/>
+              <a:ext cx="3531023" cy="169277"/>
+            </a:xfrm>
+            <a:prstGeom prst="rect">
+              <a:avLst/>
+            </a:prstGeom>
+            <a:noFill/>
+          </p:spPr>
+          <p:txBody>
+            <a:bodyPr wrap="square" lIns="0" tIns="0" rIns="0" bIns="0" rtlCol="0">
+              <a:spAutoFit/>
+            </a:bodyPr>
+            <a:lstStyle>
+              <a:defPPr>
+                <a:defRPr lang="en-US"/>
+              </a:defPPr>
+              <a:lvl1pPr algn="r">
+                <a:defRPr sz="1400">
+                  <a:solidFill>
+                    <a:srgbClr val="0070C0"/>
+                  </a:solidFill>
+                </a:defRPr>
+              </a:lvl1pPr>
+            </a:lstStyle>
+            <a:p>
+              <a:r>
+                <a:rPr lang="en-US" sz="1100" dirty="0" err="1"/>
+                <a:t>downloadFiles</a:t>
+              </a:r>
+              <a:r>
+                <a:rPr lang="en-US" sz="1100" dirty="0"/>
+                <a:t>(WebDriver)</a:t>
+              </a:r>
+            </a:p>
+          </p:txBody>
+        </p:sp>
+      </p:grpSp>
+      <p:sp>
+        <p:nvSpPr>
+          <p:cNvPr id="148" name="Rectangle 62">
+            <a:extLst>
+              <a:ext uri="{FF2B5EF4-FFF2-40B4-BE49-F238E27FC236}">
+                <a16:creationId xmlns:a16="http://schemas.microsoft.com/office/drawing/2014/main" id="{116B16A5-D260-428C-93E5-97F8974916E4}"/>
+              </a:ext>
+            </a:extLst>
+          </p:cNvPr>
+          <p:cNvSpPr/>
+          <p:nvPr/>
+        </p:nvSpPr>
+        <p:spPr>
+          <a:xfrm>
+            <a:off x="6762394" y="6779627"/>
+            <a:ext cx="1639010" cy="767790"/>
+          </a:xfrm>
+          <a:prstGeom prst="rect">
+            <a:avLst/>
+          </a:prstGeom>
+          <a:solidFill>
+            <a:srgbClr val="0070C0"/>
+          </a:solidFill>
+          <a:ln w="19050">
+            <a:solidFill>
+              <a:srgbClr val="0070C0"/>
+            </a:solidFill>
+          </a:ln>
+          <a:effectLst/>
+        </p:spPr>
+        <p:style>
+          <a:lnRef idx="1">
+            <a:schemeClr val="accent2"/>
+          </a:lnRef>
+          <a:fillRef idx="2">
+            <a:schemeClr val="accent2"/>
+          </a:fillRef>
+          <a:effectRef idx="1">
+            <a:schemeClr val="accent2"/>
+          </a:effectRef>
+          <a:fontRef idx="minor">
+            <a:schemeClr val="dk1"/>
+          </a:fontRef>
+        </p:style>
+        <p:txBody>
+          <a:bodyPr rtlCol="0" anchor="ctr"/>
+          <a:lstStyle/>
+          <a:p>
+            <a:pPr algn="ctr"/>
+            <a:r>
+              <a:rPr lang="en-US" sz="1600" dirty="0">
+                <a:solidFill>
+                  <a:schemeClr val="bg1"/>
+                </a:solidFill>
+              </a:rPr>
+              <a:t>Result: </a:t>
+            </a:r>
+            <a:r>
+              <a:rPr lang="en-US" sz="1600" dirty="0" err="1">
+                <a:solidFill>
+                  <a:schemeClr val="bg1"/>
+                </a:solidFill>
+              </a:rPr>
+              <a:t>CommandResult</a:t>
+            </a:r>
+            <a:endParaRPr lang="en-SG" sz="1600" dirty="0">
+              <a:solidFill>
+                <a:schemeClr val="bg1"/>
+              </a:solidFill>
+            </a:endParaRPr>
+          </a:p>
+        </p:txBody>
+      </p:sp>
+      <p:cxnSp>
+        <p:nvCxnSpPr>
+          <p:cNvPr id="149" name="Straight Arrow Connector 148">
+            <a:extLst>
+              <a:ext uri="{FF2B5EF4-FFF2-40B4-BE49-F238E27FC236}">
+                <a16:creationId xmlns:a16="http://schemas.microsoft.com/office/drawing/2014/main" id="{FBDFC3EE-F9E5-4001-BE79-C26BEEBFBC13}"/>
+              </a:ext>
+            </a:extLst>
+          </p:cNvPr>
+          <p:cNvCxnSpPr>
+            <a:cxnSpLocks/>
+          </p:cNvCxnSpPr>
+          <p:nvPr/>
+        </p:nvCxnSpPr>
+        <p:spPr>
+          <a:xfrm>
+            <a:off x="6036913" y="7035827"/>
+            <a:ext cx="725481" cy="506"/>
+          </a:xfrm>
+          <a:prstGeom prst="straightConnector1">
+            <a:avLst/>
+          </a:prstGeom>
+          <a:ln w="19050">
+            <a:solidFill>
+              <a:srgbClr val="0070C0"/>
+            </a:solidFill>
+            <a:tailEnd type="arrow"/>
+          </a:ln>
+        </p:spPr>
+        <p:style>
+          <a:lnRef idx="1">
+            <a:schemeClr val="accent1"/>
+          </a:lnRef>
+          <a:fillRef idx="0">
+            <a:schemeClr val="accent1"/>
+          </a:fillRef>
+          <a:effectRef idx="0">
+            <a:schemeClr val="accent1"/>
+          </a:effectRef>
+          <a:fontRef idx="minor">
+            <a:schemeClr val="tx1"/>
+          </a:fontRef>
+        </p:style>
+      </p:cxnSp>
+      <p:cxnSp>
+        <p:nvCxnSpPr>
+          <p:cNvPr id="150" name="Straight Arrow Connector 149">
+            <a:extLst>
+              <a:ext uri="{FF2B5EF4-FFF2-40B4-BE49-F238E27FC236}">
+                <a16:creationId xmlns:a16="http://schemas.microsoft.com/office/drawing/2014/main" id="{D55620B7-7432-4046-BD82-3E947D11D940}"/>
+              </a:ext>
+            </a:extLst>
+          </p:cNvPr>
+          <p:cNvCxnSpPr>
+            <a:cxnSpLocks/>
+          </p:cNvCxnSpPr>
+          <p:nvPr/>
+        </p:nvCxnSpPr>
+        <p:spPr>
+          <a:xfrm>
+            <a:off x="6139277" y="6477000"/>
+            <a:ext cx="2776123" cy="0"/>
+          </a:xfrm>
+          <a:prstGeom prst="straightConnector1">
+            <a:avLst/>
+          </a:prstGeom>
+          <a:ln w="19050">
+            <a:solidFill>
+              <a:srgbClr val="7030A0"/>
+            </a:solidFill>
+            <a:tailEnd type="arrow"/>
+          </a:ln>
+        </p:spPr>
+        <p:style>
+          <a:lnRef idx="1">
+            <a:schemeClr val="accent1"/>
+          </a:lnRef>
+          <a:fillRef idx="0">
+            <a:schemeClr val="accent1"/>
+          </a:fillRef>
+          <a:effectRef idx="0">
+            <a:schemeClr val="accent1"/>
+          </a:effectRef>
+          <a:fontRef idx="minor">
+            <a:schemeClr val="tx1"/>
+          </a:fontRef>
+        </p:style>
+      </p:cxnSp>
+      <p:sp>
+        <p:nvSpPr>
+          <p:cNvPr id="152" name="Rectangle 62">
+            <a:extLst>
+              <a:ext uri="{FF2B5EF4-FFF2-40B4-BE49-F238E27FC236}">
+                <a16:creationId xmlns:a16="http://schemas.microsoft.com/office/drawing/2014/main" id="{F2B5A770-A4E3-48D1-97BF-1C3D6F0BF8C2}"/>
+              </a:ext>
+            </a:extLst>
+          </p:cNvPr>
+          <p:cNvSpPr/>
+          <p:nvPr/>
+        </p:nvSpPr>
+        <p:spPr>
+          <a:xfrm>
+            <a:off x="8599505" y="5845150"/>
+            <a:ext cx="841636" cy="300180"/>
+          </a:xfrm>
+          <a:prstGeom prst="rect">
+            <a:avLst/>
+          </a:prstGeom>
+          <a:solidFill>
+            <a:srgbClr val="7030A0"/>
+          </a:solidFill>
+          <a:ln w="19050">
+            <a:solidFill>
+              <a:srgbClr val="7030A0"/>
+            </a:solidFill>
+          </a:ln>
+          <a:effectLst/>
+        </p:spPr>
+        <p:style>
+          <a:lnRef idx="1">
+            <a:schemeClr val="accent2"/>
+          </a:lnRef>
+          <a:fillRef idx="2">
+            <a:schemeClr val="accent2"/>
+          </a:fillRef>
+          <a:effectRef idx="1">
+            <a:schemeClr val="accent2"/>
+          </a:effectRef>
+          <a:fontRef idx="minor">
+            <a:schemeClr val="dk1"/>
+          </a:fontRef>
+        </p:style>
+        <p:txBody>
+          <a:bodyPr rtlCol="0" anchor="ctr"/>
+          <a:lstStyle/>
+          <a:p>
+            <a:pPr algn="ctr"/>
+            <a:r>
+              <a:rPr lang="en-US" sz="1600" dirty="0">
+                <a:solidFill>
+                  <a:schemeClr val="bg1"/>
+                </a:solidFill>
+              </a:rPr>
+              <a:t>: Model</a:t>
+            </a:r>
+            <a:endParaRPr lang="en-SG" sz="1600" dirty="0">
+              <a:solidFill>
+                <a:schemeClr val="bg1"/>
+              </a:solidFill>
+            </a:endParaRPr>
+          </a:p>
+        </p:txBody>
+      </p:sp>
+      <p:cxnSp>
+        <p:nvCxnSpPr>
+          <p:cNvPr id="153" name="Straight Connector 152">
+            <a:extLst>
+              <a:ext uri="{FF2B5EF4-FFF2-40B4-BE49-F238E27FC236}">
+                <a16:creationId xmlns:a16="http://schemas.microsoft.com/office/drawing/2014/main" id="{C1FC580E-66C6-4576-875D-94A515249282}"/>
+              </a:ext>
+            </a:extLst>
+          </p:cNvPr>
+          <p:cNvCxnSpPr>
+            <a:cxnSpLocks/>
+          </p:cNvCxnSpPr>
+          <p:nvPr/>
+        </p:nvCxnSpPr>
+        <p:spPr>
+          <a:xfrm flipH="1">
+            <a:off x="9020323" y="6163756"/>
+            <a:ext cx="3959" cy="1735710"/>
+          </a:xfrm>
+          <a:prstGeom prst="line">
+            <a:avLst/>
+          </a:prstGeom>
+          <a:ln w="19050">
+            <a:solidFill>
+              <a:srgbClr val="7030A0"/>
+            </a:solidFill>
+            <a:prstDash val="sysDash"/>
+          </a:ln>
+          <a:effectLst/>
+        </p:spPr>
+        <p:style>
+          <a:lnRef idx="1">
+            <a:schemeClr val="accent1"/>
+          </a:lnRef>
+          <a:fillRef idx="2">
+            <a:schemeClr val="accent1"/>
+          </a:fillRef>
+          <a:effectRef idx="1">
+            <a:schemeClr val="accent1"/>
+          </a:effectRef>
+          <a:fontRef idx="minor">
+            <a:schemeClr val="dk1"/>
+          </a:fontRef>
+        </p:style>
+      </p:cxnSp>
+      <p:sp>
+        <p:nvSpPr>
+          <p:cNvPr id="154" name="Rectangle 153">
+            <a:extLst>
+              <a:ext uri="{FF2B5EF4-FFF2-40B4-BE49-F238E27FC236}">
+                <a16:creationId xmlns:a16="http://schemas.microsoft.com/office/drawing/2014/main" id="{6D70FC34-2EAB-479B-B779-60FA66E855C5}"/>
+              </a:ext>
+            </a:extLst>
+          </p:cNvPr>
+          <p:cNvSpPr/>
+          <p:nvPr/>
+        </p:nvSpPr>
+        <p:spPr>
+          <a:xfrm>
+            <a:off x="8915399" y="6477000"/>
+            <a:ext cx="220683" cy="211075"/>
+          </a:xfrm>
+          <a:prstGeom prst="rect">
+            <a:avLst/>
+          </a:prstGeom>
+          <a:solidFill>
+            <a:srgbClr val="7030A0"/>
+          </a:solidFill>
+          <a:ln>
+            <a:solidFill>
+              <a:srgbClr val="7030A0"/>
+            </a:solidFill>
+          </a:ln>
+          <a:effectLst/>
+        </p:spPr>
+        <p:style>
+          <a:lnRef idx="1">
+            <a:schemeClr val="accent3"/>
+          </a:lnRef>
+          <a:fillRef idx="2">
+            <a:schemeClr val="accent3"/>
+          </a:fillRef>
+          <a:effectRef idx="1">
+            <a:schemeClr val="accent3"/>
+          </a:effectRef>
+          <a:fontRef idx="minor">
+            <a:schemeClr val="dk1"/>
+          </a:fontRef>
+        </p:style>
+        <p:txBody>
+          <a:bodyPr rtlCol="0" anchor="ctr"/>
+          <a:lstStyle/>
+          <a:p>
+            <a:pPr algn="ctr"/>
+            <a:endParaRPr lang="en-SG" sz="1400"/>
+          </a:p>
+        </p:txBody>
+      </p:sp>
+      <p:sp>
+        <p:nvSpPr>
+          <p:cNvPr id="156" name="TextBox 155">
+            <a:extLst>
+              <a:ext uri="{FF2B5EF4-FFF2-40B4-BE49-F238E27FC236}">
+                <a16:creationId xmlns:a16="http://schemas.microsoft.com/office/drawing/2014/main" id="{C4845772-418A-43E9-ACAB-0758062C12F6}"/>
+              </a:ext>
+            </a:extLst>
+          </p:cNvPr>
+          <p:cNvSpPr txBox="1"/>
+          <p:nvPr/>
+        </p:nvSpPr>
+        <p:spPr>
+          <a:xfrm>
+            <a:off x="7025012" y="6276970"/>
+            <a:ext cx="823588" cy="184666"/>
+          </a:xfrm>
+          <a:prstGeom prst="rect">
+            <a:avLst/>
+          </a:prstGeom>
+          <a:noFill/>
+          <a:ln>
+            <a:noFill/>
+          </a:ln>
+        </p:spPr>
+        <p:txBody>
+          <a:bodyPr wrap="square" lIns="0" tIns="0" rIns="0" bIns="0" rtlCol="0">
+            <a:spAutoFit/>
+          </a:bodyPr>
+          <a:lstStyle>
+            <a:defPPr>
+              <a:defRPr lang="en-US"/>
+            </a:defPPr>
+            <a:lvl1pPr algn="r">
+              <a:defRPr sz="1400">
+                <a:solidFill>
+                  <a:srgbClr val="0070C0"/>
+                </a:solidFill>
+              </a:defRPr>
+            </a:lvl1pPr>
+          </a:lstStyle>
+          <a:p>
+            <a:r>
+              <a:rPr lang="en-US" sz="1200" dirty="0" err="1">
+                <a:solidFill>
+                  <a:srgbClr val="7030A0"/>
+                </a:solidFill>
+              </a:rPr>
+              <a:t>addNotes</a:t>
+            </a:r>
+            <a:r>
+              <a:rPr lang="en-US" sz="1200" dirty="0">
+                <a:solidFill>
+                  <a:srgbClr val="7030A0"/>
+                </a:solidFill>
+              </a:rPr>
+              <a:t>()</a:t>
+            </a:r>
+            <a:endParaRPr lang="en-US" sz="1200" dirty="0">
+              <a:solidFill>
+                <a:schemeClr val="accent4">
+                  <a:lumMod val="75000"/>
+                </a:schemeClr>
+              </a:solidFill>
+            </a:endParaRPr>
+          </a:p>
+        </p:txBody>
+      </p:sp>
+      <p:cxnSp>
+        <p:nvCxnSpPr>
+          <p:cNvPr id="157" name="Straight Arrow Connector 156">
+            <a:extLst>
+              <a:ext uri="{FF2B5EF4-FFF2-40B4-BE49-F238E27FC236}">
+                <a16:creationId xmlns:a16="http://schemas.microsoft.com/office/drawing/2014/main" id="{1C6F1DBB-D799-4534-A6D1-16A4CA96EB9D}"/>
+              </a:ext>
+            </a:extLst>
+          </p:cNvPr>
+          <p:cNvCxnSpPr>
+            <a:cxnSpLocks/>
+          </p:cNvCxnSpPr>
+          <p:nvPr/>
+        </p:nvCxnSpPr>
+        <p:spPr>
+          <a:xfrm flipV="1">
+            <a:off x="6100844" y="6676279"/>
+            <a:ext cx="2814554" cy="20855"/>
+          </a:xfrm>
+          <a:prstGeom prst="straightConnector1">
+            <a:avLst/>
+          </a:prstGeom>
+          <a:ln w="19050">
+            <a:solidFill>
+              <a:srgbClr val="7030A0"/>
+            </a:solidFill>
+            <a:prstDash val="sysDash"/>
+            <a:headEnd type="arrow" w="med" len="med"/>
+            <a:tailEnd type="none" w="med" len="med"/>
+          </a:ln>
+        </p:spPr>
+        <p:style>
+          <a:lnRef idx="1">
+            <a:schemeClr val="accent1"/>
+          </a:lnRef>
+          <a:fillRef idx="0">
+            <a:schemeClr val="accent1"/>
+          </a:fillRef>
+          <a:effectRef idx="0">
+            <a:schemeClr val="accent1"/>
+          </a:effectRef>
+          <a:fontRef idx="minor">
+            <a:schemeClr val="tx1"/>
+          </a:fontRef>
+        </p:style>
+      </p:cxnSp>
+      <p:sp>
+        <p:nvSpPr>
+          <p:cNvPr id="161" name="Rectangle 160">
+            <a:extLst>
+              <a:ext uri="{FF2B5EF4-FFF2-40B4-BE49-F238E27FC236}">
+                <a16:creationId xmlns:a16="http://schemas.microsoft.com/office/drawing/2014/main" id="{0EBABDF8-A952-44DA-BD46-6BB77742139F}"/>
+              </a:ext>
+            </a:extLst>
+          </p:cNvPr>
+          <p:cNvSpPr/>
+          <p:nvPr/>
+        </p:nvSpPr>
+        <p:spPr>
+          <a:xfrm>
+            <a:off x="7469595" y="7424649"/>
+            <a:ext cx="152400" cy="276003"/>
+          </a:xfrm>
+          <a:prstGeom prst="rect">
+            <a:avLst/>
+          </a:prstGeom>
+          <a:solidFill>
+            <a:srgbClr val="0070C0"/>
+          </a:solidFill>
+          <a:ln>
+            <a:solidFill>
+              <a:srgbClr val="0070C0"/>
+            </a:solidFill>
+          </a:ln>
+          <a:effectLst/>
+        </p:spPr>
+        <p:style>
+          <a:lnRef idx="1">
+            <a:schemeClr val="accent3"/>
+          </a:lnRef>
+          <a:fillRef idx="2">
+            <a:schemeClr val="accent3"/>
+          </a:fillRef>
+          <a:effectRef idx="1">
+            <a:schemeClr val="accent3"/>
+          </a:effectRef>
+          <a:fontRef idx="minor">
+            <a:schemeClr val="dk1"/>
+          </a:fontRef>
+        </p:style>
+        <p:txBody>
+          <a:bodyPr rtlCol="0" anchor="ctr"/>
+          <a:lstStyle/>
+          <a:p>
+            <a:pPr algn="ctr"/>
+            <a:endParaRPr lang="en-SG" sz="1400"/>
+          </a:p>
+        </p:txBody>
+      </p:sp>
+      <p:cxnSp>
+        <p:nvCxnSpPr>
+          <p:cNvPr id="162" name="Straight Arrow Connector 161">
+            <a:extLst>
+              <a:ext uri="{FF2B5EF4-FFF2-40B4-BE49-F238E27FC236}">
+                <a16:creationId xmlns:a16="http://schemas.microsoft.com/office/drawing/2014/main" id="{D8C9EA88-5199-4ED5-9A91-06CAAFDF68CA}"/>
+              </a:ext>
+            </a:extLst>
+          </p:cNvPr>
+          <p:cNvCxnSpPr>
+            <a:cxnSpLocks/>
+            <a:endCxn id="161" idx="2"/>
+          </p:cNvCxnSpPr>
+          <p:nvPr/>
+        </p:nvCxnSpPr>
+        <p:spPr>
+          <a:xfrm>
+            <a:off x="6178972" y="7700270"/>
+            <a:ext cx="1366823" cy="382"/>
+          </a:xfrm>
+          <a:prstGeom prst="straightConnector1">
+            <a:avLst/>
+          </a:prstGeom>
+          <a:ln w="19050">
+            <a:solidFill>
+              <a:srgbClr val="0070C0"/>
+            </a:solidFill>
+            <a:prstDash val="sysDash"/>
+            <a:headEnd type="arrow" w="med" len="med"/>
+            <a:tailEnd type="none" w="med" len="med"/>
+          </a:ln>
+        </p:spPr>
+        <p:style>
+          <a:lnRef idx="1">
+            <a:schemeClr val="accent1"/>
+          </a:lnRef>
+          <a:fillRef idx="0">
+            <a:schemeClr val="accent1"/>
+          </a:fillRef>
+          <a:effectRef idx="0">
+            <a:schemeClr val="accent1"/>
+          </a:effectRef>
+          <a:fontRef idx="minor">
+            <a:schemeClr val="tx1"/>
+          </a:fontRef>
+        </p:style>
+      </p:cxnSp>
+      <p:sp>
+        <p:nvSpPr>
+          <p:cNvPr id="166" name="TextBox 165">
+            <a:extLst>
+              <a:ext uri="{FF2B5EF4-FFF2-40B4-BE49-F238E27FC236}">
+                <a16:creationId xmlns:a16="http://schemas.microsoft.com/office/drawing/2014/main" id="{F18BA09E-A311-4E83-B630-837A54F83609}"/>
+              </a:ext>
+            </a:extLst>
+          </p:cNvPr>
+          <p:cNvSpPr txBox="1"/>
+          <p:nvPr/>
+        </p:nvSpPr>
+        <p:spPr>
+          <a:xfrm>
+            <a:off x="3426114" y="7406101"/>
+            <a:ext cx="762000" cy="215444"/>
+          </a:xfrm>
+          <a:prstGeom prst="rect">
+            <a:avLst/>
+          </a:prstGeom>
+          <a:noFill/>
+        </p:spPr>
+        <p:txBody>
+          <a:bodyPr wrap="square" lIns="0" tIns="0" rIns="0" bIns="0" rtlCol="0">
+            <a:spAutoFit/>
+          </a:bodyPr>
+          <a:lstStyle>
+            <a:defPPr>
+              <a:defRPr lang="en-US"/>
+            </a:defPPr>
+            <a:lvl1pPr algn="r">
+              <a:defRPr sz="1400">
+                <a:solidFill>
+                  <a:srgbClr val="0070C0"/>
+                </a:solidFill>
+              </a:defRPr>
+            </a:lvl1pPr>
+          </a:lstStyle>
+          <a:p>
+            <a:r>
+              <a:rPr lang="en-US" dirty="0"/>
+              <a:t>result</a:t>
+            </a:r>
+          </a:p>
+        </p:txBody>
+      </p:sp>
+      <p:sp>
+        <p:nvSpPr>
+          <p:cNvPr id="70" name="TextBox 69">
+            <a:extLst>
+              <a:ext uri="{FF2B5EF4-FFF2-40B4-BE49-F238E27FC236}">
+                <a16:creationId xmlns:a16="http://schemas.microsoft.com/office/drawing/2014/main" id="{F060A5AE-04E2-492F-823F-5F08DC67811A}"/>
+              </a:ext>
+            </a:extLst>
+          </p:cNvPr>
+          <p:cNvSpPr txBox="1"/>
+          <p:nvPr/>
+        </p:nvSpPr>
+        <p:spPr>
+          <a:xfrm>
+            <a:off x="3669490" y="6207003"/>
+            <a:ext cx="2932799" cy="169277"/>
+          </a:xfrm>
+          <a:prstGeom prst="rect">
+            <a:avLst/>
+          </a:prstGeom>
+          <a:noFill/>
+        </p:spPr>
+        <p:txBody>
+          <a:bodyPr wrap="square" lIns="0" tIns="0" rIns="0" bIns="0" rtlCol="0">
+            <a:spAutoFit/>
+          </a:bodyPr>
+          <a:lstStyle>
+            <a:defPPr>
+              <a:defRPr lang="en-US"/>
+            </a:defPPr>
+            <a:lvl1pPr algn="r">
+              <a:defRPr sz="1400">
+                <a:solidFill>
+                  <a:srgbClr val="0070C0"/>
+                </a:solidFill>
+              </a:defRPr>
+            </a:lvl1pPr>
+          </a:lstStyle>
+          <a:p>
+            <a:r>
+              <a:rPr lang="en-US" sz="1100" dirty="0"/>
+              <a:t>void</a:t>
+            </a:r>
+          </a:p>
+        </p:txBody>
+      </p:sp>
+    </p:spTree>
+    <p:extLst>
+      <p:ext uri="{BB962C8B-B14F-4D97-AF65-F5344CB8AC3E}">
+        <p14:creationId xmlns:p14="http://schemas.microsoft.com/office/powerpoint/2010/main" val="2379439273"/>
+      </p:ext>
+    </p:extLst>
+  </p:cSld>
+  <p:clrMapOvr>
+    <a:masterClrMapping/>
+  </p:clrMapOvr>
+</p:sld>
+</file>
+
+<file path=ppt/slides/slide3.xml><?xml version="1.0" encoding="utf-8"?>
+<p:sld xmlns:a="http://schemas.openxmlformats.org/drawingml/2006/main" xmlns:r="http://schemas.openxmlformats.org/officeDocument/2006/relationships" xmlns:p="http://schemas.openxmlformats.org/presentationml/2006/main">
+  <p:cSld>
+    <p:spTree>
+      <p:nvGrpSpPr>
+        <p:cNvPr id="1" name=""/>
+        <p:cNvGrpSpPr/>
+        <p:nvPr/>
+      </p:nvGrpSpPr>
+      <p:grpSpPr>
+        <a:xfrm>
+          <a:off x="0" y="0"/>
+          <a:ext cx="0" cy="0"/>
+          <a:chOff x="0" y="0"/>
+          <a:chExt cx="0" cy="0"/>
+        </a:xfrm>
+      </p:grpSpPr>
+      <p:sp>
+        <p:nvSpPr>
+          <p:cNvPr id="81" name="Rectangle 65"/>
+          <p:cNvSpPr/>
+          <p:nvPr/>
+        </p:nvSpPr>
+        <p:spPr>
+          <a:xfrm>
+            <a:off x="1009344" y="478584"/>
+            <a:ext cx="7654356" cy="9656008"/>
+          </a:xfrm>
+          <a:prstGeom prst="roundRect">
+            <a:avLst>
+              <a:gd name="adj" fmla="val 3484"/>
+            </a:avLst>
+          </a:prstGeom>
+          <a:solidFill>
+            <a:schemeClr val="accent1">
+              <a:lumMod val="20000"/>
+              <a:lumOff val="80000"/>
+            </a:schemeClr>
+          </a:solidFill>
+          <a:ln w="19050">
+            <a:noFill/>
+          </a:ln>
+          <a:effectLst/>
+        </p:spPr>
+        <p:style>
+          <a:lnRef idx="1">
+            <a:schemeClr val="accent2"/>
+          </a:lnRef>
+          <a:fillRef idx="2">
+            <a:schemeClr val="accent2"/>
+          </a:fillRef>
+          <a:effectRef idx="1">
+            <a:schemeClr val="accent2"/>
+          </a:effectRef>
+          <a:fontRef idx="minor">
+            <a:schemeClr val="dk1"/>
+          </a:fontRef>
+        </p:style>
+        <p:txBody>
+          <a:bodyPr rtlCol="0" anchor="t"/>
+          <a:lstStyle/>
+          <a:p>
+            <a:r>
+              <a:rPr lang="en-US" sz="1200" b="1" dirty="0">
+                <a:solidFill>
+                  <a:srgbClr val="0070C0"/>
+                </a:solidFill>
+              </a:rPr>
+              <a:t>Logic</a:t>
+            </a:r>
+            <a:endParaRPr lang="en-SG" sz="1200" b="1" dirty="0">
+              <a:solidFill>
+                <a:srgbClr val="0070C0"/>
+              </a:solidFill>
+            </a:endParaRPr>
+          </a:p>
+        </p:txBody>
+      </p:sp>
+      <p:sp>
+        <p:nvSpPr>
+          <p:cNvPr id="2" name="Rectangle 62"/>
+          <p:cNvSpPr/>
+          <p:nvPr/>
+        </p:nvSpPr>
+        <p:spPr>
+          <a:xfrm>
+            <a:off x="1309214" y="533328"/>
+            <a:ext cx="1455629" cy="346760"/>
+          </a:xfrm>
+          <a:prstGeom prst="rect">
+            <a:avLst/>
+          </a:prstGeom>
+          <a:solidFill>
+            <a:srgbClr val="0070C0"/>
+          </a:solidFill>
+          <a:ln w="19050">
+            <a:solidFill>
+              <a:srgbClr val="0070C0"/>
+            </a:solidFill>
+          </a:ln>
+          <a:effectLst/>
+        </p:spPr>
+        <p:style>
+          <a:lnRef idx="1">
+            <a:schemeClr val="accent2"/>
+          </a:lnRef>
+          <a:fillRef idx="2">
+            <a:schemeClr val="accent2"/>
+          </a:fillRef>
+          <a:effectRef idx="1">
+            <a:schemeClr val="accent2"/>
+          </a:effectRef>
+          <a:fontRef idx="minor">
+            <a:schemeClr val="dk1"/>
+          </a:fontRef>
+        </p:style>
+        <p:txBody>
+          <a:bodyPr rtlCol="0" anchor="ctr"/>
+          <a:lstStyle/>
+          <a:p>
+            <a:pPr algn="ctr"/>
+            <a:r>
+              <a:rPr lang="en-US" sz="1600" dirty="0">
+                <a:solidFill>
+                  <a:schemeClr val="bg1"/>
+                </a:solidFill>
+              </a:rPr>
+              <a:t>:</a:t>
+            </a:r>
+            <a:r>
+              <a:rPr lang="en-US" sz="1600" dirty="0" err="1">
+                <a:solidFill>
+                  <a:schemeClr val="bg1"/>
+                </a:solidFill>
+              </a:rPr>
+              <a:t>LogicManager</a:t>
+            </a:r>
+            <a:endParaRPr lang="en-SG" sz="1600" dirty="0">
+              <a:solidFill>
+                <a:schemeClr val="bg1"/>
+              </a:solidFill>
+            </a:endParaRPr>
+          </a:p>
+        </p:txBody>
+      </p:sp>
+      <p:cxnSp>
+        <p:nvCxnSpPr>
+          <p:cNvPr id="5" name="Straight Connector 4"/>
+          <p:cNvCxnSpPr>
+            <a:cxnSpLocks/>
+          </p:cNvCxnSpPr>
+          <p:nvPr/>
+        </p:nvCxnSpPr>
+        <p:spPr>
+          <a:xfrm>
+            <a:off x="2055168" y="496957"/>
+            <a:ext cx="0" cy="9542401"/>
+          </a:xfrm>
+          <a:prstGeom prst="line">
+            <a:avLst/>
+          </a:prstGeom>
+          <a:ln w="19050">
+            <a:solidFill>
+              <a:srgbClr val="0070C0"/>
+            </a:solidFill>
+            <a:prstDash val="sysDash"/>
+          </a:ln>
+          <a:effectLst/>
+        </p:spPr>
+        <p:style>
+          <a:lnRef idx="1">
+            <a:schemeClr val="accent1"/>
+          </a:lnRef>
+          <a:fillRef idx="2">
+            <a:schemeClr val="accent1"/>
+          </a:fillRef>
+          <a:effectRef idx="1">
+            <a:schemeClr val="accent1"/>
+          </a:effectRef>
+          <a:fontRef idx="minor">
+            <a:schemeClr val="dk1"/>
+          </a:fontRef>
+        </p:style>
+      </p:cxnSp>
+      <p:sp>
+        <p:nvSpPr>
+          <p:cNvPr id="6" name="Rectangle 5"/>
+          <p:cNvSpPr/>
+          <p:nvPr/>
+        </p:nvSpPr>
+        <p:spPr>
+          <a:xfrm>
+            <a:off x="1965019" y="1247693"/>
+            <a:ext cx="180298" cy="8429708"/>
+          </a:xfrm>
+          <a:prstGeom prst="rect">
+            <a:avLst/>
+          </a:prstGeom>
+          <a:solidFill>
+            <a:srgbClr val="0070C0"/>
+          </a:solidFill>
+          <a:ln>
+            <a:solidFill>
+              <a:srgbClr val="0070C0"/>
+            </a:solidFill>
+          </a:ln>
+          <a:effectLst/>
+        </p:spPr>
+        <p:style>
+          <a:lnRef idx="1">
+            <a:schemeClr val="accent3"/>
+          </a:lnRef>
+          <a:fillRef idx="2">
+            <a:schemeClr val="accent3"/>
+          </a:fillRef>
+          <a:effectRef idx="1">
+            <a:schemeClr val="accent3"/>
+          </a:effectRef>
+          <a:fontRef idx="minor">
+            <a:schemeClr val="dk1"/>
+          </a:fontRef>
+        </p:style>
+        <p:txBody>
+          <a:bodyPr rtlCol="0" anchor="ctr"/>
+          <a:lstStyle/>
+          <a:p>
+            <a:pPr algn="ctr"/>
+            <a:endParaRPr lang="en-SG" sz="1400"/>
+          </a:p>
+        </p:txBody>
+      </p:sp>
+      <p:sp>
+        <p:nvSpPr>
+          <p:cNvPr id="16" name="Rectangle 62"/>
+          <p:cNvSpPr/>
+          <p:nvPr/>
+        </p:nvSpPr>
+        <p:spPr>
+          <a:xfrm>
+            <a:off x="3539615" y="412404"/>
+            <a:ext cx="2099183" cy="467684"/>
+          </a:xfrm>
+          <a:prstGeom prst="rect">
+            <a:avLst/>
+          </a:prstGeom>
+          <a:solidFill>
+            <a:srgbClr val="0070C0"/>
+          </a:solidFill>
+          <a:ln w="19050">
+            <a:solidFill>
+              <a:srgbClr val="0070C0"/>
+            </a:solidFill>
+          </a:ln>
+          <a:effectLst/>
+        </p:spPr>
+        <p:style>
+          <a:lnRef idx="1">
+            <a:schemeClr val="accent2"/>
+          </a:lnRef>
+          <a:fillRef idx="2">
+            <a:schemeClr val="accent2"/>
+          </a:fillRef>
+          <a:effectRef idx="1">
+            <a:schemeClr val="accent2"/>
+          </a:effectRef>
+          <a:fontRef idx="minor">
+            <a:schemeClr val="dk1"/>
+          </a:fontRef>
+        </p:style>
+        <p:txBody>
+          <a:bodyPr rtlCol="0" anchor="ctr"/>
+          <a:lstStyle/>
+          <a:p>
+            <a:pPr algn="ctr"/>
+            <a:r>
+              <a:rPr lang="en-US" sz="1600" dirty="0">
+                <a:solidFill>
+                  <a:schemeClr val="bg1"/>
+                </a:solidFill>
+              </a:rPr>
+              <a:t>:</a:t>
+            </a:r>
+            <a:r>
+              <a:rPr lang="en-US" sz="1600" dirty="0" err="1">
+                <a:solidFill>
+                  <a:schemeClr val="bg1"/>
+                </a:solidFill>
+              </a:rPr>
+              <a:t>DownloadSelectNotesParser</a:t>
+            </a:r>
+            <a:endParaRPr lang="en-SG" sz="1600" dirty="0">
+              <a:solidFill>
+                <a:schemeClr val="bg1"/>
+              </a:solidFill>
+            </a:endParaRPr>
+          </a:p>
+        </p:txBody>
+      </p:sp>
+      <p:cxnSp>
+        <p:nvCxnSpPr>
+          <p:cNvPr id="17" name="Straight Connector 16"/>
+          <p:cNvCxnSpPr>
+            <a:cxnSpLocks/>
+          </p:cNvCxnSpPr>
+          <p:nvPr/>
+        </p:nvCxnSpPr>
+        <p:spPr>
+          <a:xfrm>
+            <a:off x="4476656" y="896999"/>
+            <a:ext cx="0" cy="1482984"/>
+          </a:xfrm>
+          <a:prstGeom prst="line">
+            <a:avLst/>
+          </a:prstGeom>
+          <a:ln w="19050">
+            <a:solidFill>
+              <a:srgbClr val="0070C0"/>
+            </a:solidFill>
+            <a:prstDash val="sysDash"/>
+          </a:ln>
+          <a:effectLst/>
+        </p:spPr>
+        <p:style>
+          <a:lnRef idx="1">
+            <a:schemeClr val="accent1"/>
+          </a:lnRef>
+          <a:fillRef idx="2">
+            <a:schemeClr val="accent1"/>
+          </a:fillRef>
+          <a:effectRef idx="1">
+            <a:schemeClr val="accent1"/>
+          </a:effectRef>
+          <a:fontRef idx="minor">
+            <a:schemeClr val="dk1"/>
+          </a:fontRef>
+        </p:style>
+      </p:cxnSp>
+      <p:sp>
+        <p:nvSpPr>
+          <p:cNvPr id="18" name="Rectangle 17"/>
+          <p:cNvSpPr/>
+          <p:nvPr/>
+        </p:nvSpPr>
+        <p:spPr>
+          <a:xfrm>
+            <a:off x="4404649" y="1355192"/>
+            <a:ext cx="154408" cy="767790"/>
+          </a:xfrm>
+          <a:prstGeom prst="rect">
+            <a:avLst/>
+          </a:prstGeom>
+          <a:solidFill>
+            <a:srgbClr val="0070C0"/>
+          </a:solidFill>
+          <a:ln>
+            <a:solidFill>
+              <a:srgbClr val="0070C0"/>
+            </a:solidFill>
+          </a:ln>
+          <a:effectLst/>
+        </p:spPr>
+        <p:style>
+          <a:lnRef idx="1">
+            <a:schemeClr val="accent3"/>
+          </a:lnRef>
+          <a:fillRef idx="2">
+            <a:schemeClr val="accent3"/>
+          </a:fillRef>
+          <a:effectRef idx="1">
+            <a:schemeClr val="accent3"/>
+          </a:effectRef>
+          <a:fontRef idx="minor">
+            <a:schemeClr val="dk1"/>
+          </a:fontRef>
+        </p:style>
+        <p:txBody>
+          <a:bodyPr rtlCol="0" anchor="ctr"/>
+          <a:lstStyle/>
+          <a:p>
+            <a:pPr algn="ctr"/>
+            <a:endParaRPr lang="en-SG" sz="1400">
+              <a:solidFill>
+                <a:schemeClr val="dk1"/>
+              </a:solidFill>
+            </a:endParaRPr>
+          </a:p>
+        </p:txBody>
+      </p:sp>
+      <p:cxnSp>
+        <p:nvCxnSpPr>
+          <p:cNvPr id="20" name="Straight Connector 19"/>
+          <p:cNvCxnSpPr>
+            <a:cxnSpLocks/>
+          </p:cNvCxnSpPr>
+          <p:nvPr/>
+        </p:nvCxnSpPr>
+        <p:spPr>
+          <a:xfrm>
+            <a:off x="6009415" y="1603015"/>
+            <a:ext cx="78180" cy="8334538"/>
+          </a:xfrm>
+          <a:prstGeom prst="line">
+            <a:avLst/>
+          </a:prstGeom>
+          <a:ln w="19050">
+            <a:solidFill>
+              <a:srgbClr val="0070C0"/>
+            </a:solidFill>
+            <a:prstDash val="sysDash"/>
+          </a:ln>
+          <a:effectLst/>
+        </p:spPr>
+        <p:style>
+          <a:lnRef idx="1">
+            <a:schemeClr val="accent1"/>
+          </a:lnRef>
+          <a:fillRef idx="2">
+            <a:schemeClr val="accent1"/>
+          </a:fillRef>
+          <a:effectRef idx="1">
+            <a:schemeClr val="accent1"/>
+          </a:effectRef>
+          <a:fontRef idx="minor">
+            <a:schemeClr val="dk1"/>
+          </a:fontRef>
+        </p:style>
+      </p:cxnSp>
+      <p:sp>
+        <p:nvSpPr>
+          <p:cNvPr id="21" name="Rectangle 20"/>
+          <p:cNvSpPr/>
+          <p:nvPr/>
+        </p:nvSpPr>
+        <p:spPr>
+          <a:xfrm>
+            <a:off x="5951951" y="1603015"/>
+            <a:ext cx="152400" cy="276003"/>
+          </a:xfrm>
+          <a:prstGeom prst="rect">
+            <a:avLst/>
+          </a:prstGeom>
+          <a:solidFill>
+            <a:srgbClr val="0070C0"/>
+          </a:solidFill>
+          <a:ln>
+            <a:solidFill>
+              <a:srgbClr val="0070C0"/>
+            </a:solidFill>
+          </a:ln>
+          <a:effectLst/>
+        </p:spPr>
+        <p:style>
+          <a:lnRef idx="1">
+            <a:schemeClr val="accent3"/>
+          </a:lnRef>
+          <a:fillRef idx="2">
+            <a:schemeClr val="accent3"/>
+          </a:fillRef>
+          <a:effectRef idx="1">
+            <a:schemeClr val="accent3"/>
+          </a:effectRef>
+          <a:fontRef idx="minor">
+            <a:schemeClr val="dk1"/>
+          </a:fontRef>
+        </p:style>
+        <p:txBody>
+          <a:bodyPr rtlCol="0" anchor="ctr"/>
+          <a:lstStyle/>
+          <a:p>
+            <a:pPr algn="ctr"/>
+            <a:endParaRPr lang="en-SG" sz="1400"/>
+          </a:p>
+        </p:txBody>
+      </p:sp>
+      <p:cxnSp>
+        <p:nvCxnSpPr>
+          <p:cNvPr id="23" name="Straight Arrow Connector 22"/>
+          <p:cNvCxnSpPr/>
+          <p:nvPr/>
+        </p:nvCxnSpPr>
+        <p:spPr>
+          <a:xfrm>
+            <a:off x="845169" y="1251381"/>
+            <a:ext cx="1119851" cy="0"/>
+          </a:xfrm>
+          <a:prstGeom prst="straightConnector1">
+            <a:avLst/>
+          </a:prstGeom>
+          <a:ln w="19050">
+            <a:solidFill>
+              <a:srgbClr val="00B050"/>
+            </a:solidFill>
+            <a:tailEnd type="arrow"/>
+          </a:ln>
+        </p:spPr>
+        <p:style>
+          <a:lnRef idx="1">
+            <a:schemeClr val="accent1"/>
+          </a:lnRef>
+          <a:fillRef idx="0">
+            <a:schemeClr val="accent1"/>
+          </a:fillRef>
+          <a:effectRef idx="0">
+            <a:schemeClr val="accent1"/>
+          </a:effectRef>
+          <a:fontRef idx="minor">
+            <a:schemeClr val="tx1"/>
+          </a:fontRef>
+        </p:style>
+      </p:cxnSp>
+      <p:sp>
+        <p:nvSpPr>
+          <p:cNvPr id="26" name="TextBox 25"/>
+          <p:cNvSpPr txBox="1"/>
+          <p:nvPr/>
+        </p:nvSpPr>
+        <p:spPr>
+          <a:xfrm>
+            <a:off x="-441557" y="1310976"/>
+            <a:ext cx="2348057" cy="338554"/>
+          </a:xfrm>
+          <a:prstGeom prst="rect">
+            <a:avLst/>
+          </a:prstGeom>
+          <a:noFill/>
+        </p:spPr>
+        <p:txBody>
+          <a:bodyPr wrap="square" lIns="0" tIns="0" rIns="0" bIns="0" rtlCol="0">
+            <a:spAutoFit/>
+          </a:bodyPr>
+          <a:lstStyle/>
+          <a:p>
+            <a:pPr algn="r"/>
+            <a:r>
+              <a:rPr lang="en-US" sz="1100" dirty="0">
+                <a:solidFill>
+                  <a:srgbClr val="0070C0"/>
+                </a:solidFill>
+              </a:rPr>
+              <a:t>Execute(“</a:t>
+            </a:r>
+            <a:r>
+              <a:rPr lang="en-US" sz="1100" dirty="0" err="1">
+                <a:solidFill>
+                  <a:srgbClr val="0070C0"/>
+                </a:solidFill>
+              </a:rPr>
+              <a:t>downloadSelectNotes</a:t>
+            </a:r>
+            <a:endParaRPr lang="en-US" sz="1100" dirty="0">
+              <a:solidFill>
+                <a:srgbClr val="0070C0"/>
+              </a:solidFill>
+            </a:endParaRPr>
+          </a:p>
+          <a:p>
+            <a:pPr algn="r"/>
+            <a:r>
+              <a:rPr lang="en-US" sz="1100" dirty="0">
+                <a:solidFill>
+                  <a:srgbClr val="0070C0"/>
+                </a:solidFill>
+              </a:rPr>
+              <a:t>User/a pass/b mod/c files/”)</a:t>
+            </a:r>
+          </a:p>
+        </p:txBody>
+      </p:sp>
+      <p:cxnSp>
+        <p:nvCxnSpPr>
+          <p:cNvPr id="28" name="Straight Arrow Connector 27"/>
+          <p:cNvCxnSpPr/>
+          <p:nvPr/>
+        </p:nvCxnSpPr>
+        <p:spPr>
+          <a:xfrm flipV="1">
+            <a:off x="4562041" y="1501722"/>
+            <a:ext cx="922392" cy="1"/>
+          </a:xfrm>
+          <a:prstGeom prst="straightConnector1">
+            <a:avLst/>
+          </a:prstGeom>
+          <a:ln w="19050">
+            <a:solidFill>
+              <a:srgbClr val="0070C0"/>
+            </a:solidFill>
+            <a:tailEnd type="arrow"/>
+          </a:ln>
+        </p:spPr>
+        <p:style>
+          <a:lnRef idx="1">
+            <a:schemeClr val="accent1"/>
+          </a:lnRef>
+          <a:fillRef idx="0">
+            <a:schemeClr val="accent1"/>
+          </a:fillRef>
+          <a:effectRef idx="0">
+            <a:schemeClr val="accent1"/>
+          </a:effectRef>
+          <a:fontRef idx="minor">
+            <a:schemeClr val="tx1"/>
+          </a:fontRef>
+        </p:style>
+      </p:cxnSp>
+      <p:sp>
+        <p:nvSpPr>
+          <p:cNvPr id="29" name="TextBox 28"/>
+          <p:cNvSpPr txBox="1"/>
+          <p:nvPr/>
+        </p:nvSpPr>
+        <p:spPr>
+          <a:xfrm>
+            <a:off x="3669490" y="2473453"/>
+            <a:ext cx="855809" cy="215444"/>
+          </a:xfrm>
+          <a:prstGeom prst="rect">
+            <a:avLst/>
+          </a:prstGeom>
+          <a:noFill/>
+        </p:spPr>
+        <p:txBody>
+          <a:bodyPr wrap="square" lIns="0" tIns="0" rIns="0" bIns="0" rtlCol="0">
+            <a:spAutoFit/>
+          </a:bodyPr>
+          <a:lstStyle>
+            <a:defPPr>
+              <a:defRPr lang="en-US"/>
+            </a:defPPr>
+            <a:lvl1pPr algn="r">
+              <a:defRPr sz="1400">
+                <a:solidFill>
+                  <a:srgbClr val="0070C0"/>
+                </a:solidFill>
+              </a:defRPr>
+            </a:lvl1pPr>
+          </a:lstStyle>
+          <a:p>
+            <a:r>
+              <a:rPr lang="en-US" dirty="0"/>
+              <a:t>execute()</a:t>
+            </a:r>
+          </a:p>
+        </p:txBody>
+      </p:sp>
+      <p:cxnSp>
+        <p:nvCxnSpPr>
+          <p:cNvPr id="34" name="Straight Arrow Connector 33"/>
+          <p:cNvCxnSpPr/>
+          <p:nvPr/>
+        </p:nvCxnSpPr>
+        <p:spPr>
+          <a:xfrm>
+            <a:off x="4535177" y="1867614"/>
+            <a:ext cx="1492974" cy="0"/>
+          </a:xfrm>
+          <a:prstGeom prst="straightConnector1">
+            <a:avLst/>
+          </a:prstGeom>
+          <a:ln w="19050">
+            <a:solidFill>
+              <a:srgbClr val="0070C0"/>
+            </a:solidFill>
+            <a:prstDash val="sysDash"/>
+            <a:headEnd type="arrow" w="med" len="med"/>
+            <a:tailEnd type="none" w="med" len="med"/>
+          </a:ln>
+        </p:spPr>
+        <p:style>
+          <a:lnRef idx="1">
+            <a:schemeClr val="accent1"/>
+          </a:lnRef>
+          <a:fillRef idx="0">
+            <a:schemeClr val="accent1"/>
+          </a:fillRef>
+          <a:effectRef idx="0">
+            <a:schemeClr val="accent1"/>
+          </a:effectRef>
+          <a:fontRef idx="minor">
+            <a:schemeClr val="tx1"/>
+          </a:fontRef>
+        </p:style>
+      </p:cxnSp>
+      <p:cxnSp>
+        <p:nvCxnSpPr>
+          <p:cNvPr id="35" name="Straight Arrow Connector 34"/>
+          <p:cNvCxnSpPr>
+            <a:cxnSpLocks/>
+          </p:cNvCxnSpPr>
+          <p:nvPr/>
+        </p:nvCxnSpPr>
+        <p:spPr>
+          <a:xfrm>
+            <a:off x="2117420" y="2122982"/>
+            <a:ext cx="2348067" cy="0"/>
+          </a:xfrm>
+          <a:prstGeom prst="straightConnector1">
+            <a:avLst/>
+          </a:prstGeom>
+          <a:ln w="19050">
+            <a:solidFill>
+              <a:srgbClr val="0070C0"/>
+            </a:solidFill>
+            <a:prstDash val="sysDash"/>
+            <a:headEnd type="arrow" w="med" len="med"/>
+            <a:tailEnd type="none" w="med" len="med"/>
+          </a:ln>
+        </p:spPr>
+        <p:style>
+          <a:lnRef idx="1">
+            <a:schemeClr val="accent1"/>
+          </a:lnRef>
+          <a:fillRef idx="0">
+            <a:schemeClr val="accent1"/>
+          </a:fillRef>
+          <a:effectRef idx="0">
+            <a:schemeClr val="accent1"/>
+          </a:effectRef>
+          <a:fontRef idx="minor">
+            <a:schemeClr val="tx1"/>
+          </a:fontRef>
+        </p:style>
+      </p:cxnSp>
+      <p:cxnSp>
+        <p:nvCxnSpPr>
+          <p:cNvPr id="37" name="Straight Arrow Connector 36"/>
+          <p:cNvCxnSpPr/>
+          <p:nvPr/>
+        </p:nvCxnSpPr>
+        <p:spPr>
+          <a:xfrm>
+            <a:off x="840977" y="9677401"/>
+            <a:ext cx="1196051" cy="0"/>
+          </a:xfrm>
+          <a:prstGeom prst="straightConnector1">
+            <a:avLst/>
+          </a:prstGeom>
+          <a:ln w="19050">
+            <a:solidFill>
+              <a:schemeClr val="accent1"/>
+            </a:solidFill>
+            <a:prstDash val="sysDash"/>
+            <a:headEnd type="arrow" w="med" len="med"/>
+            <a:tailEnd type="none" w="med" len="med"/>
+          </a:ln>
+        </p:spPr>
+        <p:style>
+          <a:lnRef idx="1">
+            <a:schemeClr val="accent1"/>
+          </a:lnRef>
+          <a:fillRef idx="0">
+            <a:schemeClr val="accent1"/>
+          </a:fillRef>
+          <a:effectRef idx="0">
+            <a:schemeClr val="accent1"/>
+          </a:effectRef>
+          <a:fontRef idx="minor">
+            <a:schemeClr val="tx1"/>
+          </a:fontRef>
+        </p:style>
+      </p:cxnSp>
+      <p:sp>
+        <p:nvSpPr>
+          <p:cNvPr id="65" name="Rectangle 64"/>
+          <p:cNvSpPr/>
+          <p:nvPr/>
+        </p:nvSpPr>
+        <p:spPr>
+          <a:xfrm>
+            <a:off x="5952555" y="2720694"/>
+            <a:ext cx="226417" cy="6650378"/>
+          </a:xfrm>
+          <a:prstGeom prst="rect">
+            <a:avLst/>
+          </a:prstGeom>
+          <a:solidFill>
+            <a:srgbClr val="0070C0"/>
+          </a:solidFill>
+          <a:ln>
+            <a:solidFill>
+              <a:srgbClr val="0070C0"/>
+            </a:solidFill>
+          </a:ln>
+          <a:effectLst/>
+        </p:spPr>
+        <p:style>
+          <a:lnRef idx="1">
+            <a:schemeClr val="accent3"/>
+          </a:lnRef>
+          <a:fillRef idx="2">
+            <a:schemeClr val="accent3"/>
+          </a:fillRef>
+          <a:effectRef idx="1">
+            <a:schemeClr val="accent3"/>
+          </a:effectRef>
+          <a:fontRef idx="minor">
+            <a:schemeClr val="dk1"/>
+          </a:fontRef>
+        </p:style>
+        <p:txBody>
+          <a:bodyPr rtlCol="0" anchor="ctr"/>
+          <a:lstStyle/>
+          <a:p>
+            <a:pPr algn="ctr"/>
+            <a:endParaRPr lang="en-SG" sz="1400"/>
+          </a:p>
+        </p:txBody>
+      </p:sp>
+      <p:sp>
+        <p:nvSpPr>
+          <p:cNvPr id="80" name="TextBox 79"/>
+          <p:cNvSpPr txBox="1"/>
+          <p:nvPr/>
+        </p:nvSpPr>
+        <p:spPr>
+          <a:xfrm>
+            <a:off x="1325869" y="969321"/>
+            <a:ext cx="2932799" cy="338554"/>
+          </a:xfrm>
+          <a:prstGeom prst="rect">
+            <a:avLst/>
+          </a:prstGeom>
+          <a:noFill/>
+        </p:spPr>
+        <p:txBody>
+          <a:bodyPr wrap="square" lIns="0" tIns="0" rIns="0" bIns="0" rtlCol="0">
+            <a:spAutoFit/>
+          </a:bodyPr>
+          <a:lstStyle>
+            <a:defPPr>
+              <a:defRPr lang="en-US"/>
+            </a:defPPr>
+            <a:lvl1pPr algn="r">
+              <a:defRPr sz="1400">
+                <a:solidFill>
+                  <a:srgbClr val="0070C0"/>
+                </a:solidFill>
+              </a:defRPr>
+            </a:lvl1pPr>
+          </a:lstStyle>
+          <a:p>
+            <a:r>
+              <a:rPr lang="en-US" sz="1100" dirty="0" err="1"/>
+              <a:t>parseCommand</a:t>
+            </a:r>
+            <a:r>
+              <a:rPr lang="en-US" sz="1100" dirty="0"/>
+              <a:t>(“</a:t>
+            </a:r>
+            <a:r>
+              <a:rPr lang="en-US" sz="1100" dirty="0" err="1"/>
+              <a:t>downloadSelectNotes</a:t>
+            </a:r>
+            <a:endParaRPr lang="en-US" sz="1100" dirty="0"/>
+          </a:p>
+          <a:p>
+            <a:r>
+              <a:rPr lang="en-US" sz="1100" dirty="0"/>
+              <a:t>User/a pass/b mod/c files/”)</a:t>
+            </a:r>
+          </a:p>
+        </p:txBody>
+      </p:sp>
+      <p:sp>
+        <p:nvSpPr>
+          <p:cNvPr id="83" name="TextBox 82"/>
+          <p:cNvSpPr txBox="1"/>
+          <p:nvPr/>
+        </p:nvSpPr>
+        <p:spPr>
+          <a:xfrm>
+            <a:off x="1038806" y="9372535"/>
+            <a:ext cx="762000" cy="215444"/>
+          </a:xfrm>
+          <a:prstGeom prst="rect">
+            <a:avLst/>
+          </a:prstGeom>
+          <a:noFill/>
+        </p:spPr>
+        <p:txBody>
+          <a:bodyPr wrap="square" lIns="0" tIns="0" rIns="0" bIns="0" rtlCol="0">
+            <a:spAutoFit/>
+          </a:bodyPr>
+          <a:lstStyle>
+            <a:defPPr>
+              <a:defRPr lang="en-US"/>
+            </a:defPPr>
+            <a:lvl1pPr algn="r">
+              <a:defRPr sz="1400">
+                <a:solidFill>
+                  <a:srgbClr val="0070C0"/>
+                </a:solidFill>
+              </a:defRPr>
+            </a:lvl1pPr>
+          </a:lstStyle>
+          <a:p>
+            <a:r>
+              <a:rPr lang="en-US" dirty="0"/>
+              <a:t>result</a:t>
+            </a:r>
+          </a:p>
+        </p:txBody>
+      </p:sp>
+      <p:sp>
+        <p:nvSpPr>
+          <p:cNvPr id="93" name="TextBox 92"/>
+          <p:cNvSpPr txBox="1"/>
+          <p:nvPr/>
+        </p:nvSpPr>
+        <p:spPr>
+          <a:xfrm>
+            <a:off x="3150861" y="1895175"/>
+            <a:ext cx="388754" cy="215444"/>
+          </a:xfrm>
+          <a:prstGeom prst="rect">
+            <a:avLst/>
+          </a:prstGeom>
+          <a:noFill/>
+        </p:spPr>
+        <p:txBody>
+          <a:bodyPr wrap="square" lIns="0" tIns="0" rIns="0" bIns="0" rtlCol="0">
+            <a:spAutoFit/>
+          </a:bodyPr>
+          <a:lstStyle>
+            <a:defPPr>
+              <a:defRPr lang="en-US"/>
+            </a:defPPr>
+            <a:lvl1pPr algn="r">
+              <a:defRPr sz="1400">
+                <a:solidFill>
+                  <a:srgbClr val="0070C0"/>
+                </a:solidFill>
+              </a:defRPr>
+            </a:lvl1pPr>
+          </a:lstStyle>
+          <a:p>
+            <a:r>
+              <a:rPr lang="en-US" dirty="0"/>
+              <a:t>DSN</a:t>
+            </a:r>
+          </a:p>
+        </p:txBody>
+      </p:sp>
+      <p:sp>
+        <p:nvSpPr>
+          <p:cNvPr id="19" name="Rectangle 62"/>
+          <p:cNvSpPr/>
+          <p:nvPr/>
+        </p:nvSpPr>
+        <p:spPr>
+          <a:xfrm>
+            <a:off x="5462045" y="943398"/>
+            <a:ext cx="1536639" cy="767790"/>
+          </a:xfrm>
+          <a:prstGeom prst="rect">
+            <a:avLst/>
+          </a:prstGeom>
+          <a:solidFill>
+            <a:srgbClr val="0070C0"/>
+          </a:solidFill>
+          <a:ln w="19050">
+            <a:solidFill>
+              <a:srgbClr val="0070C0"/>
+            </a:solidFill>
+          </a:ln>
+          <a:effectLst/>
+        </p:spPr>
+        <p:style>
+          <a:lnRef idx="1">
+            <a:schemeClr val="accent2"/>
+          </a:lnRef>
+          <a:fillRef idx="2">
+            <a:schemeClr val="accent2"/>
+          </a:fillRef>
+          <a:effectRef idx="1">
+            <a:schemeClr val="accent2"/>
+          </a:effectRef>
+          <a:fontRef idx="minor">
+            <a:schemeClr val="dk1"/>
+          </a:fontRef>
+        </p:style>
+        <p:txBody>
+          <a:bodyPr rtlCol="0" anchor="ctr"/>
+          <a:lstStyle/>
+          <a:p>
+            <a:pPr algn="ctr"/>
+            <a:r>
+              <a:rPr lang="en-US" sz="1600" dirty="0">
+                <a:solidFill>
+                  <a:schemeClr val="bg1"/>
+                </a:solidFill>
+              </a:rPr>
+              <a:t>DSN: </a:t>
+            </a:r>
+            <a:r>
+              <a:rPr lang="en-US" sz="1600" dirty="0" err="1">
+                <a:solidFill>
+                  <a:schemeClr val="bg1"/>
+                </a:solidFill>
+              </a:rPr>
+              <a:t>DownloadSelect</a:t>
+            </a:r>
+            <a:endParaRPr lang="en-US" sz="1600" dirty="0">
+              <a:solidFill>
+                <a:schemeClr val="bg1"/>
+              </a:solidFill>
+            </a:endParaRPr>
+          </a:p>
+          <a:p>
+            <a:pPr algn="ctr"/>
+            <a:r>
+              <a:rPr lang="en-US" sz="1600" dirty="0" err="1">
+                <a:solidFill>
+                  <a:schemeClr val="bg1"/>
+                </a:solidFill>
+              </a:rPr>
+              <a:t>NotesCommand</a:t>
+            </a:r>
+            <a:endParaRPr lang="en-SG" sz="1600" dirty="0">
+              <a:solidFill>
+                <a:schemeClr val="bg1"/>
+              </a:solidFill>
+            </a:endParaRPr>
+          </a:p>
+        </p:txBody>
+      </p:sp>
+      <p:cxnSp>
+        <p:nvCxnSpPr>
+          <p:cNvPr id="66" name="Straight Arrow Connector 65">
+            <a:extLst>
+              <a:ext uri="{FF2B5EF4-FFF2-40B4-BE49-F238E27FC236}">
+                <a16:creationId xmlns:a16="http://schemas.microsoft.com/office/drawing/2014/main" id="{39916E2E-195A-4DC8-B025-B05FA87E6796}"/>
+              </a:ext>
+            </a:extLst>
+          </p:cNvPr>
+          <p:cNvCxnSpPr>
+            <a:cxnSpLocks/>
+          </p:cNvCxnSpPr>
+          <p:nvPr/>
+        </p:nvCxnSpPr>
+        <p:spPr>
+          <a:xfrm>
+            <a:off x="2117420" y="2720696"/>
+            <a:ext cx="3832164" cy="1"/>
+          </a:xfrm>
+          <a:prstGeom prst="straightConnector1">
+            <a:avLst/>
+          </a:prstGeom>
+          <a:ln w="19050">
+            <a:solidFill>
+              <a:srgbClr val="0070C0"/>
+            </a:solidFill>
+            <a:tailEnd type="arrow"/>
+          </a:ln>
+        </p:spPr>
+        <p:style>
+          <a:lnRef idx="1">
+            <a:schemeClr val="accent1"/>
+          </a:lnRef>
+          <a:fillRef idx="0">
+            <a:schemeClr val="accent1"/>
+          </a:fillRef>
+          <a:effectRef idx="0">
+            <a:schemeClr val="accent1"/>
+          </a:effectRef>
+          <a:fontRef idx="minor">
+            <a:schemeClr val="tx1"/>
+          </a:fontRef>
+        </p:style>
+      </p:cxnSp>
+      <p:cxnSp>
+        <p:nvCxnSpPr>
+          <p:cNvPr id="67" name="Straight Arrow Connector 66">
+            <a:extLst>
+              <a:ext uri="{FF2B5EF4-FFF2-40B4-BE49-F238E27FC236}">
+                <a16:creationId xmlns:a16="http://schemas.microsoft.com/office/drawing/2014/main" id="{D881596E-177C-4FDC-8E60-CAB90B3D5FAB}"/>
+              </a:ext>
+            </a:extLst>
+          </p:cNvPr>
+          <p:cNvCxnSpPr>
+            <a:cxnSpLocks/>
+          </p:cNvCxnSpPr>
+          <p:nvPr/>
+        </p:nvCxnSpPr>
+        <p:spPr>
+          <a:xfrm>
+            <a:off x="2134314" y="1353300"/>
+            <a:ext cx="2256705" cy="1"/>
+          </a:xfrm>
+          <a:prstGeom prst="straightConnector1">
+            <a:avLst/>
+          </a:prstGeom>
+          <a:ln w="19050">
+            <a:solidFill>
+              <a:srgbClr val="0070C0"/>
+            </a:solidFill>
+            <a:tailEnd type="arrow"/>
+          </a:ln>
+        </p:spPr>
+        <p:style>
+          <a:lnRef idx="1">
+            <a:schemeClr val="accent1"/>
+          </a:lnRef>
+          <a:fillRef idx="0">
+            <a:schemeClr val="accent1"/>
+          </a:fillRef>
+          <a:effectRef idx="0">
+            <a:schemeClr val="accent1"/>
+          </a:effectRef>
+          <a:fontRef idx="minor">
+            <a:schemeClr val="tx1"/>
+          </a:fontRef>
+        </p:style>
+      </p:cxnSp>
+      <p:cxnSp>
+        <p:nvCxnSpPr>
+          <p:cNvPr id="69" name="Straight Arrow Connector 68">
+            <a:extLst>
+              <a:ext uri="{FF2B5EF4-FFF2-40B4-BE49-F238E27FC236}">
+                <a16:creationId xmlns:a16="http://schemas.microsoft.com/office/drawing/2014/main" id="{7C9F21BC-13A9-471F-825A-2621FD36355F}"/>
+              </a:ext>
+            </a:extLst>
+          </p:cNvPr>
+          <p:cNvCxnSpPr>
+            <a:cxnSpLocks/>
+          </p:cNvCxnSpPr>
+          <p:nvPr/>
+        </p:nvCxnSpPr>
+        <p:spPr>
+          <a:xfrm>
+            <a:off x="2126507" y="9371072"/>
+            <a:ext cx="3831517" cy="0"/>
+          </a:xfrm>
+          <a:prstGeom prst="straightConnector1">
+            <a:avLst/>
+          </a:prstGeom>
+          <a:ln w="19050">
+            <a:solidFill>
+              <a:srgbClr val="0070C0"/>
+            </a:solidFill>
+            <a:prstDash val="sysDash"/>
+            <a:headEnd type="arrow" w="med" len="med"/>
+            <a:tailEnd type="none" w="med" len="med"/>
+          </a:ln>
+        </p:spPr>
+        <p:style>
+          <a:lnRef idx="1">
+            <a:schemeClr val="accent1"/>
+          </a:lnRef>
+          <a:fillRef idx="0">
+            <a:schemeClr val="accent1"/>
+          </a:fillRef>
+          <a:effectRef idx="0">
+            <a:schemeClr val="accent1"/>
+          </a:effectRef>
+          <a:fontRef idx="minor">
+            <a:schemeClr val="tx1"/>
+          </a:fontRef>
+        </p:style>
+      </p:cxnSp>
+      <p:grpSp>
+        <p:nvGrpSpPr>
+          <p:cNvPr id="72" name="Group 71">
+            <a:extLst>
+              <a:ext uri="{FF2B5EF4-FFF2-40B4-BE49-F238E27FC236}">
+                <a16:creationId xmlns:a16="http://schemas.microsoft.com/office/drawing/2014/main" id="{3406387C-6621-4F52-90CC-642E0C985412}"/>
+              </a:ext>
+            </a:extLst>
+          </p:cNvPr>
+          <p:cNvGrpSpPr/>
+          <p:nvPr/>
+        </p:nvGrpSpPr>
+        <p:grpSpPr>
+          <a:xfrm>
+            <a:off x="4659362" y="2726835"/>
+            <a:ext cx="2932799" cy="587440"/>
+            <a:chOff x="4659362" y="2726835"/>
+            <a:chExt cx="2932799" cy="587440"/>
+          </a:xfrm>
+        </p:grpSpPr>
+        <p:cxnSp>
+          <p:nvCxnSpPr>
+            <p:cNvPr id="85" name="Connector: Curved 84">
+              <a:extLst>
+                <a:ext uri="{FF2B5EF4-FFF2-40B4-BE49-F238E27FC236}">
+                  <a16:creationId xmlns:a16="http://schemas.microsoft.com/office/drawing/2014/main" id="{13C1DA6A-988D-40D1-9F6C-E5FDA775F7DD}"/>
+                </a:ext>
+              </a:extLst>
+            </p:cNvPr>
+            <p:cNvCxnSpPr>
+              <a:cxnSpLocks/>
+            </p:cNvCxnSpPr>
+            <p:nvPr/>
+          </p:nvCxnSpPr>
+          <p:spPr>
+            <a:xfrm rot="16200000" flipH="1">
+              <a:off x="6001247" y="3176245"/>
+              <a:ext cx="199195" cy="76865"/>
+            </a:xfrm>
+            <a:prstGeom prst="curvedConnector4">
+              <a:avLst>
+                <a:gd name="adj1" fmla="val 17166"/>
+                <a:gd name="adj2" fmla="val 328105"/>
+              </a:avLst>
+            </a:prstGeom>
+            <a:ln>
+              <a:tailEnd type="triangle"/>
+            </a:ln>
+          </p:spPr>
+          <p:style>
+            <a:lnRef idx="1">
+              <a:schemeClr val="accent1"/>
+            </a:lnRef>
+            <a:fillRef idx="0">
+              <a:schemeClr val="accent1"/>
+            </a:fillRef>
+            <a:effectRef idx="0">
+              <a:schemeClr val="accent1"/>
+            </a:effectRef>
+            <a:fontRef idx="minor">
+              <a:schemeClr val="tx1"/>
+            </a:fontRef>
+          </p:style>
+        </p:cxnSp>
+        <p:sp>
+          <p:nvSpPr>
+            <p:cNvPr id="43" name="Rectangle 42">
+              <a:extLst>
+                <a:ext uri="{FF2B5EF4-FFF2-40B4-BE49-F238E27FC236}">
+                  <a16:creationId xmlns:a16="http://schemas.microsoft.com/office/drawing/2014/main" id="{50BE466D-9076-44FE-8ED9-97FF6BEFB8D5}"/>
+                </a:ext>
+              </a:extLst>
+            </p:cNvPr>
+            <p:cNvSpPr/>
+            <p:nvPr/>
+          </p:nvSpPr>
+          <p:spPr>
+            <a:xfrm>
+              <a:off x="6008788" y="2888525"/>
+              <a:ext cx="193059" cy="261611"/>
+            </a:xfrm>
+            <a:prstGeom prst="rect">
+              <a:avLst/>
+            </a:prstGeom>
+            <a:solidFill>
+              <a:schemeClr val="tx2"/>
+            </a:solidFill>
+            <a:ln w="22225">
+              <a:solidFill>
+                <a:schemeClr val="tx1">
+                  <a:alpha val="0"/>
+                </a:schemeClr>
+              </a:solidFill>
+            </a:ln>
+            <a:effectLst/>
+          </p:spPr>
+          <p:style>
+            <a:lnRef idx="1">
+              <a:schemeClr val="accent3"/>
+            </a:lnRef>
+            <a:fillRef idx="2">
+              <a:schemeClr val="accent3"/>
+            </a:fillRef>
+            <a:effectRef idx="1">
+              <a:schemeClr val="accent3"/>
+            </a:effectRef>
+            <a:fontRef idx="minor">
+              <a:schemeClr val="dk1"/>
+            </a:fontRef>
+          </p:style>
+          <p:txBody>
+            <a:bodyPr rtlCol="0" anchor="ctr"/>
+            <a:lstStyle/>
+            <a:p>
+              <a:pPr algn="ctr"/>
+              <a:endParaRPr lang="en-SG" sz="1400"/>
+            </a:p>
+          </p:txBody>
+        </p:sp>
+        <p:cxnSp>
+          <p:nvCxnSpPr>
+            <p:cNvPr id="33" name="Connector: Curved 32">
+              <a:extLst>
+                <a:ext uri="{FF2B5EF4-FFF2-40B4-BE49-F238E27FC236}">
+                  <a16:creationId xmlns:a16="http://schemas.microsoft.com/office/drawing/2014/main" id="{7D5DEE4C-503A-4D6A-B3CB-B7D7D82861F0}"/>
+                </a:ext>
+              </a:extLst>
+            </p:cNvPr>
+            <p:cNvCxnSpPr>
+              <a:cxnSpLocks/>
+            </p:cNvCxnSpPr>
+            <p:nvPr/>
+          </p:nvCxnSpPr>
+          <p:spPr>
+            <a:xfrm rot="16200000" flipH="1">
+              <a:off x="6064597" y="2788000"/>
+              <a:ext cx="199195" cy="76865"/>
+            </a:xfrm>
+            <a:prstGeom prst="curvedConnector4">
+              <a:avLst>
+                <a:gd name="adj1" fmla="val 17166"/>
+                <a:gd name="adj2" fmla="val 316556"/>
+              </a:avLst>
+            </a:prstGeom>
+            <a:ln>
+              <a:tailEnd type="triangle"/>
+            </a:ln>
+          </p:spPr>
+          <p:style>
+            <a:lnRef idx="1">
+              <a:schemeClr val="accent1"/>
+            </a:lnRef>
+            <a:fillRef idx="0">
+              <a:schemeClr val="accent1"/>
+            </a:fillRef>
+            <a:effectRef idx="0">
+              <a:schemeClr val="accent1"/>
+            </a:effectRef>
+            <a:fontRef idx="minor">
+              <a:schemeClr val="tx1"/>
+            </a:fontRef>
+          </p:style>
+        </p:cxnSp>
+        <p:sp>
+          <p:nvSpPr>
+            <p:cNvPr id="87" name="TextBox 86">
+              <a:extLst>
+                <a:ext uri="{FF2B5EF4-FFF2-40B4-BE49-F238E27FC236}">
+                  <a16:creationId xmlns:a16="http://schemas.microsoft.com/office/drawing/2014/main" id="{F7E9DF71-B6D1-4969-84A9-BAE0D4DA1CC5}"/>
+                </a:ext>
+              </a:extLst>
+            </p:cNvPr>
+            <p:cNvSpPr txBox="1"/>
+            <p:nvPr/>
+          </p:nvSpPr>
+          <p:spPr>
+            <a:xfrm>
+              <a:off x="4659362" y="2792483"/>
+              <a:ext cx="2932799" cy="169277"/>
+            </a:xfrm>
+            <a:prstGeom prst="rect">
+              <a:avLst/>
+            </a:prstGeom>
+            <a:noFill/>
+          </p:spPr>
+          <p:txBody>
+            <a:bodyPr wrap="square" lIns="0" tIns="0" rIns="0" bIns="0" rtlCol="0">
+              <a:spAutoFit/>
+            </a:bodyPr>
+            <a:lstStyle>
+              <a:defPPr>
+                <a:defRPr lang="en-US"/>
+              </a:defPPr>
+              <a:lvl1pPr algn="r">
+                <a:defRPr sz="1400">
+                  <a:solidFill>
+                    <a:srgbClr val="0070C0"/>
+                  </a:solidFill>
+                </a:defRPr>
+              </a:lvl1pPr>
+            </a:lstStyle>
+            <a:p>
+              <a:r>
+                <a:rPr lang="en-US" sz="1100" dirty="0" err="1"/>
+                <a:t>extractFilesFromJar</a:t>
+              </a:r>
+              <a:r>
+                <a:rPr lang="en-US" sz="1100" dirty="0"/>
+                <a:t>()</a:t>
+              </a:r>
+            </a:p>
+          </p:txBody>
+        </p:sp>
+      </p:grpSp>
+      <p:grpSp>
+        <p:nvGrpSpPr>
+          <p:cNvPr id="91" name="Group 90">
+            <a:extLst>
+              <a:ext uri="{FF2B5EF4-FFF2-40B4-BE49-F238E27FC236}">
+                <a16:creationId xmlns:a16="http://schemas.microsoft.com/office/drawing/2014/main" id="{461ACBCC-F565-4DD2-BDA8-FA6017599260}"/>
+              </a:ext>
+            </a:extLst>
+          </p:cNvPr>
+          <p:cNvGrpSpPr/>
+          <p:nvPr/>
+        </p:nvGrpSpPr>
+        <p:grpSpPr>
+          <a:xfrm>
+            <a:off x="5150315" y="3436730"/>
+            <a:ext cx="2932799" cy="587440"/>
+            <a:chOff x="5142534" y="2726835"/>
+            <a:chExt cx="2932799" cy="587440"/>
+          </a:xfrm>
+        </p:grpSpPr>
+        <p:cxnSp>
+          <p:nvCxnSpPr>
+            <p:cNvPr id="92" name="Connector: Curved 91">
+              <a:extLst>
+                <a:ext uri="{FF2B5EF4-FFF2-40B4-BE49-F238E27FC236}">
+                  <a16:creationId xmlns:a16="http://schemas.microsoft.com/office/drawing/2014/main" id="{71A23F0C-7933-4BC3-9BA5-B48F53DECF9E}"/>
+                </a:ext>
+              </a:extLst>
+            </p:cNvPr>
+            <p:cNvCxnSpPr>
+              <a:cxnSpLocks/>
+            </p:cNvCxnSpPr>
+            <p:nvPr/>
+          </p:nvCxnSpPr>
+          <p:spPr>
+            <a:xfrm rot="16200000" flipH="1">
+              <a:off x="6001247" y="3176245"/>
+              <a:ext cx="199195" cy="76865"/>
+            </a:xfrm>
+            <a:prstGeom prst="curvedConnector4">
+              <a:avLst>
+                <a:gd name="adj1" fmla="val 17166"/>
+                <a:gd name="adj2" fmla="val 328105"/>
+              </a:avLst>
+            </a:prstGeom>
+            <a:ln>
+              <a:tailEnd type="triangle"/>
+            </a:ln>
+          </p:spPr>
+          <p:style>
+            <a:lnRef idx="1">
+              <a:schemeClr val="accent1"/>
+            </a:lnRef>
+            <a:fillRef idx="0">
+              <a:schemeClr val="accent1"/>
+            </a:fillRef>
+            <a:effectRef idx="0">
+              <a:schemeClr val="accent1"/>
+            </a:effectRef>
+            <a:fontRef idx="minor">
+              <a:schemeClr val="tx1"/>
+            </a:fontRef>
+          </p:style>
+        </p:cxnSp>
+        <p:sp>
+          <p:nvSpPr>
+            <p:cNvPr id="94" name="Rectangle 93">
+              <a:extLst>
+                <a:ext uri="{FF2B5EF4-FFF2-40B4-BE49-F238E27FC236}">
+                  <a16:creationId xmlns:a16="http://schemas.microsoft.com/office/drawing/2014/main" id="{479FA8AC-076C-4E87-BF3A-C05848D0D93D}"/>
+                </a:ext>
+              </a:extLst>
+            </p:cNvPr>
+            <p:cNvSpPr/>
+            <p:nvPr/>
+          </p:nvSpPr>
+          <p:spPr>
+            <a:xfrm>
+              <a:off x="6008788" y="2888525"/>
+              <a:ext cx="193059" cy="261611"/>
+            </a:xfrm>
+            <a:prstGeom prst="rect">
+              <a:avLst/>
+            </a:prstGeom>
+            <a:solidFill>
+              <a:schemeClr val="tx2"/>
+            </a:solidFill>
+            <a:ln w="22225">
+              <a:solidFill>
+                <a:schemeClr val="tx1">
+                  <a:alpha val="0"/>
+                </a:schemeClr>
+              </a:solidFill>
+            </a:ln>
+            <a:effectLst/>
+          </p:spPr>
+          <p:style>
+            <a:lnRef idx="1">
+              <a:schemeClr val="accent3"/>
+            </a:lnRef>
+            <a:fillRef idx="2">
+              <a:schemeClr val="accent3"/>
+            </a:fillRef>
+            <a:effectRef idx="1">
+              <a:schemeClr val="accent3"/>
+            </a:effectRef>
+            <a:fontRef idx="minor">
+              <a:schemeClr val="dk1"/>
+            </a:fontRef>
+          </p:style>
+          <p:txBody>
+            <a:bodyPr rtlCol="0" anchor="ctr"/>
+            <a:lstStyle/>
+            <a:p>
+              <a:pPr algn="ctr"/>
+              <a:endParaRPr lang="en-SG" sz="1400"/>
+            </a:p>
+          </p:txBody>
+        </p:sp>
+        <p:cxnSp>
+          <p:nvCxnSpPr>
+            <p:cNvPr id="95" name="Connector: Curved 94">
+              <a:extLst>
+                <a:ext uri="{FF2B5EF4-FFF2-40B4-BE49-F238E27FC236}">
+                  <a16:creationId xmlns:a16="http://schemas.microsoft.com/office/drawing/2014/main" id="{65A6158D-8CB4-4708-BF46-0E453AB497B0}"/>
+                </a:ext>
+              </a:extLst>
+            </p:cNvPr>
+            <p:cNvCxnSpPr>
+              <a:cxnSpLocks/>
+            </p:cNvCxnSpPr>
+            <p:nvPr/>
+          </p:nvCxnSpPr>
+          <p:spPr>
+            <a:xfrm rot="16200000" flipH="1">
+              <a:off x="6064597" y="2788000"/>
+              <a:ext cx="199195" cy="76865"/>
+            </a:xfrm>
+            <a:prstGeom prst="curvedConnector4">
+              <a:avLst>
+                <a:gd name="adj1" fmla="val 17166"/>
+                <a:gd name="adj2" fmla="val 316556"/>
+              </a:avLst>
+            </a:prstGeom>
+            <a:ln>
+              <a:tailEnd type="triangle"/>
+            </a:ln>
+          </p:spPr>
+          <p:style>
+            <a:lnRef idx="1">
+              <a:schemeClr val="accent1"/>
+            </a:lnRef>
+            <a:fillRef idx="0">
+              <a:schemeClr val="accent1"/>
+            </a:fillRef>
+            <a:effectRef idx="0">
+              <a:schemeClr val="accent1"/>
+            </a:effectRef>
+            <a:fontRef idx="minor">
+              <a:schemeClr val="tx1"/>
+            </a:fontRef>
+          </p:style>
+        </p:cxnSp>
+        <p:sp>
+          <p:nvSpPr>
+            <p:cNvPr id="96" name="TextBox 95">
+              <a:extLst>
+                <a:ext uri="{FF2B5EF4-FFF2-40B4-BE49-F238E27FC236}">
+                  <a16:creationId xmlns:a16="http://schemas.microsoft.com/office/drawing/2014/main" id="{BE32E2EC-C389-44C6-8420-088ECD8B07B7}"/>
+                </a:ext>
+              </a:extLst>
+            </p:cNvPr>
+            <p:cNvSpPr txBox="1"/>
+            <p:nvPr/>
+          </p:nvSpPr>
+          <p:spPr>
+            <a:xfrm>
+              <a:off x="5142534" y="2819543"/>
+              <a:ext cx="2932799" cy="169277"/>
+            </a:xfrm>
+            <a:prstGeom prst="rect">
+              <a:avLst/>
+            </a:prstGeom>
+            <a:noFill/>
+          </p:spPr>
+          <p:txBody>
+            <a:bodyPr wrap="square" lIns="0" tIns="0" rIns="0" bIns="0" rtlCol="0">
+              <a:spAutoFit/>
+            </a:bodyPr>
+            <a:lstStyle>
+              <a:defPPr>
+                <a:defRPr lang="en-US"/>
+              </a:defPPr>
+              <a:lvl1pPr algn="r">
+                <a:defRPr sz="1400">
+                  <a:solidFill>
+                    <a:srgbClr val="0070C0"/>
+                  </a:solidFill>
+                </a:defRPr>
+              </a:lvl1pPr>
+            </a:lstStyle>
+            <a:p>
+              <a:r>
+                <a:rPr lang="en-US" sz="1100" dirty="0" err="1"/>
+                <a:t>InitializeChromeDriverPaths</a:t>
+              </a:r>
+              <a:r>
+                <a:rPr lang="en-US" sz="1100" dirty="0"/>
+                <a:t>()</a:t>
+              </a:r>
+            </a:p>
+          </p:txBody>
+        </p:sp>
+      </p:grpSp>
+      <p:grpSp>
+        <p:nvGrpSpPr>
+          <p:cNvPr id="103" name="Group 102">
+            <a:extLst>
+              <a:ext uri="{FF2B5EF4-FFF2-40B4-BE49-F238E27FC236}">
+                <a16:creationId xmlns:a16="http://schemas.microsoft.com/office/drawing/2014/main" id="{46F48F1D-5DAC-4C43-922A-7AA391425B53}"/>
+              </a:ext>
+            </a:extLst>
+          </p:cNvPr>
+          <p:cNvGrpSpPr/>
+          <p:nvPr/>
+        </p:nvGrpSpPr>
+        <p:grpSpPr>
+          <a:xfrm>
+            <a:off x="4680658" y="4166115"/>
+            <a:ext cx="2932799" cy="587440"/>
+            <a:chOff x="4659362" y="2726835"/>
+            <a:chExt cx="2932799" cy="587440"/>
+          </a:xfrm>
+        </p:grpSpPr>
+        <p:cxnSp>
+          <p:nvCxnSpPr>
+            <p:cNvPr id="104" name="Connector: Curved 103">
+              <a:extLst>
+                <a:ext uri="{FF2B5EF4-FFF2-40B4-BE49-F238E27FC236}">
+                  <a16:creationId xmlns:a16="http://schemas.microsoft.com/office/drawing/2014/main" id="{D92E73CF-097D-4FC5-A95D-9D0DD286827A}"/>
+                </a:ext>
+              </a:extLst>
+            </p:cNvPr>
+            <p:cNvCxnSpPr>
+              <a:cxnSpLocks/>
+            </p:cNvCxnSpPr>
+            <p:nvPr/>
+          </p:nvCxnSpPr>
+          <p:spPr>
+            <a:xfrm rot="16200000" flipH="1">
+              <a:off x="6001247" y="3176245"/>
+              <a:ext cx="199195" cy="76865"/>
+            </a:xfrm>
+            <a:prstGeom prst="curvedConnector4">
+              <a:avLst>
+                <a:gd name="adj1" fmla="val 17166"/>
+                <a:gd name="adj2" fmla="val 328105"/>
+              </a:avLst>
+            </a:prstGeom>
+            <a:ln>
+              <a:tailEnd type="triangle"/>
+            </a:ln>
+          </p:spPr>
+          <p:style>
+            <a:lnRef idx="1">
+              <a:schemeClr val="accent1"/>
+            </a:lnRef>
+            <a:fillRef idx="0">
+              <a:schemeClr val="accent1"/>
+            </a:fillRef>
+            <a:effectRef idx="0">
+              <a:schemeClr val="accent1"/>
+            </a:effectRef>
+            <a:fontRef idx="minor">
+              <a:schemeClr val="tx1"/>
+            </a:fontRef>
+          </p:style>
+        </p:cxnSp>
+        <p:sp>
+          <p:nvSpPr>
+            <p:cNvPr id="105" name="Rectangle 104">
+              <a:extLst>
+                <a:ext uri="{FF2B5EF4-FFF2-40B4-BE49-F238E27FC236}">
+                  <a16:creationId xmlns:a16="http://schemas.microsoft.com/office/drawing/2014/main" id="{45ADE5EF-D6E3-466C-BD9C-92A685309A76}"/>
+                </a:ext>
+              </a:extLst>
+            </p:cNvPr>
+            <p:cNvSpPr/>
+            <p:nvPr/>
+          </p:nvSpPr>
+          <p:spPr>
+            <a:xfrm>
+              <a:off x="6008788" y="2888525"/>
+              <a:ext cx="193059" cy="261611"/>
+            </a:xfrm>
+            <a:prstGeom prst="rect">
+              <a:avLst/>
+            </a:prstGeom>
+            <a:solidFill>
+              <a:schemeClr val="tx2"/>
+            </a:solidFill>
+            <a:ln w="22225">
+              <a:solidFill>
+                <a:schemeClr val="tx1">
+                  <a:alpha val="0"/>
+                </a:schemeClr>
+              </a:solidFill>
+            </a:ln>
+            <a:effectLst/>
+          </p:spPr>
+          <p:style>
+            <a:lnRef idx="1">
+              <a:schemeClr val="accent3"/>
+            </a:lnRef>
+            <a:fillRef idx="2">
+              <a:schemeClr val="accent3"/>
+            </a:fillRef>
+            <a:effectRef idx="1">
+              <a:schemeClr val="accent3"/>
+            </a:effectRef>
+            <a:fontRef idx="minor">
+              <a:schemeClr val="dk1"/>
+            </a:fontRef>
+          </p:style>
+          <p:txBody>
+            <a:bodyPr rtlCol="0" anchor="ctr"/>
+            <a:lstStyle/>
+            <a:p>
+              <a:pPr algn="ctr"/>
+              <a:endParaRPr lang="en-SG" sz="1400"/>
+            </a:p>
+          </p:txBody>
+        </p:sp>
+        <p:cxnSp>
+          <p:nvCxnSpPr>
+            <p:cNvPr id="106" name="Connector: Curved 105">
+              <a:extLst>
+                <a:ext uri="{FF2B5EF4-FFF2-40B4-BE49-F238E27FC236}">
+                  <a16:creationId xmlns:a16="http://schemas.microsoft.com/office/drawing/2014/main" id="{C4EBFE99-E11D-424D-AE2A-96CED6CFD9EC}"/>
+                </a:ext>
+              </a:extLst>
+            </p:cNvPr>
+            <p:cNvCxnSpPr>
+              <a:cxnSpLocks/>
+            </p:cNvCxnSpPr>
+            <p:nvPr/>
+          </p:nvCxnSpPr>
+          <p:spPr>
+            <a:xfrm rot="16200000" flipH="1">
+              <a:off x="6064597" y="2788000"/>
+              <a:ext cx="199195" cy="76865"/>
+            </a:xfrm>
+            <a:prstGeom prst="curvedConnector4">
+              <a:avLst>
+                <a:gd name="adj1" fmla="val 17166"/>
+                <a:gd name="adj2" fmla="val 316556"/>
+              </a:avLst>
+            </a:prstGeom>
+            <a:ln>
+              <a:tailEnd type="triangle"/>
+            </a:ln>
+          </p:spPr>
+          <p:style>
+            <a:lnRef idx="1">
+              <a:schemeClr val="accent1"/>
+            </a:lnRef>
+            <a:fillRef idx="0">
+              <a:schemeClr val="accent1"/>
+            </a:fillRef>
+            <a:effectRef idx="0">
+              <a:schemeClr val="accent1"/>
+            </a:effectRef>
+            <a:fontRef idx="minor">
+              <a:schemeClr val="tx1"/>
+            </a:fontRef>
+          </p:style>
+        </p:cxnSp>
+        <p:sp>
+          <p:nvSpPr>
+            <p:cNvPr id="107" name="TextBox 106">
+              <a:extLst>
+                <a:ext uri="{FF2B5EF4-FFF2-40B4-BE49-F238E27FC236}">
+                  <a16:creationId xmlns:a16="http://schemas.microsoft.com/office/drawing/2014/main" id="{C44C71B0-058A-46E2-BEB6-EB2530A9E53C}"/>
+                </a:ext>
+              </a:extLst>
+            </p:cNvPr>
+            <p:cNvSpPr txBox="1"/>
+            <p:nvPr/>
+          </p:nvSpPr>
+          <p:spPr>
+            <a:xfrm>
+              <a:off x="4659362" y="2792483"/>
+              <a:ext cx="2932799" cy="169277"/>
+            </a:xfrm>
+            <a:prstGeom prst="rect">
+              <a:avLst/>
+            </a:prstGeom>
+            <a:noFill/>
+          </p:spPr>
+          <p:txBody>
+            <a:bodyPr wrap="square" lIns="0" tIns="0" rIns="0" bIns="0" rtlCol="0">
+              <a:spAutoFit/>
+            </a:bodyPr>
+            <a:lstStyle>
+              <a:defPPr>
+                <a:defRPr lang="en-US"/>
+              </a:defPPr>
+              <a:lvl1pPr algn="r">
+                <a:defRPr sz="1400">
+                  <a:solidFill>
+                    <a:srgbClr val="0070C0"/>
+                  </a:solidFill>
+                </a:defRPr>
+              </a:lvl1pPr>
+            </a:lstStyle>
+            <a:p>
+              <a:r>
+                <a:rPr lang="en-US" sz="1100" dirty="0" err="1"/>
+                <a:t>InitializeWebDriver</a:t>
+              </a:r>
+              <a:r>
+                <a:rPr lang="en-US" sz="1100" dirty="0"/>
+                <a:t>()</a:t>
+              </a:r>
+            </a:p>
+          </p:txBody>
+        </p:sp>
+      </p:grpSp>
+      <p:grpSp>
+        <p:nvGrpSpPr>
+          <p:cNvPr id="133" name="Group 132">
+            <a:extLst>
+              <a:ext uri="{FF2B5EF4-FFF2-40B4-BE49-F238E27FC236}">
+                <a16:creationId xmlns:a16="http://schemas.microsoft.com/office/drawing/2014/main" id="{791AA33F-B509-4A44-8FFB-1B879BA9D41C}"/>
+              </a:ext>
+            </a:extLst>
+          </p:cNvPr>
+          <p:cNvGrpSpPr/>
+          <p:nvPr/>
+        </p:nvGrpSpPr>
+        <p:grpSpPr>
+          <a:xfrm>
+            <a:off x="5009118" y="4975663"/>
+            <a:ext cx="2932799" cy="587440"/>
+            <a:chOff x="5002117" y="2726835"/>
+            <a:chExt cx="2932799" cy="587440"/>
+          </a:xfrm>
+        </p:grpSpPr>
+        <p:cxnSp>
+          <p:nvCxnSpPr>
+            <p:cNvPr id="134" name="Connector: Curved 133">
+              <a:extLst>
+                <a:ext uri="{FF2B5EF4-FFF2-40B4-BE49-F238E27FC236}">
+                  <a16:creationId xmlns:a16="http://schemas.microsoft.com/office/drawing/2014/main" id="{FC7B01EE-7FAF-4249-B582-792FC4AF4755}"/>
+                </a:ext>
+              </a:extLst>
+            </p:cNvPr>
+            <p:cNvCxnSpPr>
+              <a:cxnSpLocks/>
+            </p:cNvCxnSpPr>
+            <p:nvPr/>
+          </p:nvCxnSpPr>
+          <p:spPr>
+            <a:xfrm rot="16200000" flipH="1">
+              <a:off x="6001247" y="3176245"/>
+              <a:ext cx="199195" cy="76865"/>
+            </a:xfrm>
+            <a:prstGeom prst="curvedConnector4">
+              <a:avLst>
+                <a:gd name="adj1" fmla="val 17166"/>
+                <a:gd name="adj2" fmla="val 328105"/>
+              </a:avLst>
+            </a:prstGeom>
+            <a:ln>
+              <a:tailEnd type="triangle"/>
+            </a:ln>
+          </p:spPr>
+          <p:style>
+            <a:lnRef idx="1">
+              <a:schemeClr val="accent1"/>
+            </a:lnRef>
+            <a:fillRef idx="0">
+              <a:schemeClr val="accent1"/>
+            </a:fillRef>
+            <a:effectRef idx="0">
+              <a:schemeClr val="accent1"/>
+            </a:effectRef>
+            <a:fontRef idx="minor">
+              <a:schemeClr val="tx1"/>
+            </a:fontRef>
+          </p:style>
+        </p:cxnSp>
+        <p:sp>
+          <p:nvSpPr>
+            <p:cNvPr id="135" name="Rectangle 134">
+              <a:extLst>
+                <a:ext uri="{FF2B5EF4-FFF2-40B4-BE49-F238E27FC236}">
+                  <a16:creationId xmlns:a16="http://schemas.microsoft.com/office/drawing/2014/main" id="{46815479-5DA9-4E4F-9D37-0B6338CA7B64}"/>
+                </a:ext>
+              </a:extLst>
+            </p:cNvPr>
+            <p:cNvSpPr/>
+            <p:nvPr/>
+          </p:nvSpPr>
+          <p:spPr>
+            <a:xfrm>
+              <a:off x="6008788" y="2888525"/>
+              <a:ext cx="193059" cy="261611"/>
+            </a:xfrm>
+            <a:prstGeom prst="rect">
+              <a:avLst/>
+            </a:prstGeom>
+            <a:solidFill>
+              <a:schemeClr val="tx2"/>
+            </a:solidFill>
+            <a:ln w="22225">
+              <a:solidFill>
+                <a:schemeClr val="tx1">
+                  <a:alpha val="0"/>
+                </a:schemeClr>
+              </a:solidFill>
+            </a:ln>
+            <a:effectLst/>
+          </p:spPr>
+          <p:style>
+            <a:lnRef idx="1">
+              <a:schemeClr val="accent3"/>
+            </a:lnRef>
+            <a:fillRef idx="2">
+              <a:schemeClr val="accent3"/>
+            </a:fillRef>
+            <a:effectRef idx="1">
+              <a:schemeClr val="accent3"/>
+            </a:effectRef>
+            <a:fontRef idx="minor">
+              <a:schemeClr val="dk1"/>
+            </a:fontRef>
+          </p:style>
+          <p:txBody>
+            <a:bodyPr rtlCol="0" anchor="ctr"/>
+            <a:lstStyle/>
+            <a:p>
+              <a:pPr algn="ctr"/>
+              <a:endParaRPr lang="en-SG" sz="1400"/>
+            </a:p>
+          </p:txBody>
+        </p:sp>
+        <p:cxnSp>
+          <p:nvCxnSpPr>
+            <p:cNvPr id="136" name="Connector: Curved 135">
+              <a:extLst>
+                <a:ext uri="{FF2B5EF4-FFF2-40B4-BE49-F238E27FC236}">
+                  <a16:creationId xmlns:a16="http://schemas.microsoft.com/office/drawing/2014/main" id="{47B464CE-813E-41B6-8B6F-032CEE0D05E9}"/>
+                </a:ext>
+              </a:extLst>
+            </p:cNvPr>
+            <p:cNvCxnSpPr>
+              <a:cxnSpLocks/>
+            </p:cNvCxnSpPr>
+            <p:nvPr/>
+          </p:nvCxnSpPr>
+          <p:spPr>
+            <a:xfrm rot="16200000" flipH="1">
+              <a:off x="6064597" y="2788000"/>
+              <a:ext cx="199195" cy="76865"/>
+            </a:xfrm>
+            <a:prstGeom prst="curvedConnector4">
+              <a:avLst>
+                <a:gd name="adj1" fmla="val 17166"/>
+                <a:gd name="adj2" fmla="val 316556"/>
+              </a:avLst>
+            </a:prstGeom>
+            <a:ln>
+              <a:tailEnd type="triangle"/>
+            </a:ln>
+          </p:spPr>
+          <p:style>
+            <a:lnRef idx="1">
+              <a:schemeClr val="accent1"/>
+            </a:lnRef>
+            <a:fillRef idx="0">
+              <a:schemeClr val="accent1"/>
+            </a:fillRef>
+            <a:effectRef idx="0">
+              <a:schemeClr val="accent1"/>
+            </a:effectRef>
+            <a:fontRef idx="minor">
+              <a:schemeClr val="tx1"/>
+            </a:fontRef>
+          </p:style>
+        </p:cxnSp>
+        <p:sp>
+          <p:nvSpPr>
+            <p:cNvPr id="137" name="TextBox 136">
+              <a:extLst>
+                <a:ext uri="{FF2B5EF4-FFF2-40B4-BE49-F238E27FC236}">
+                  <a16:creationId xmlns:a16="http://schemas.microsoft.com/office/drawing/2014/main" id="{CF4059DC-9E58-4A62-B68E-35ADBFE5D7BB}"/>
+                </a:ext>
+              </a:extLst>
+            </p:cNvPr>
+            <p:cNvSpPr txBox="1"/>
+            <p:nvPr/>
+          </p:nvSpPr>
+          <p:spPr>
+            <a:xfrm>
+              <a:off x="5002117" y="2802989"/>
+              <a:ext cx="2932799" cy="169277"/>
+            </a:xfrm>
+            <a:prstGeom prst="rect">
+              <a:avLst/>
+            </a:prstGeom>
+            <a:noFill/>
+          </p:spPr>
+          <p:txBody>
+            <a:bodyPr wrap="square" lIns="0" tIns="0" rIns="0" bIns="0" rtlCol="0">
+              <a:spAutoFit/>
+            </a:bodyPr>
+            <a:lstStyle>
+              <a:defPPr>
+                <a:defRPr lang="en-US"/>
+              </a:defPPr>
+              <a:lvl1pPr algn="r">
+                <a:defRPr sz="1400">
+                  <a:solidFill>
+                    <a:srgbClr val="0070C0"/>
+                  </a:solidFill>
+                </a:defRPr>
+              </a:lvl1pPr>
+            </a:lstStyle>
+            <a:p>
+              <a:r>
+                <a:rPr lang="en-US" sz="1100" dirty="0" err="1"/>
+                <a:t>InitializeDownloadFolder</a:t>
+              </a:r>
+              <a:r>
+                <a:rPr lang="en-US" sz="1100" dirty="0"/>
+                <a:t>()</a:t>
+              </a:r>
+            </a:p>
+          </p:txBody>
+        </p:sp>
+      </p:grpSp>
+      <p:sp>
+        <p:nvSpPr>
+          <p:cNvPr id="138" name="TextBox 137">
+            <a:extLst>
+              <a:ext uri="{FF2B5EF4-FFF2-40B4-BE49-F238E27FC236}">
+                <a16:creationId xmlns:a16="http://schemas.microsoft.com/office/drawing/2014/main" id="{5651478E-8858-4EFC-8A8C-29EF172FC36A}"/>
+              </a:ext>
+            </a:extLst>
+          </p:cNvPr>
+          <p:cNvSpPr txBox="1"/>
+          <p:nvPr/>
+        </p:nvSpPr>
+        <p:spPr>
+          <a:xfrm>
+            <a:off x="3683915" y="3157202"/>
+            <a:ext cx="2932799" cy="169277"/>
+          </a:xfrm>
+          <a:prstGeom prst="rect">
+            <a:avLst/>
+          </a:prstGeom>
+          <a:noFill/>
+        </p:spPr>
+        <p:txBody>
+          <a:bodyPr wrap="square" lIns="0" tIns="0" rIns="0" bIns="0" rtlCol="0">
+            <a:spAutoFit/>
+          </a:bodyPr>
+          <a:lstStyle>
+            <a:defPPr>
+              <a:defRPr lang="en-US"/>
+            </a:defPPr>
+            <a:lvl1pPr algn="r">
+              <a:defRPr sz="1400">
+                <a:solidFill>
+                  <a:srgbClr val="0070C0"/>
+                </a:solidFill>
+              </a:defRPr>
+            </a:lvl1pPr>
+          </a:lstStyle>
+          <a:p>
+            <a:r>
+              <a:rPr lang="en-US" sz="1100" dirty="0"/>
+              <a:t>void</a:t>
+            </a:r>
+          </a:p>
+        </p:txBody>
+      </p:sp>
+      <p:sp>
+        <p:nvSpPr>
+          <p:cNvPr id="139" name="TextBox 138">
+            <a:extLst>
+              <a:ext uri="{FF2B5EF4-FFF2-40B4-BE49-F238E27FC236}">
+                <a16:creationId xmlns:a16="http://schemas.microsoft.com/office/drawing/2014/main" id="{377ECBDE-47AF-4A1C-BB5E-3A963E5EA5E3}"/>
+              </a:ext>
+            </a:extLst>
+          </p:cNvPr>
+          <p:cNvSpPr txBox="1"/>
+          <p:nvPr/>
+        </p:nvSpPr>
+        <p:spPr>
+          <a:xfrm>
+            <a:off x="3690547" y="3887143"/>
+            <a:ext cx="2932799" cy="169277"/>
+          </a:xfrm>
+          <a:prstGeom prst="rect">
+            <a:avLst/>
+          </a:prstGeom>
+          <a:noFill/>
+        </p:spPr>
+        <p:txBody>
+          <a:bodyPr wrap="square" lIns="0" tIns="0" rIns="0" bIns="0" rtlCol="0">
+            <a:spAutoFit/>
+          </a:bodyPr>
+          <a:lstStyle>
+            <a:defPPr>
+              <a:defRPr lang="en-US"/>
+            </a:defPPr>
+            <a:lvl1pPr algn="r">
+              <a:defRPr sz="1400">
+                <a:solidFill>
+                  <a:srgbClr val="0070C0"/>
+                </a:solidFill>
+              </a:defRPr>
+            </a:lvl1pPr>
+          </a:lstStyle>
+          <a:p>
+            <a:r>
+              <a:rPr lang="en-US" sz="1100" dirty="0"/>
+              <a:t>void</a:t>
+            </a:r>
+          </a:p>
+        </p:txBody>
+      </p:sp>
+      <p:sp>
+        <p:nvSpPr>
+          <p:cNvPr id="140" name="TextBox 139">
+            <a:extLst>
+              <a:ext uri="{FF2B5EF4-FFF2-40B4-BE49-F238E27FC236}">
+                <a16:creationId xmlns:a16="http://schemas.microsoft.com/office/drawing/2014/main" id="{8C39990A-3007-45B1-93E8-5812A52B3AC4}"/>
+              </a:ext>
+            </a:extLst>
+          </p:cNvPr>
+          <p:cNvSpPr txBox="1"/>
+          <p:nvPr/>
+        </p:nvSpPr>
+        <p:spPr>
+          <a:xfrm>
+            <a:off x="3690547" y="4614663"/>
+            <a:ext cx="2932799" cy="169277"/>
+          </a:xfrm>
+          <a:prstGeom prst="rect">
+            <a:avLst/>
+          </a:prstGeom>
+          <a:noFill/>
+        </p:spPr>
+        <p:txBody>
+          <a:bodyPr wrap="square" lIns="0" tIns="0" rIns="0" bIns="0" rtlCol="0">
+            <a:spAutoFit/>
+          </a:bodyPr>
+          <a:lstStyle>
+            <a:defPPr>
+              <a:defRPr lang="en-US"/>
+            </a:defPPr>
+            <a:lvl1pPr algn="r">
+              <a:defRPr sz="1400">
+                <a:solidFill>
+                  <a:srgbClr val="0070C0"/>
+                </a:solidFill>
+              </a:defRPr>
+            </a:lvl1pPr>
+          </a:lstStyle>
+          <a:p>
+            <a:r>
+              <a:rPr lang="en-US" sz="1100" dirty="0"/>
+              <a:t>void</a:t>
+            </a:r>
+          </a:p>
+        </p:txBody>
+      </p:sp>
+      <p:sp>
+        <p:nvSpPr>
+          <p:cNvPr id="141" name="TextBox 140">
+            <a:extLst>
+              <a:ext uri="{FF2B5EF4-FFF2-40B4-BE49-F238E27FC236}">
+                <a16:creationId xmlns:a16="http://schemas.microsoft.com/office/drawing/2014/main" id="{29DF4995-77D3-45FD-953A-4F2ABC2FFFBA}"/>
+              </a:ext>
+            </a:extLst>
+          </p:cNvPr>
+          <p:cNvSpPr txBox="1"/>
+          <p:nvPr/>
+        </p:nvSpPr>
+        <p:spPr>
+          <a:xfrm>
+            <a:off x="3669490" y="5441192"/>
+            <a:ext cx="2932799" cy="169277"/>
+          </a:xfrm>
+          <a:prstGeom prst="rect">
+            <a:avLst/>
+          </a:prstGeom>
+          <a:noFill/>
+        </p:spPr>
+        <p:txBody>
+          <a:bodyPr wrap="square" lIns="0" tIns="0" rIns="0" bIns="0" rtlCol="0">
+            <a:spAutoFit/>
+          </a:bodyPr>
+          <a:lstStyle>
+            <a:defPPr>
+              <a:defRPr lang="en-US"/>
+            </a:defPPr>
+            <a:lvl1pPr algn="r">
+              <a:defRPr sz="1400">
+                <a:solidFill>
+                  <a:srgbClr val="0070C0"/>
+                </a:solidFill>
+              </a:defRPr>
+            </a:lvl1pPr>
+          </a:lstStyle>
+          <a:p>
+            <a:r>
+              <a:rPr lang="en-US" sz="1100" dirty="0"/>
+              <a:t>void</a:t>
+            </a:r>
+          </a:p>
+        </p:txBody>
+      </p:sp>
+      <p:sp>
+        <p:nvSpPr>
+          <p:cNvPr id="166" name="TextBox 165">
+            <a:extLst>
+              <a:ext uri="{FF2B5EF4-FFF2-40B4-BE49-F238E27FC236}">
+                <a16:creationId xmlns:a16="http://schemas.microsoft.com/office/drawing/2014/main" id="{F18BA09E-A311-4E83-B630-837A54F83609}"/>
+              </a:ext>
+            </a:extLst>
+          </p:cNvPr>
+          <p:cNvSpPr txBox="1"/>
+          <p:nvPr/>
+        </p:nvSpPr>
+        <p:spPr>
+          <a:xfrm>
+            <a:off x="3428445" y="7210972"/>
+            <a:ext cx="762000" cy="215444"/>
+          </a:xfrm>
+          <a:prstGeom prst="rect">
+            <a:avLst/>
+          </a:prstGeom>
+          <a:noFill/>
+        </p:spPr>
+        <p:txBody>
+          <a:bodyPr wrap="square" lIns="0" tIns="0" rIns="0" bIns="0" rtlCol="0">
+            <a:spAutoFit/>
+          </a:bodyPr>
+          <a:lstStyle>
+            <a:defPPr>
+              <a:defRPr lang="en-US"/>
+            </a:defPPr>
+            <a:lvl1pPr algn="r">
+              <a:defRPr sz="1400">
+                <a:solidFill>
+                  <a:srgbClr val="0070C0"/>
+                </a:solidFill>
+              </a:defRPr>
+            </a:lvl1pPr>
+          </a:lstStyle>
+          <a:p>
+            <a:r>
+              <a:rPr lang="en-US" dirty="0"/>
+              <a:t>result</a:t>
+            </a:r>
+          </a:p>
+        </p:txBody>
+      </p:sp>
+      <p:grpSp>
+        <p:nvGrpSpPr>
+          <p:cNvPr id="142" name="Group 141">
+            <a:extLst>
+              <a:ext uri="{FF2B5EF4-FFF2-40B4-BE49-F238E27FC236}">
+                <a16:creationId xmlns:a16="http://schemas.microsoft.com/office/drawing/2014/main" id="{6C5A692E-5655-4C55-808C-364F2C394F53}"/>
+              </a:ext>
+            </a:extLst>
+          </p:cNvPr>
+          <p:cNvGrpSpPr/>
+          <p:nvPr/>
+        </p:nvGrpSpPr>
+        <p:grpSpPr>
+          <a:xfrm>
+            <a:off x="4983940" y="7607683"/>
+            <a:ext cx="2932799" cy="587440"/>
+            <a:chOff x="4988868" y="2726835"/>
+            <a:chExt cx="2932799" cy="587440"/>
+          </a:xfrm>
+        </p:grpSpPr>
+        <p:cxnSp>
+          <p:nvCxnSpPr>
+            <p:cNvPr id="143" name="Connector: Curved 142">
+              <a:extLst>
+                <a:ext uri="{FF2B5EF4-FFF2-40B4-BE49-F238E27FC236}">
+                  <a16:creationId xmlns:a16="http://schemas.microsoft.com/office/drawing/2014/main" id="{C96D8EF4-326C-44F4-98F4-5DBB3411D711}"/>
+                </a:ext>
+              </a:extLst>
+            </p:cNvPr>
+            <p:cNvCxnSpPr>
+              <a:cxnSpLocks/>
+            </p:cNvCxnSpPr>
+            <p:nvPr/>
+          </p:nvCxnSpPr>
+          <p:spPr>
+            <a:xfrm rot="16200000" flipH="1">
+              <a:off x="6001247" y="3176245"/>
+              <a:ext cx="199195" cy="76865"/>
+            </a:xfrm>
+            <a:prstGeom prst="curvedConnector4">
+              <a:avLst>
+                <a:gd name="adj1" fmla="val 17166"/>
+                <a:gd name="adj2" fmla="val 328105"/>
+              </a:avLst>
+            </a:prstGeom>
+            <a:ln>
+              <a:tailEnd type="triangle"/>
+            </a:ln>
+          </p:spPr>
+          <p:style>
+            <a:lnRef idx="1">
+              <a:schemeClr val="accent1"/>
+            </a:lnRef>
+            <a:fillRef idx="0">
+              <a:schemeClr val="accent1"/>
+            </a:fillRef>
+            <a:effectRef idx="0">
+              <a:schemeClr val="accent1"/>
+            </a:effectRef>
+            <a:fontRef idx="minor">
+              <a:schemeClr val="tx1"/>
+            </a:fontRef>
+          </p:style>
+        </p:cxnSp>
+        <p:sp>
+          <p:nvSpPr>
+            <p:cNvPr id="144" name="Rectangle 143">
+              <a:extLst>
+                <a:ext uri="{FF2B5EF4-FFF2-40B4-BE49-F238E27FC236}">
+                  <a16:creationId xmlns:a16="http://schemas.microsoft.com/office/drawing/2014/main" id="{01959766-FEEC-4C45-B580-51724DC97203}"/>
+                </a:ext>
+              </a:extLst>
+            </p:cNvPr>
+            <p:cNvSpPr/>
+            <p:nvPr/>
+          </p:nvSpPr>
+          <p:spPr>
+            <a:xfrm>
+              <a:off x="6008788" y="2888525"/>
+              <a:ext cx="193059" cy="261611"/>
+            </a:xfrm>
+            <a:prstGeom prst="rect">
+              <a:avLst/>
+            </a:prstGeom>
+            <a:solidFill>
+              <a:schemeClr val="tx2"/>
+            </a:solidFill>
+            <a:ln w="22225">
+              <a:solidFill>
+                <a:schemeClr val="tx1">
+                  <a:alpha val="0"/>
+                </a:schemeClr>
+              </a:solidFill>
+            </a:ln>
+            <a:effectLst/>
+          </p:spPr>
+          <p:style>
+            <a:lnRef idx="1">
+              <a:schemeClr val="accent3"/>
+            </a:lnRef>
+            <a:fillRef idx="2">
+              <a:schemeClr val="accent3"/>
+            </a:fillRef>
+            <a:effectRef idx="1">
+              <a:schemeClr val="accent3"/>
+            </a:effectRef>
+            <a:fontRef idx="minor">
+              <a:schemeClr val="dk1"/>
+            </a:fontRef>
+          </p:style>
+          <p:txBody>
+            <a:bodyPr rtlCol="0" anchor="ctr"/>
+            <a:lstStyle/>
+            <a:p>
+              <a:pPr algn="ctr"/>
+              <a:endParaRPr lang="en-SG" sz="1400" dirty="0"/>
+            </a:p>
+          </p:txBody>
+        </p:sp>
+        <p:cxnSp>
+          <p:nvCxnSpPr>
+            <p:cNvPr id="145" name="Connector: Curved 144">
+              <a:extLst>
+                <a:ext uri="{FF2B5EF4-FFF2-40B4-BE49-F238E27FC236}">
+                  <a16:creationId xmlns:a16="http://schemas.microsoft.com/office/drawing/2014/main" id="{427E7DD5-7FEB-4573-B2CA-77878408D7A8}"/>
+                </a:ext>
+              </a:extLst>
+            </p:cNvPr>
+            <p:cNvCxnSpPr>
+              <a:cxnSpLocks/>
+            </p:cNvCxnSpPr>
+            <p:nvPr/>
+          </p:nvCxnSpPr>
+          <p:spPr>
+            <a:xfrm rot="16200000" flipH="1">
+              <a:off x="6064597" y="2788000"/>
+              <a:ext cx="199195" cy="76865"/>
+            </a:xfrm>
+            <a:prstGeom prst="curvedConnector4">
+              <a:avLst>
+                <a:gd name="adj1" fmla="val 17166"/>
+                <a:gd name="adj2" fmla="val 316556"/>
+              </a:avLst>
+            </a:prstGeom>
+            <a:ln>
+              <a:tailEnd type="triangle"/>
+            </a:ln>
+          </p:spPr>
+          <p:style>
+            <a:lnRef idx="1">
+              <a:schemeClr val="accent1"/>
+            </a:lnRef>
+            <a:fillRef idx="0">
+              <a:schemeClr val="accent1"/>
+            </a:fillRef>
+            <a:effectRef idx="0">
+              <a:schemeClr val="accent1"/>
+            </a:effectRef>
+            <a:fontRef idx="minor">
+              <a:schemeClr val="tx1"/>
+            </a:fontRef>
+          </p:style>
+        </p:cxnSp>
+        <p:sp>
+          <p:nvSpPr>
+            <p:cNvPr id="146" name="TextBox 145">
+              <a:extLst>
+                <a:ext uri="{FF2B5EF4-FFF2-40B4-BE49-F238E27FC236}">
+                  <a16:creationId xmlns:a16="http://schemas.microsoft.com/office/drawing/2014/main" id="{8EAF68BA-BAC9-4963-A01F-55718A1140DE}"/>
+                </a:ext>
+              </a:extLst>
+            </p:cNvPr>
+            <p:cNvSpPr txBox="1"/>
+            <p:nvPr/>
+          </p:nvSpPr>
+          <p:spPr>
+            <a:xfrm>
+              <a:off x="4988868" y="2760653"/>
+              <a:ext cx="2932799" cy="169277"/>
+            </a:xfrm>
+            <a:prstGeom prst="rect">
+              <a:avLst/>
+            </a:prstGeom>
+            <a:noFill/>
+          </p:spPr>
+          <p:txBody>
+            <a:bodyPr wrap="square" lIns="0" tIns="0" rIns="0" bIns="0" rtlCol="0">
+              <a:spAutoFit/>
+            </a:bodyPr>
+            <a:lstStyle>
+              <a:defPPr>
+                <a:defRPr lang="en-US"/>
+              </a:defPPr>
+              <a:lvl1pPr algn="r">
+                <a:defRPr sz="1400">
+                  <a:solidFill>
+                    <a:srgbClr val="0070C0"/>
+                  </a:solidFill>
+                </a:defRPr>
+              </a:lvl1pPr>
+            </a:lstStyle>
+            <a:p>
+              <a:r>
+                <a:rPr lang="en-US" sz="1100" dirty="0" err="1"/>
+                <a:t>downloadFiles</a:t>
+              </a:r>
+              <a:r>
+                <a:rPr lang="en-US" sz="1100" dirty="0"/>
+                <a:t>(WebDriver)</a:t>
+              </a:r>
+            </a:p>
+          </p:txBody>
+        </p:sp>
+      </p:grpSp>
+      <p:sp>
+        <p:nvSpPr>
+          <p:cNvPr id="148" name="Rectangle 62">
+            <a:extLst>
+              <a:ext uri="{FF2B5EF4-FFF2-40B4-BE49-F238E27FC236}">
+                <a16:creationId xmlns:a16="http://schemas.microsoft.com/office/drawing/2014/main" id="{116B16A5-D260-428C-93E5-97F8974916E4}"/>
+              </a:ext>
+            </a:extLst>
+          </p:cNvPr>
+          <p:cNvSpPr/>
+          <p:nvPr/>
+        </p:nvSpPr>
+        <p:spPr>
+          <a:xfrm>
+            <a:off x="6842889" y="5292340"/>
+            <a:ext cx="1639010" cy="767790"/>
+          </a:xfrm>
+          <a:prstGeom prst="rect">
+            <a:avLst/>
+          </a:prstGeom>
+          <a:solidFill>
+            <a:srgbClr val="0070C0"/>
+          </a:solidFill>
+          <a:ln w="19050">
+            <a:solidFill>
+              <a:srgbClr val="0070C0"/>
+            </a:solidFill>
+          </a:ln>
+          <a:effectLst/>
+        </p:spPr>
+        <p:style>
+          <a:lnRef idx="1">
+            <a:schemeClr val="accent2"/>
+          </a:lnRef>
+          <a:fillRef idx="2">
+            <a:schemeClr val="accent2"/>
+          </a:fillRef>
+          <a:effectRef idx="1">
+            <a:schemeClr val="accent2"/>
+          </a:effectRef>
+          <a:fontRef idx="minor">
+            <a:schemeClr val="dk1"/>
+          </a:fontRef>
+        </p:style>
+        <p:txBody>
+          <a:bodyPr rtlCol="0" anchor="ctr"/>
+          <a:lstStyle/>
+          <a:p>
+            <a:pPr algn="ctr"/>
+            <a:r>
+              <a:rPr lang="en-US" sz="1600" dirty="0">
+                <a:solidFill>
+                  <a:schemeClr val="bg1"/>
+                </a:solidFill>
+              </a:rPr>
+              <a:t>Result: </a:t>
+            </a:r>
+            <a:r>
+              <a:rPr lang="en-US" sz="1600" dirty="0" err="1">
+                <a:solidFill>
+                  <a:schemeClr val="bg1"/>
+                </a:solidFill>
+              </a:rPr>
+              <a:t>CommandResult</a:t>
+            </a:r>
+            <a:endParaRPr lang="en-SG" sz="1600" dirty="0">
+              <a:solidFill>
+                <a:schemeClr val="bg1"/>
+              </a:solidFill>
+            </a:endParaRPr>
+          </a:p>
+        </p:txBody>
+      </p:sp>
+      <p:cxnSp>
+        <p:nvCxnSpPr>
+          <p:cNvPr id="149" name="Straight Arrow Connector 148">
+            <a:extLst>
+              <a:ext uri="{FF2B5EF4-FFF2-40B4-BE49-F238E27FC236}">
+                <a16:creationId xmlns:a16="http://schemas.microsoft.com/office/drawing/2014/main" id="{FBDFC3EE-F9E5-4001-BE79-C26BEEBFBC13}"/>
+              </a:ext>
+            </a:extLst>
+          </p:cNvPr>
+          <p:cNvCxnSpPr>
+            <a:cxnSpLocks/>
+          </p:cNvCxnSpPr>
+          <p:nvPr/>
+        </p:nvCxnSpPr>
+        <p:spPr>
+          <a:xfrm>
+            <a:off x="5958024" y="8744271"/>
+            <a:ext cx="1536948" cy="851"/>
+          </a:xfrm>
+          <a:prstGeom prst="straightConnector1">
+            <a:avLst/>
+          </a:prstGeom>
+          <a:ln w="19050">
+            <a:solidFill>
+              <a:srgbClr val="0070C0"/>
+            </a:solidFill>
+            <a:tailEnd type="arrow"/>
+          </a:ln>
+        </p:spPr>
+        <p:style>
+          <a:lnRef idx="1">
+            <a:schemeClr val="accent1"/>
+          </a:lnRef>
+          <a:fillRef idx="0">
+            <a:schemeClr val="accent1"/>
+          </a:fillRef>
+          <a:effectRef idx="0">
+            <a:schemeClr val="accent1"/>
+          </a:effectRef>
+          <a:fontRef idx="minor">
+            <a:schemeClr val="tx1"/>
+          </a:fontRef>
+        </p:style>
+      </p:cxnSp>
+      <p:cxnSp>
+        <p:nvCxnSpPr>
+          <p:cNvPr id="150" name="Straight Arrow Connector 149">
+            <a:extLst>
+              <a:ext uri="{FF2B5EF4-FFF2-40B4-BE49-F238E27FC236}">
+                <a16:creationId xmlns:a16="http://schemas.microsoft.com/office/drawing/2014/main" id="{D55620B7-7432-4046-BD82-3E947D11D940}"/>
+              </a:ext>
+            </a:extLst>
+          </p:cNvPr>
+          <p:cNvCxnSpPr>
+            <a:cxnSpLocks/>
+          </p:cNvCxnSpPr>
+          <p:nvPr/>
+        </p:nvCxnSpPr>
+        <p:spPr>
+          <a:xfrm>
+            <a:off x="6139277" y="8313812"/>
+            <a:ext cx="2776123" cy="0"/>
+          </a:xfrm>
+          <a:prstGeom prst="straightConnector1">
+            <a:avLst/>
+          </a:prstGeom>
+          <a:ln w="19050">
+            <a:solidFill>
+              <a:srgbClr val="7030A0"/>
+            </a:solidFill>
+            <a:tailEnd type="arrow"/>
+          </a:ln>
+        </p:spPr>
+        <p:style>
+          <a:lnRef idx="1">
+            <a:schemeClr val="accent1"/>
+          </a:lnRef>
+          <a:fillRef idx="0">
+            <a:schemeClr val="accent1"/>
+          </a:fillRef>
+          <a:effectRef idx="0">
+            <a:schemeClr val="accent1"/>
+          </a:effectRef>
+          <a:fontRef idx="minor">
+            <a:schemeClr val="tx1"/>
+          </a:fontRef>
+        </p:style>
+      </p:cxnSp>
+      <p:cxnSp>
+        <p:nvCxnSpPr>
+          <p:cNvPr id="153" name="Straight Connector 152">
+            <a:extLst>
+              <a:ext uri="{FF2B5EF4-FFF2-40B4-BE49-F238E27FC236}">
+                <a16:creationId xmlns:a16="http://schemas.microsoft.com/office/drawing/2014/main" id="{C1FC580E-66C6-4576-875D-94A515249282}"/>
+              </a:ext>
+            </a:extLst>
+          </p:cNvPr>
+          <p:cNvCxnSpPr>
+            <a:cxnSpLocks/>
+          </p:cNvCxnSpPr>
+          <p:nvPr/>
+        </p:nvCxnSpPr>
+        <p:spPr>
+          <a:xfrm flipH="1">
+            <a:off x="8996973" y="7144740"/>
+            <a:ext cx="3959" cy="1735710"/>
+          </a:xfrm>
+          <a:prstGeom prst="line">
+            <a:avLst/>
+          </a:prstGeom>
+          <a:ln w="19050">
+            <a:solidFill>
+              <a:srgbClr val="7030A0"/>
+            </a:solidFill>
+            <a:prstDash val="sysDash"/>
+          </a:ln>
+          <a:effectLst/>
+        </p:spPr>
+        <p:style>
+          <a:lnRef idx="1">
+            <a:schemeClr val="accent1"/>
+          </a:lnRef>
+          <a:fillRef idx="2">
+            <a:schemeClr val="accent1"/>
+          </a:fillRef>
+          <a:effectRef idx="1">
+            <a:schemeClr val="accent1"/>
+          </a:effectRef>
+          <a:fontRef idx="minor">
+            <a:schemeClr val="dk1"/>
+          </a:fontRef>
+        </p:style>
+      </p:cxnSp>
+      <p:sp>
+        <p:nvSpPr>
+          <p:cNvPr id="154" name="Rectangle 153">
+            <a:extLst>
+              <a:ext uri="{FF2B5EF4-FFF2-40B4-BE49-F238E27FC236}">
+                <a16:creationId xmlns:a16="http://schemas.microsoft.com/office/drawing/2014/main" id="{6D70FC34-2EAB-479B-B779-60FA66E855C5}"/>
+              </a:ext>
+            </a:extLst>
+          </p:cNvPr>
+          <p:cNvSpPr/>
+          <p:nvPr/>
+        </p:nvSpPr>
+        <p:spPr>
+          <a:xfrm>
+            <a:off x="8881890" y="8313812"/>
+            <a:ext cx="220683" cy="211075"/>
+          </a:xfrm>
+          <a:prstGeom prst="rect">
+            <a:avLst/>
+          </a:prstGeom>
+          <a:solidFill>
+            <a:srgbClr val="7030A0"/>
+          </a:solidFill>
+          <a:ln>
+            <a:solidFill>
+              <a:srgbClr val="7030A0"/>
+            </a:solidFill>
+          </a:ln>
+          <a:effectLst/>
+        </p:spPr>
+        <p:style>
+          <a:lnRef idx="1">
+            <a:schemeClr val="accent3"/>
+          </a:lnRef>
+          <a:fillRef idx="2">
+            <a:schemeClr val="accent3"/>
+          </a:fillRef>
+          <a:effectRef idx="1">
+            <a:schemeClr val="accent3"/>
+          </a:effectRef>
+          <a:fontRef idx="minor">
+            <a:schemeClr val="dk1"/>
+          </a:fontRef>
+        </p:style>
+        <p:txBody>
+          <a:bodyPr rtlCol="0" anchor="ctr"/>
+          <a:lstStyle/>
+          <a:p>
+            <a:pPr algn="ctr"/>
+            <a:endParaRPr lang="en-SG" sz="1400"/>
+          </a:p>
+        </p:txBody>
+      </p:sp>
+      <p:sp>
+        <p:nvSpPr>
+          <p:cNvPr id="156" name="TextBox 155">
+            <a:extLst>
+              <a:ext uri="{FF2B5EF4-FFF2-40B4-BE49-F238E27FC236}">
+                <a16:creationId xmlns:a16="http://schemas.microsoft.com/office/drawing/2014/main" id="{C4845772-418A-43E9-ACAB-0758062C12F6}"/>
+              </a:ext>
+            </a:extLst>
+          </p:cNvPr>
+          <p:cNvSpPr txBox="1"/>
+          <p:nvPr/>
+        </p:nvSpPr>
+        <p:spPr>
+          <a:xfrm>
+            <a:off x="8002288" y="8075851"/>
+            <a:ext cx="823588" cy="184666"/>
+          </a:xfrm>
+          <a:prstGeom prst="rect">
+            <a:avLst/>
+          </a:prstGeom>
+          <a:noFill/>
+          <a:ln>
+            <a:noFill/>
+          </a:ln>
+        </p:spPr>
+        <p:txBody>
+          <a:bodyPr wrap="square" lIns="0" tIns="0" rIns="0" bIns="0" rtlCol="0">
+            <a:spAutoFit/>
+          </a:bodyPr>
+          <a:lstStyle>
+            <a:defPPr>
+              <a:defRPr lang="en-US"/>
+            </a:defPPr>
+            <a:lvl1pPr algn="r">
+              <a:defRPr sz="1400">
+                <a:solidFill>
+                  <a:srgbClr val="0070C0"/>
+                </a:solidFill>
+              </a:defRPr>
+            </a:lvl1pPr>
+          </a:lstStyle>
+          <a:p>
+            <a:r>
+              <a:rPr lang="en-US" sz="1200" dirty="0" err="1">
+                <a:solidFill>
+                  <a:srgbClr val="7030A0"/>
+                </a:solidFill>
+              </a:rPr>
+              <a:t>addNotes</a:t>
+            </a:r>
+            <a:r>
+              <a:rPr lang="en-US" sz="1200" dirty="0">
+                <a:solidFill>
+                  <a:srgbClr val="7030A0"/>
+                </a:solidFill>
+              </a:rPr>
+              <a:t>()</a:t>
+            </a:r>
+            <a:endParaRPr lang="en-US" sz="1200" dirty="0">
+              <a:solidFill>
+                <a:schemeClr val="accent4">
+                  <a:lumMod val="75000"/>
+                </a:schemeClr>
+              </a:solidFill>
+            </a:endParaRPr>
+          </a:p>
+        </p:txBody>
+      </p:sp>
+      <p:cxnSp>
+        <p:nvCxnSpPr>
+          <p:cNvPr id="157" name="Straight Arrow Connector 156">
+            <a:extLst>
+              <a:ext uri="{FF2B5EF4-FFF2-40B4-BE49-F238E27FC236}">
+                <a16:creationId xmlns:a16="http://schemas.microsoft.com/office/drawing/2014/main" id="{1C6F1DBB-D799-4534-A6D1-16A4CA96EB9D}"/>
+              </a:ext>
+            </a:extLst>
+          </p:cNvPr>
+          <p:cNvCxnSpPr>
+            <a:cxnSpLocks/>
+          </p:cNvCxnSpPr>
+          <p:nvPr/>
+        </p:nvCxnSpPr>
+        <p:spPr>
+          <a:xfrm flipV="1">
+            <a:off x="6148301" y="8514725"/>
+            <a:ext cx="2734276" cy="17058"/>
+          </a:xfrm>
+          <a:prstGeom prst="straightConnector1">
+            <a:avLst/>
+          </a:prstGeom>
+          <a:ln w="19050">
+            <a:solidFill>
+              <a:srgbClr val="7030A0"/>
+            </a:solidFill>
+            <a:prstDash val="sysDash"/>
+            <a:headEnd type="arrow" w="med" len="med"/>
+            <a:tailEnd type="none" w="med" len="med"/>
+          </a:ln>
+        </p:spPr>
+        <p:style>
+          <a:lnRef idx="1">
+            <a:schemeClr val="accent1"/>
+          </a:lnRef>
+          <a:fillRef idx="0">
+            <a:schemeClr val="accent1"/>
+          </a:fillRef>
+          <a:effectRef idx="0">
+            <a:schemeClr val="accent1"/>
+          </a:effectRef>
+          <a:fontRef idx="minor">
+            <a:schemeClr val="tx1"/>
+          </a:fontRef>
+        </p:style>
+      </p:cxnSp>
+      <p:sp>
+        <p:nvSpPr>
+          <p:cNvPr id="161" name="Rectangle 160">
+            <a:extLst>
+              <a:ext uri="{FF2B5EF4-FFF2-40B4-BE49-F238E27FC236}">
+                <a16:creationId xmlns:a16="http://schemas.microsoft.com/office/drawing/2014/main" id="{0EBABDF8-A952-44DA-BD46-6BB77742139F}"/>
+              </a:ext>
+            </a:extLst>
+          </p:cNvPr>
+          <p:cNvSpPr/>
+          <p:nvPr/>
+        </p:nvSpPr>
+        <p:spPr>
+          <a:xfrm>
+            <a:off x="7467445" y="8715180"/>
+            <a:ext cx="152400" cy="276003"/>
+          </a:xfrm>
+          <a:prstGeom prst="rect">
+            <a:avLst/>
+          </a:prstGeom>
+          <a:solidFill>
+            <a:srgbClr val="0070C0"/>
+          </a:solidFill>
+          <a:ln>
+            <a:solidFill>
+              <a:srgbClr val="0070C0"/>
+            </a:solidFill>
+          </a:ln>
+          <a:effectLst/>
+        </p:spPr>
+        <p:style>
+          <a:lnRef idx="1">
+            <a:schemeClr val="accent3"/>
+          </a:lnRef>
+          <a:fillRef idx="2">
+            <a:schemeClr val="accent3"/>
+          </a:fillRef>
+          <a:effectRef idx="1">
+            <a:schemeClr val="accent3"/>
+          </a:effectRef>
+          <a:fontRef idx="minor">
+            <a:schemeClr val="dk1"/>
+          </a:fontRef>
+        </p:style>
+        <p:txBody>
+          <a:bodyPr rtlCol="0" anchor="ctr"/>
+          <a:lstStyle/>
+          <a:p>
+            <a:pPr algn="ctr"/>
+            <a:endParaRPr lang="en-SG" sz="1400"/>
+          </a:p>
+        </p:txBody>
+      </p:sp>
+      <p:cxnSp>
+        <p:nvCxnSpPr>
+          <p:cNvPr id="162" name="Straight Arrow Connector 161">
+            <a:extLst>
+              <a:ext uri="{FF2B5EF4-FFF2-40B4-BE49-F238E27FC236}">
+                <a16:creationId xmlns:a16="http://schemas.microsoft.com/office/drawing/2014/main" id="{D8C9EA88-5199-4ED5-9A91-06CAAFDF68CA}"/>
+              </a:ext>
+            </a:extLst>
+          </p:cNvPr>
+          <p:cNvCxnSpPr>
+            <a:cxnSpLocks/>
+            <a:endCxn id="161" idx="2"/>
+          </p:cNvCxnSpPr>
+          <p:nvPr/>
+        </p:nvCxnSpPr>
+        <p:spPr>
+          <a:xfrm>
+            <a:off x="6176822" y="8990801"/>
+            <a:ext cx="1366823" cy="382"/>
+          </a:xfrm>
+          <a:prstGeom prst="straightConnector1">
+            <a:avLst/>
+          </a:prstGeom>
+          <a:ln w="19050">
+            <a:solidFill>
+              <a:srgbClr val="0070C0"/>
+            </a:solidFill>
+            <a:prstDash val="sysDash"/>
+            <a:headEnd type="arrow" w="med" len="med"/>
+            <a:tailEnd type="none" w="med" len="med"/>
+          </a:ln>
+        </p:spPr>
+        <p:style>
+          <a:lnRef idx="1">
+            <a:schemeClr val="accent1"/>
+          </a:lnRef>
+          <a:fillRef idx="0">
+            <a:schemeClr val="accent1"/>
+          </a:fillRef>
+          <a:effectRef idx="0">
+            <a:schemeClr val="accent1"/>
+          </a:effectRef>
+          <a:fontRef idx="minor">
+            <a:schemeClr val="tx1"/>
+          </a:fontRef>
+        </p:style>
+      </p:cxnSp>
+      <p:sp>
+        <p:nvSpPr>
+          <p:cNvPr id="231" name="TextBox 230">
+            <a:extLst>
+              <a:ext uri="{FF2B5EF4-FFF2-40B4-BE49-F238E27FC236}">
+                <a16:creationId xmlns:a16="http://schemas.microsoft.com/office/drawing/2014/main" id="{E9461DE8-8D55-442E-9312-7368183E32C1}"/>
+              </a:ext>
+            </a:extLst>
+          </p:cNvPr>
+          <p:cNvSpPr txBox="1"/>
+          <p:nvPr/>
+        </p:nvSpPr>
+        <p:spPr>
+          <a:xfrm>
+            <a:off x="3709896" y="8035710"/>
+            <a:ext cx="2932799" cy="169277"/>
+          </a:xfrm>
+          <a:prstGeom prst="rect">
+            <a:avLst/>
+          </a:prstGeom>
+          <a:noFill/>
+        </p:spPr>
+        <p:txBody>
+          <a:bodyPr wrap="square" lIns="0" tIns="0" rIns="0" bIns="0" rtlCol="0">
+            <a:spAutoFit/>
+          </a:bodyPr>
+          <a:lstStyle>
+            <a:defPPr>
+              <a:defRPr lang="en-US"/>
+            </a:defPPr>
+            <a:lvl1pPr algn="r">
+              <a:defRPr sz="1400">
+                <a:solidFill>
+                  <a:srgbClr val="0070C0"/>
+                </a:solidFill>
+              </a:defRPr>
+            </a:lvl1pPr>
+          </a:lstStyle>
+          <a:p>
+            <a:r>
+              <a:rPr lang="en-US" sz="1100" dirty="0"/>
+              <a:t>void</a:t>
+            </a:r>
+          </a:p>
+        </p:txBody>
+      </p:sp>
+      <p:cxnSp>
+        <p:nvCxnSpPr>
+          <p:cNvPr id="262" name="Straight Connector 261">
+            <a:extLst>
+              <a:ext uri="{FF2B5EF4-FFF2-40B4-BE49-F238E27FC236}">
+                <a16:creationId xmlns:a16="http://schemas.microsoft.com/office/drawing/2014/main" id="{ADC55ACC-DACC-4084-B3FE-7F54A45CEAA7}"/>
+              </a:ext>
+            </a:extLst>
+          </p:cNvPr>
+          <p:cNvCxnSpPr>
+            <a:cxnSpLocks/>
+          </p:cNvCxnSpPr>
+          <p:nvPr/>
+        </p:nvCxnSpPr>
+        <p:spPr>
+          <a:xfrm>
+            <a:off x="7530941" y="6044085"/>
+            <a:ext cx="1039" cy="3507234"/>
+          </a:xfrm>
+          <a:prstGeom prst="line">
+            <a:avLst/>
+          </a:prstGeom>
+          <a:ln w="19050">
+            <a:solidFill>
+              <a:srgbClr val="0070C0"/>
+            </a:solidFill>
+            <a:prstDash val="sysDash"/>
+          </a:ln>
+          <a:effectLst/>
+        </p:spPr>
+        <p:style>
+          <a:lnRef idx="1">
+            <a:schemeClr val="accent1"/>
+          </a:lnRef>
+          <a:fillRef idx="2">
+            <a:schemeClr val="accent1"/>
+          </a:fillRef>
+          <a:effectRef idx="1">
+            <a:schemeClr val="accent1"/>
+          </a:effectRef>
+          <a:fontRef idx="minor">
+            <a:schemeClr val="dk1"/>
+          </a:fontRef>
+        </p:style>
+      </p:cxnSp>
+      <p:cxnSp>
+        <p:nvCxnSpPr>
+          <p:cNvPr id="270" name="Straight Connector 269">
+            <a:extLst>
+              <a:ext uri="{FF2B5EF4-FFF2-40B4-BE49-F238E27FC236}">
+                <a16:creationId xmlns:a16="http://schemas.microsoft.com/office/drawing/2014/main" id="{88537F91-EB2A-4B3F-8C1B-067DCA637002}"/>
+              </a:ext>
+            </a:extLst>
+          </p:cNvPr>
+          <p:cNvCxnSpPr/>
+          <p:nvPr/>
+        </p:nvCxnSpPr>
+        <p:spPr>
+          <a:xfrm>
+            <a:off x="4525299" y="7539873"/>
+            <a:ext cx="5263405" cy="0"/>
+          </a:xfrm>
+          <a:prstGeom prst="line">
+            <a:avLst/>
+          </a:prstGeom>
+          <a:ln w="15875">
+            <a:prstDash val="sysDash"/>
+          </a:ln>
+        </p:spPr>
+        <p:style>
+          <a:lnRef idx="1">
+            <a:schemeClr val="accent1"/>
+          </a:lnRef>
+          <a:fillRef idx="0">
+            <a:schemeClr val="accent1"/>
+          </a:fillRef>
+          <a:effectRef idx="0">
+            <a:schemeClr val="accent1"/>
+          </a:effectRef>
+          <a:fontRef idx="minor">
+            <a:schemeClr val="tx1"/>
+          </a:fontRef>
+        </p:style>
+      </p:cxnSp>
+      <p:sp>
+        <p:nvSpPr>
+          <p:cNvPr id="152" name="Rectangle 62">
+            <a:extLst>
+              <a:ext uri="{FF2B5EF4-FFF2-40B4-BE49-F238E27FC236}">
+                <a16:creationId xmlns:a16="http://schemas.microsoft.com/office/drawing/2014/main" id="{F2B5A770-A4E3-48D1-97BF-1C3D6F0BF8C2}"/>
+              </a:ext>
+            </a:extLst>
+          </p:cNvPr>
+          <p:cNvSpPr/>
+          <p:nvPr/>
+        </p:nvSpPr>
+        <p:spPr>
+          <a:xfrm>
+            <a:off x="8560247" y="6853634"/>
+            <a:ext cx="841636" cy="300180"/>
+          </a:xfrm>
+          <a:prstGeom prst="rect">
+            <a:avLst/>
+          </a:prstGeom>
+          <a:solidFill>
+            <a:srgbClr val="7030A0"/>
+          </a:solidFill>
+          <a:ln w="19050">
+            <a:solidFill>
+              <a:srgbClr val="7030A0"/>
+            </a:solidFill>
+          </a:ln>
+          <a:effectLst/>
+        </p:spPr>
+        <p:style>
+          <a:lnRef idx="1">
+            <a:schemeClr val="accent2"/>
+          </a:lnRef>
+          <a:fillRef idx="2">
+            <a:schemeClr val="accent2"/>
+          </a:fillRef>
+          <a:effectRef idx="1">
+            <a:schemeClr val="accent2"/>
+          </a:effectRef>
+          <a:fontRef idx="minor">
+            <a:schemeClr val="dk1"/>
+          </a:fontRef>
+        </p:style>
+        <p:txBody>
+          <a:bodyPr rtlCol="0" anchor="ctr"/>
+          <a:lstStyle/>
+          <a:p>
+            <a:pPr algn="ctr"/>
+            <a:r>
+              <a:rPr lang="en-US" sz="1600" dirty="0">
+                <a:solidFill>
+                  <a:schemeClr val="bg1"/>
+                </a:solidFill>
+              </a:rPr>
+              <a:t>: Model</a:t>
+            </a:r>
+            <a:endParaRPr lang="en-SG" sz="1600" dirty="0">
+              <a:solidFill>
+                <a:schemeClr val="bg1"/>
+              </a:solidFill>
+            </a:endParaRPr>
+          </a:p>
+        </p:txBody>
+      </p:sp>
+      <p:grpSp>
+        <p:nvGrpSpPr>
+          <p:cNvPr id="287" name="Group 286">
+            <a:extLst>
+              <a:ext uri="{FF2B5EF4-FFF2-40B4-BE49-F238E27FC236}">
+                <a16:creationId xmlns:a16="http://schemas.microsoft.com/office/drawing/2014/main" id="{DB12AAD2-E717-431C-8D23-79ADB2E91D74}"/>
+              </a:ext>
+            </a:extLst>
+          </p:cNvPr>
+          <p:cNvGrpSpPr/>
+          <p:nvPr/>
+        </p:nvGrpSpPr>
+        <p:grpSpPr>
+          <a:xfrm>
+            <a:off x="1968113" y="6173013"/>
+            <a:ext cx="7763084" cy="3557248"/>
+            <a:chOff x="1968113" y="6173013"/>
+            <a:chExt cx="7763084" cy="3557248"/>
+          </a:xfrm>
+        </p:grpSpPr>
+        <p:sp>
+          <p:nvSpPr>
+            <p:cNvPr id="268" name="Rectangle 62">
+              <a:extLst>
+                <a:ext uri="{FF2B5EF4-FFF2-40B4-BE49-F238E27FC236}">
+                  <a16:creationId xmlns:a16="http://schemas.microsoft.com/office/drawing/2014/main" id="{FB6E2D2A-F100-4B42-B76C-392E265B0CAC}"/>
+                </a:ext>
+              </a:extLst>
+            </p:cNvPr>
+            <p:cNvSpPr/>
+            <p:nvPr/>
+          </p:nvSpPr>
+          <p:spPr>
+            <a:xfrm>
+              <a:off x="4497408" y="6173013"/>
+              <a:ext cx="5233789" cy="3557248"/>
+            </a:xfrm>
+            <a:prstGeom prst="rect">
+              <a:avLst/>
+            </a:prstGeom>
+            <a:noFill/>
+            <a:ln w="19050">
+              <a:solidFill>
+                <a:srgbClr val="0070C0"/>
+              </a:solidFill>
+            </a:ln>
+            <a:effectLst/>
+          </p:spPr>
+          <p:style>
+            <a:lnRef idx="1">
+              <a:schemeClr val="accent2"/>
+            </a:lnRef>
+            <a:fillRef idx="2">
+              <a:schemeClr val="accent2"/>
+            </a:fillRef>
+            <a:effectRef idx="1">
+              <a:schemeClr val="accent2"/>
+            </a:effectRef>
+            <a:fontRef idx="minor">
+              <a:schemeClr val="dk1"/>
+            </a:fontRef>
+          </p:style>
+          <p:txBody>
+            <a:bodyPr rtlCol="0" anchor="ctr"/>
+            <a:lstStyle/>
+            <a:p>
+              <a:pPr algn="ctr"/>
+              <a:endParaRPr lang="en-SG" sz="1600" dirty="0">
+                <a:solidFill>
+                  <a:schemeClr val="bg1"/>
+                </a:solidFill>
+              </a:endParaRPr>
+            </a:p>
+          </p:txBody>
+        </p:sp>
+        <p:cxnSp>
+          <p:nvCxnSpPr>
+            <p:cNvPr id="272" name="Straight Connector 271">
+              <a:extLst>
+                <a:ext uri="{FF2B5EF4-FFF2-40B4-BE49-F238E27FC236}">
+                  <a16:creationId xmlns:a16="http://schemas.microsoft.com/office/drawing/2014/main" id="{60343F75-43E6-4B5D-BC6A-840F4731AD1E}"/>
+                </a:ext>
+              </a:extLst>
+            </p:cNvPr>
+            <p:cNvCxnSpPr/>
+            <p:nvPr/>
+          </p:nvCxnSpPr>
+          <p:spPr>
+            <a:xfrm>
+              <a:off x="4497408" y="6553200"/>
+              <a:ext cx="511710" cy="0"/>
+            </a:xfrm>
+            <a:prstGeom prst="line">
+              <a:avLst/>
+            </a:prstGeom>
+            <a:ln w="15875"/>
+          </p:spPr>
+          <p:style>
+            <a:lnRef idx="1">
+              <a:schemeClr val="accent1"/>
+            </a:lnRef>
+            <a:fillRef idx="0">
+              <a:schemeClr val="accent1"/>
+            </a:fillRef>
+            <a:effectRef idx="0">
+              <a:schemeClr val="accent1"/>
+            </a:effectRef>
+            <a:fontRef idx="minor">
+              <a:schemeClr val="tx1"/>
+            </a:fontRef>
+          </p:style>
+        </p:cxnSp>
+        <p:cxnSp>
+          <p:nvCxnSpPr>
+            <p:cNvPr id="274" name="Straight Connector 273">
+              <a:extLst>
+                <a:ext uri="{FF2B5EF4-FFF2-40B4-BE49-F238E27FC236}">
+                  <a16:creationId xmlns:a16="http://schemas.microsoft.com/office/drawing/2014/main" id="{48C4558F-3E5C-405B-9771-163D284D5F79}"/>
+                </a:ext>
+              </a:extLst>
+            </p:cNvPr>
+            <p:cNvCxnSpPr/>
+            <p:nvPr/>
+          </p:nvCxnSpPr>
+          <p:spPr>
+            <a:xfrm flipV="1">
+              <a:off x="4993904" y="6445596"/>
+              <a:ext cx="104504" cy="107604"/>
+            </a:xfrm>
+            <a:prstGeom prst="line">
+              <a:avLst/>
+            </a:prstGeom>
+            <a:ln w="15875"/>
+          </p:spPr>
+          <p:style>
+            <a:lnRef idx="1">
+              <a:schemeClr val="accent1"/>
+            </a:lnRef>
+            <a:fillRef idx="0">
+              <a:schemeClr val="accent1"/>
+            </a:fillRef>
+            <a:effectRef idx="0">
+              <a:schemeClr val="accent1"/>
+            </a:effectRef>
+            <a:fontRef idx="minor">
+              <a:schemeClr val="tx1"/>
+            </a:fontRef>
+          </p:style>
+        </p:cxnSp>
+        <p:cxnSp>
+          <p:nvCxnSpPr>
+            <p:cNvPr id="278" name="Straight Connector 277">
+              <a:extLst>
+                <a:ext uri="{FF2B5EF4-FFF2-40B4-BE49-F238E27FC236}">
+                  <a16:creationId xmlns:a16="http://schemas.microsoft.com/office/drawing/2014/main" id="{CC7B0988-6946-4F2E-8398-B22D11CF787B}"/>
+                </a:ext>
+              </a:extLst>
+            </p:cNvPr>
+            <p:cNvCxnSpPr/>
+            <p:nvPr/>
+          </p:nvCxnSpPr>
+          <p:spPr>
+            <a:xfrm flipV="1">
+              <a:off x="5098408" y="6173013"/>
+              <a:ext cx="0" cy="272583"/>
+            </a:xfrm>
+            <a:prstGeom prst="line">
+              <a:avLst/>
+            </a:prstGeom>
+            <a:ln w="15875"/>
+          </p:spPr>
+          <p:style>
+            <a:lnRef idx="1">
+              <a:schemeClr val="accent1"/>
+            </a:lnRef>
+            <a:fillRef idx="0">
+              <a:schemeClr val="accent1"/>
+            </a:fillRef>
+            <a:effectRef idx="0">
+              <a:schemeClr val="accent1"/>
+            </a:effectRef>
+            <a:fontRef idx="minor">
+              <a:schemeClr val="tx1"/>
+            </a:fontRef>
+          </p:style>
+        </p:cxnSp>
+        <p:sp>
+          <p:nvSpPr>
+            <p:cNvPr id="279" name="TextBox 278">
+              <a:extLst>
+                <a:ext uri="{FF2B5EF4-FFF2-40B4-BE49-F238E27FC236}">
+                  <a16:creationId xmlns:a16="http://schemas.microsoft.com/office/drawing/2014/main" id="{99A88B7B-CE24-4867-B542-37D868599C95}"/>
+                </a:ext>
+              </a:extLst>
+            </p:cNvPr>
+            <p:cNvSpPr txBox="1"/>
+            <p:nvPr/>
+          </p:nvSpPr>
+          <p:spPr>
+            <a:xfrm>
+              <a:off x="1968113" y="6293427"/>
+              <a:ext cx="2932799" cy="169277"/>
+            </a:xfrm>
+            <a:prstGeom prst="rect">
+              <a:avLst/>
+            </a:prstGeom>
+            <a:noFill/>
+          </p:spPr>
+          <p:txBody>
+            <a:bodyPr wrap="square" lIns="0" tIns="0" rIns="0" bIns="0" rtlCol="0">
+              <a:spAutoFit/>
+            </a:bodyPr>
+            <a:lstStyle>
+              <a:defPPr>
+                <a:defRPr lang="en-US"/>
+              </a:defPPr>
+              <a:lvl1pPr algn="r">
+                <a:defRPr sz="1400">
+                  <a:solidFill>
+                    <a:srgbClr val="0070C0"/>
+                  </a:solidFill>
+                </a:defRPr>
+              </a:lvl1pPr>
+            </a:lstStyle>
+            <a:p>
+              <a:r>
+                <a:rPr lang="en-US" sz="1100" dirty="0"/>
+                <a:t>alt</a:t>
+              </a:r>
+            </a:p>
+          </p:txBody>
+        </p:sp>
+      </p:grpSp>
+      <p:sp>
+        <p:nvSpPr>
+          <p:cNvPr id="280" name="Rectangle 279">
+            <a:extLst>
+              <a:ext uri="{FF2B5EF4-FFF2-40B4-BE49-F238E27FC236}">
+                <a16:creationId xmlns:a16="http://schemas.microsoft.com/office/drawing/2014/main" id="{A13A7D27-220B-4FCC-8F41-BFDF575EC0D0}"/>
+              </a:ext>
+            </a:extLst>
+          </p:cNvPr>
+          <p:cNvSpPr/>
+          <p:nvPr/>
+        </p:nvSpPr>
+        <p:spPr>
+          <a:xfrm>
+            <a:off x="7413375" y="7030481"/>
+            <a:ext cx="178786" cy="262648"/>
+          </a:xfrm>
+          <a:prstGeom prst="rect">
+            <a:avLst/>
+          </a:prstGeom>
+          <a:solidFill>
+            <a:srgbClr val="0070C0"/>
+          </a:solidFill>
+          <a:ln>
+            <a:solidFill>
+              <a:srgbClr val="0070C0"/>
+            </a:solidFill>
+          </a:ln>
+          <a:effectLst/>
+        </p:spPr>
+        <p:style>
+          <a:lnRef idx="1">
+            <a:schemeClr val="accent3"/>
+          </a:lnRef>
+          <a:fillRef idx="2">
+            <a:schemeClr val="accent3"/>
+          </a:fillRef>
+          <a:effectRef idx="1">
+            <a:schemeClr val="accent3"/>
+          </a:effectRef>
+          <a:fontRef idx="minor">
+            <a:schemeClr val="dk1"/>
+          </a:fontRef>
+        </p:style>
+        <p:txBody>
+          <a:bodyPr rtlCol="0" anchor="ctr"/>
+          <a:lstStyle/>
+          <a:p>
+            <a:pPr algn="ctr"/>
+            <a:endParaRPr lang="en-SG" sz="1400"/>
+          </a:p>
+        </p:txBody>
+      </p:sp>
+      <p:cxnSp>
+        <p:nvCxnSpPr>
+          <p:cNvPr id="281" name="Straight Arrow Connector 280">
+            <a:extLst>
+              <a:ext uri="{FF2B5EF4-FFF2-40B4-BE49-F238E27FC236}">
+                <a16:creationId xmlns:a16="http://schemas.microsoft.com/office/drawing/2014/main" id="{33599CED-03C5-4EC9-AAAC-F0EA8BD04FB9}"/>
+              </a:ext>
+            </a:extLst>
+          </p:cNvPr>
+          <p:cNvCxnSpPr>
+            <a:cxnSpLocks/>
+          </p:cNvCxnSpPr>
+          <p:nvPr/>
+        </p:nvCxnSpPr>
+        <p:spPr>
+          <a:xfrm flipV="1">
+            <a:off x="6003860" y="7051606"/>
+            <a:ext cx="1434280" cy="14640"/>
+          </a:xfrm>
+          <a:prstGeom prst="straightConnector1">
+            <a:avLst/>
+          </a:prstGeom>
+          <a:ln w="19050">
+            <a:solidFill>
+              <a:srgbClr val="0070C0"/>
+            </a:solidFill>
+            <a:tailEnd type="arrow"/>
+          </a:ln>
+        </p:spPr>
+        <p:style>
+          <a:lnRef idx="1">
+            <a:schemeClr val="accent1"/>
+          </a:lnRef>
+          <a:fillRef idx="0">
+            <a:schemeClr val="accent1"/>
+          </a:fillRef>
+          <a:effectRef idx="0">
+            <a:schemeClr val="accent1"/>
+          </a:effectRef>
+          <a:fontRef idx="minor">
+            <a:schemeClr val="tx1"/>
+          </a:fontRef>
+        </p:style>
+      </p:cxnSp>
+      <p:cxnSp>
+        <p:nvCxnSpPr>
+          <p:cNvPr id="283" name="Straight Arrow Connector 282">
+            <a:extLst>
+              <a:ext uri="{FF2B5EF4-FFF2-40B4-BE49-F238E27FC236}">
+                <a16:creationId xmlns:a16="http://schemas.microsoft.com/office/drawing/2014/main" id="{A3ABAC28-B25D-4D6E-9966-22BBB16C7732}"/>
+              </a:ext>
+            </a:extLst>
+          </p:cNvPr>
+          <p:cNvCxnSpPr>
+            <a:cxnSpLocks/>
+          </p:cNvCxnSpPr>
+          <p:nvPr/>
+        </p:nvCxnSpPr>
+        <p:spPr>
+          <a:xfrm>
+            <a:off x="6146133" y="7278352"/>
+            <a:ext cx="1366823" cy="382"/>
+          </a:xfrm>
+          <a:prstGeom prst="straightConnector1">
+            <a:avLst/>
+          </a:prstGeom>
+          <a:ln w="19050">
+            <a:solidFill>
+              <a:srgbClr val="0070C0"/>
+            </a:solidFill>
+            <a:prstDash val="sysDash"/>
+            <a:headEnd type="arrow" w="med" len="med"/>
+            <a:tailEnd type="none" w="med" len="med"/>
+          </a:ln>
+        </p:spPr>
+        <p:style>
+          <a:lnRef idx="1">
+            <a:schemeClr val="accent1"/>
+          </a:lnRef>
+          <a:fillRef idx="0">
+            <a:schemeClr val="accent1"/>
+          </a:fillRef>
+          <a:effectRef idx="0">
+            <a:schemeClr val="accent1"/>
+          </a:effectRef>
+          <a:fontRef idx="minor">
+            <a:schemeClr val="tx1"/>
+          </a:fontRef>
+        </p:style>
+      </p:cxnSp>
+      <p:grpSp>
+        <p:nvGrpSpPr>
+          <p:cNvPr id="358" name="Group 357">
+            <a:extLst>
+              <a:ext uri="{FF2B5EF4-FFF2-40B4-BE49-F238E27FC236}">
+                <a16:creationId xmlns:a16="http://schemas.microsoft.com/office/drawing/2014/main" id="{BC255A50-CC01-4952-A854-9BA6AA7F5DD5}"/>
+              </a:ext>
+            </a:extLst>
+          </p:cNvPr>
+          <p:cNvGrpSpPr/>
+          <p:nvPr/>
+        </p:nvGrpSpPr>
+        <p:grpSpPr>
+          <a:xfrm>
+            <a:off x="4404649" y="6157947"/>
+            <a:ext cx="3537265" cy="587440"/>
+            <a:chOff x="4365727" y="2726835"/>
+            <a:chExt cx="3537265" cy="587440"/>
+          </a:xfrm>
+        </p:grpSpPr>
+        <p:cxnSp>
+          <p:nvCxnSpPr>
+            <p:cNvPr id="359" name="Connector: Curved 358">
+              <a:extLst>
+                <a:ext uri="{FF2B5EF4-FFF2-40B4-BE49-F238E27FC236}">
+                  <a16:creationId xmlns:a16="http://schemas.microsoft.com/office/drawing/2014/main" id="{A8021BA1-9ED9-47A6-A0BB-FA1718711852}"/>
+                </a:ext>
+              </a:extLst>
+            </p:cNvPr>
+            <p:cNvCxnSpPr>
+              <a:cxnSpLocks/>
+            </p:cNvCxnSpPr>
+            <p:nvPr/>
+          </p:nvCxnSpPr>
+          <p:spPr>
+            <a:xfrm rot="16200000" flipH="1">
+              <a:off x="6001247" y="3176245"/>
+              <a:ext cx="199195" cy="76865"/>
+            </a:xfrm>
+            <a:prstGeom prst="curvedConnector4">
+              <a:avLst>
+                <a:gd name="adj1" fmla="val 17166"/>
+                <a:gd name="adj2" fmla="val 328105"/>
+              </a:avLst>
+            </a:prstGeom>
+            <a:ln>
+              <a:tailEnd type="triangle"/>
+            </a:ln>
+          </p:spPr>
+          <p:style>
+            <a:lnRef idx="1">
+              <a:schemeClr val="accent1"/>
+            </a:lnRef>
+            <a:fillRef idx="0">
+              <a:schemeClr val="accent1"/>
+            </a:fillRef>
+            <a:effectRef idx="0">
+              <a:schemeClr val="accent1"/>
+            </a:effectRef>
+            <a:fontRef idx="minor">
+              <a:schemeClr val="tx1"/>
+            </a:fontRef>
+          </p:style>
+        </p:cxnSp>
+        <p:sp>
+          <p:nvSpPr>
+            <p:cNvPr id="360" name="Rectangle 359">
+              <a:extLst>
+                <a:ext uri="{FF2B5EF4-FFF2-40B4-BE49-F238E27FC236}">
+                  <a16:creationId xmlns:a16="http://schemas.microsoft.com/office/drawing/2014/main" id="{E34B4364-8C4A-4F7B-9354-A53F06E88BA8}"/>
+                </a:ext>
+              </a:extLst>
+            </p:cNvPr>
+            <p:cNvSpPr/>
+            <p:nvPr/>
+          </p:nvSpPr>
+          <p:spPr>
+            <a:xfrm>
+              <a:off x="6008788" y="2888525"/>
+              <a:ext cx="193059" cy="261611"/>
+            </a:xfrm>
+            <a:prstGeom prst="rect">
+              <a:avLst/>
+            </a:prstGeom>
+            <a:solidFill>
+              <a:schemeClr val="tx2"/>
+            </a:solidFill>
+            <a:ln w="22225">
+              <a:solidFill>
+                <a:schemeClr val="tx1">
+                  <a:alpha val="0"/>
+                </a:schemeClr>
+              </a:solidFill>
+            </a:ln>
+            <a:effectLst/>
+          </p:spPr>
+          <p:style>
+            <a:lnRef idx="1">
+              <a:schemeClr val="accent3"/>
+            </a:lnRef>
+            <a:fillRef idx="2">
+              <a:schemeClr val="accent3"/>
+            </a:fillRef>
+            <a:effectRef idx="1">
+              <a:schemeClr val="accent3"/>
+            </a:effectRef>
+            <a:fontRef idx="minor">
+              <a:schemeClr val="dk1"/>
+            </a:fontRef>
+          </p:style>
+          <p:txBody>
+            <a:bodyPr rtlCol="0" anchor="ctr"/>
+            <a:lstStyle/>
+            <a:p>
+              <a:pPr algn="ctr"/>
+              <a:endParaRPr lang="en-SG" sz="1400"/>
+            </a:p>
+          </p:txBody>
+        </p:sp>
+        <p:cxnSp>
+          <p:nvCxnSpPr>
+            <p:cNvPr id="361" name="Connector: Curved 360">
+              <a:extLst>
+                <a:ext uri="{FF2B5EF4-FFF2-40B4-BE49-F238E27FC236}">
+                  <a16:creationId xmlns:a16="http://schemas.microsoft.com/office/drawing/2014/main" id="{D98DCF7F-CC6B-4149-B491-C5297F493662}"/>
+                </a:ext>
+              </a:extLst>
+            </p:cNvPr>
+            <p:cNvCxnSpPr>
+              <a:cxnSpLocks/>
+            </p:cNvCxnSpPr>
+            <p:nvPr/>
+          </p:nvCxnSpPr>
+          <p:spPr>
+            <a:xfrm rot="16200000" flipH="1">
+              <a:off x="6064597" y="2788000"/>
+              <a:ext cx="199195" cy="76865"/>
+            </a:xfrm>
+            <a:prstGeom prst="curvedConnector4">
+              <a:avLst>
+                <a:gd name="adj1" fmla="val 17166"/>
+                <a:gd name="adj2" fmla="val 316556"/>
+              </a:avLst>
+            </a:prstGeom>
+            <a:ln>
+              <a:tailEnd type="triangle"/>
+            </a:ln>
+          </p:spPr>
+          <p:style>
+            <a:lnRef idx="1">
+              <a:schemeClr val="accent1"/>
+            </a:lnRef>
+            <a:fillRef idx="0">
+              <a:schemeClr val="accent1"/>
+            </a:fillRef>
+            <a:effectRef idx="0">
+              <a:schemeClr val="accent1"/>
+            </a:effectRef>
+            <a:fontRef idx="minor">
+              <a:schemeClr val="tx1"/>
+            </a:fontRef>
+          </p:style>
+        </p:cxnSp>
+        <p:sp>
+          <p:nvSpPr>
+            <p:cNvPr id="362" name="TextBox 361">
+              <a:extLst>
+                <a:ext uri="{FF2B5EF4-FFF2-40B4-BE49-F238E27FC236}">
+                  <a16:creationId xmlns:a16="http://schemas.microsoft.com/office/drawing/2014/main" id="{F1F87BCF-031B-4768-9E34-D524258B3970}"/>
+                </a:ext>
+              </a:extLst>
+            </p:cNvPr>
+            <p:cNvSpPr txBox="1"/>
+            <p:nvPr/>
+          </p:nvSpPr>
+          <p:spPr>
+            <a:xfrm>
+              <a:off x="4365727" y="2803047"/>
+              <a:ext cx="3537265" cy="169277"/>
+            </a:xfrm>
+            <a:prstGeom prst="rect">
+              <a:avLst/>
+            </a:prstGeom>
+            <a:noFill/>
+          </p:spPr>
+          <p:txBody>
+            <a:bodyPr wrap="square" lIns="0" tIns="0" rIns="0" bIns="0" rtlCol="0">
+              <a:spAutoFit/>
+            </a:bodyPr>
+            <a:lstStyle>
+              <a:defPPr>
+                <a:defRPr lang="en-US"/>
+              </a:defPPr>
+              <a:lvl1pPr algn="r">
+                <a:defRPr sz="1400">
+                  <a:solidFill>
+                    <a:srgbClr val="0070C0"/>
+                  </a:solidFill>
+                </a:defRPr>
+              </a:lvl1pPr>
+            </a:lstStyle>
+            <a:p>
+              <a:r>
+                <a:rPr lang="en-US" sz="1100" dirty="0" err="1"/>
+                <a:t>getFileNames</a:t>
+              </a:r>
+              <a:r>
+                <a:rPr lang="en-US" sz="1100" dirty="0"/>
+                <a:t>(WebDriver)</a:t>
+              </a:r>
+            </a:p>
+          </p:txBody>
+        </p:sp>
+      </p:grpSp>
+      <p:sp>
+        <p:nvSpPr>
+          <p:cNvPr id="363" name="TextBox 362">
+            <a:extLst>
+              <a:ext uri="{FF2B5EF4-FFF2-40B4-BE49-F238E27FC236}">
+                <a16:creationId xmlns:a16="http://schemas.microsoft.com/office/drawing/2014/main" id="{21148AEC-39F1-48B5-9E5E-84A4A0CCA054}"/>
+              </a:ext>
+            </a:extLst>
+          </p:cNvPr>
+          <p:cNvSpPr txBox="1"/>
+          <p:nvPr/>
+        </p:nvSpPr>
+        <p:spPr>
+          <a:xfrm>
+            <a:off x="4423129" y="6579840"/>
+            <a:ext cx="2932799" cy="169277"/>
+          </a:xfrm>
+          <a:prstGeom prst="rect">
+            <a:avLst/>
+          </a:prstGeom>
+          <a:noFill/>
+        </p:spPr>
+        <p:txBody>
+          <a:bodyPr wrap="square" lIns="0" tIns="0" rIns="0" bIns="0" rtlCol="0">
+            <a:spAutoFit/>
+          </a:bodyPr>
+          <a:lstStyle>
+            <a:defPPr>
+              <a:defRPr lang="en-US"/>
+            </a:defPPr>
+            <a:lvl1pPr algn="r">
+              <a:defRPr sz="1400">
+                <a:solidFill>
+                  <a:srgbClr val="0070C0"/>
+                </a:solidFill>
+              </a:defRPr>
+            </a:lvl1pPr>
+          </a:lstStyle>
+          <a:p>
+            <a:r>
+              <a:rPr lang="en-US" sz="1100" dirty="0"/>
+              <a:t>String: </a:t>
+            </a:r>
+            <a:r>
+              <a:rPr lang="en-US" sz="1100" dirty="0" err="1"/>
+              <a:t>fileNames</a:t>
+            </a:r>
+            <a:endParaRPr lang="en-US" sz="1100" dirty="0"/>
+          </a:p>
+        </p:txBody>
+      </p:sp>
+      <p:cxnSp>
+        <p:nvCxnSpPr>
+          <p:cNvPr id="369" name="Straight Arrow Connector 368">
+            <a:extLst>
+              <a:ext uri="{FF2B5EF4-FFF2-40B4-BE49-F238E27FC236}">
+                <a16:creationId xmlns:a16="http://schemas.microsoft.com/office/drawing/2014/main" id="{45E264A2-B76F-41EB-96B0-9CE2A5639162}"/>
+              </a:ext>
+            </a:extLst>
+          </p:cNvPr>
+          <p:cNvCxnSpPr>
+            <a:cxnSpLocks/>
+          </p:cNvCxnSpPr>
+          <p:nvPr/>
+        </p:nvCxnSpPr>
+        <p:spPr>
+          <a:xfrm>
+            <a:off x="2118067" y="7449412"/>
+            <a:ext cx="3831517" cy="0"/>
+          </a:xfrm>
+          <a:prstGeom prst="straightConnector1">
+            <a:avLst/>
+          </a:prstGeom>
+          <a:ln w="19050">
+            <a:solidFill>
+              <a:srgbClr val="0070C0"/>
+            </a:solidFill>
+            <a:prstDash val="sysDash"/>
+            <a:headEnd type="arrow" w="med" len="med"/>
+            <a:tailEnd type="none" w="med" len="med"/>
+          </a:ln>
+        </p:spPr>
+        <p:style>
+          <a:lnRef idx="1">
+            <a:schemeClr val="accent1"/>
+          </a:lnRef>
+          <a:fillRef idx="0">
+            <a:schemeClr val="accent1"/>
+          </a:fillRef>
+          <a:effectRef idx="0">
+            <a:schemeClr val="accent1"/>
+          </a:effectRef>
+          <a:fontRef idx="minor">
+            <a:schemeClr val="tx1"/>
+          </a:fontRef>
+        </p:style>
+      </p:cxnSp>
+      <p:sp>
+        <p:nvSpPr>
+          <p:cNvPr id="370" name="TextBox 369">
+            <a:extLst>
+              <a:ext uri="{FF2B5EF4-FFF2-40B4-BE49-F238E27FC236}">
+                <a16:creationId xmlns:a16="http://schemas.microsoft.com/office/drawing/2014/main" id="{253E2F7A-FA0F-488F-87BD-32F87156B129}"/>
+              </a:ext>
+            </a:extLst>
+          </p:cNvPr>
+          <p:cNvSpPr txBox="1"/>
+          <p:nvPr/>
+        </p:nvSpPr>
+        <p:spPr>
+          <a:xfrm>
+            <a:off x="3505590" y="9098740"/>
+            <a:ext cx="762000" cy="215444"/>
+          </a:xfrm>
+          <a:prstGeom prst="rect">
+            <a:avLst/>
+          </a:prstGeom>
+          <a:noFill/>
+        </p:spPr>
+        <p:txBody>
+          <a:bodyPr wrap="square" lIns="0" tIns="0" rIns="0" bIns="0" rtlCol="0">
+            <a:spAutoFit/>
+          </a:bodyPr>
+          <a:lstStyle>
+            <a:defPPr>
+              <a:defRPr lang="en-US"/>
+            </a:defPPr>
+            <a:lvl1pPr algn="r">
+              <a:defRPr sz="1400">
+                <a:solidFill>
+                  <a:srgbClr val="0070C0"/>
+                </a:solidFill>
+              </a:defRPr>
+            </a:lvl1pPr>
+          </a:lstStyle>
+          <a:p>
+            <a:r>
+              <a:rPr lang="en-US" dirty="0"/>
+              <a:t>result</a:t>
+            </a:r>
+          </a:p>
+        </p:txBody>
+      </p:sp>
+    </p:spTree>
+    <p:extLst>
+      <p:ext uri="{BB962C8B-B14F-4D97-AF65-F5344CB8AC3E}">
+        <p14:creationId xmlns:p14="http://schemas.microsoft.com/office/powerpoint/2010/main" val="2448333288"/>
       </p:ext>
     </p:extLst>
   </p:cSld>
